--- a/공학설계 자료/공학설계_중간보고_발표자료.pptx
+++ b/공학설계 자료/공학설계_중간보고_발표자료.pptx
@@ -5,10 +5,10 @@
     <p:sldMasterId id="2147483662" r:id="rId1"/>
   </p:sldMasterIdLst>
   <p:notesMasterIdLst>
-    <p:notesMasterId r:id="rId16"/>
+    <p:notesMasterId r:id="rId17"/>
   </p:notesMasterIdLst>
   <p:handoutMasterIdLst>
-    <p:handoutMasterId r:id="rId17"/>
+    <p:handoutMasterId r:id="rId18"/>
   </p:handoutMasterIdLst>
   <p:sldIdLst>
     <p:sldId id="1286" r:id="rId2"/>
@@ -16,15 +16,16 @@
     <p:sldId id="1402" r:id="rId4"/>
     <p:sldId id="1404" r:id="rId5"/>
     <p:sldId id="1406" r:id="rId6"/>
-    <p:sldId id="1405" r:id="rId7"/>
-    <p:sldId id="1395" r:id="rId8"/>
-    <p:sldId id="1396" r:id="rId9"/>
-    <p:sldId id="1397" r:id="rId10"/>
-    <p:sldId id="1399" r:id="rId11"/>
+    <p:sldId id="1407" r:id="rId7"/>
+    <p:sldId id="1405" r:id="rId8"/>
+    <p:sldId id="1395" r:id="rId9"/>
+    <p:sldId id="1396" r:id="rId10"/>
+    <p:sldId id="1397" r:id="rId11"/>
     <p:sldId id="1400" r:id="rId12"/>
-    <p:sldId id="1401" r:id="rId13"/>
-    <p:sldId id="1398" r:id="rId14"/>
-    <p:sldId id="1393" r:id="rId15"/>
+    <p:sldId id="1399" r:id="rId13"/>
+    <p:sldId id="1401" r:id="rId14"/>
+    <p:sldId id="1398" r:id="rId15"/>
+    <p:sldId id="1393" r:id="rId16"/>
   </p:sldIdLst>
   <p:sldSz cx="10561638" cy="7921625"/>
   <p:notesSz cx="6805613" cy="9939338"/>
@@ -133,12 +134,13 @@
             <p14:sldId id="1402"/>
             <p14:sldId id="1404"/>
             <p14:sldId id="1406"/>
+            <p14:sldId id="1407"/>
             <p14:sldId id="1405"/>
             <p14:sldId id="1395"/>
             <p14:sldId id="1396"/>
             <p14:sldId id="1397"/>
+            <p14:sldId id="1400"/>
             <p14:sldId id="1399"/>
-            <p14:sldId id="1400"/>
             <p14:sldId id="1401"/>
             <p14:sldId id="1398"/>
             <p14:sldId id="1393"/>
@@ -2654,7 +2656,7 @@
             </a:r>
             <a:r>
               <a:rPr lang="en-US" altLang="ko-KR" dirty="0"/>
-              <a:t>(2/3)</a:t>
+              <a:t>(1/3)</a:t>
             </a:r>
             <a:endParaRPr lang="ko-KR" altLang="en-US" dirty="0"/>
           </a:p>
@@ -2688,7 +2690,7 @@
     </p:spTree>
     <p:extLst>
       <p:ext uri="{BB962C8B-B14F-4D97-AF65-F5344CB8AC3E}">
-        <p14:creationId xmlns:p14="http://schemas.microsoft.com/office/powerpoint/2010/main" val="3474892286"/>
+        <p14:creationId xmlns:p14="http://schemas.microsoft.com/office/powerpoint/2010/main" val="1335587087"/>
       </p:ext>
     </p:extLst>
   </p:cSld>
@@ -2754,7 +2756,7 @@
             </a:r>
             <a:r>
               <a:rPr lang="en-US" altLang="ko-KR" dirty="0"/>
-              <a:t>(3/3)</a:t>
+              <a:t>(2/3)</a:t>
             </a:r>
             <a:endParaRPr lang="ko-KR" altLang="en-US" dirty="0"/>
           </a:p>
@@ -2762,26 +2764,111 @@
       </p:sp>
       <p:sp>
         <p:nvSpPr>
-          <p:cNvPr id="3" name="내용 개체 틀 2">
+          <p:cNvPr id="8" name="TextBox 7">
             <a:extLst>
               <a:ext uri="{FF2B5EF4-FFF2-40B4-BE49-F238E27FC236}">
-                <a16:creationId xmlns:a16="http://schemas.microsoft.com/office/drawing/2014/main" id="{D1754C20-79A3-4CBA-8B0D-FB0BED952E5A}"/>
+                <a16:creationId xmlns:a16="http://schemas.microsoft.com/office/drawing/2014/main" id="{A4264C0C-B5B9-4596-8BDE-BD49A4825BB0}"/>
               </a:ext>
             </a:extLst>
           </p:cNvPr>
-          <p:cNvSpPr>
-            <a:spLocks noGrp="1"/>
-          </p:cNvSpPr>
-          <p:nvPr>
-            <p:ph sz="quarter" idx="11"/>
-          </p:nvPr>
+          <p:cNvSpPr txBox="1"/>
+          <p:nvPr/>
         </p:nvSpPr>
-        <p:spPr/>
+        <p:spPr>
+          <a:xfrm>
+            <a:off x="816323" y="792460"/>
+            <a:ext cx="1413518" cy="369332"/>
+          </a:xfrm>
+          <a:prstGeom prst="rect">
+            <a:avLst/>
+          </a:prstGeom>
+          <a:noFill/>
+        </p:spPr>
         <p:txBody>
-          <a:bodyPr/>
+          <a:bodyPr wrap="square" rtlCol="0">
+            <a:spAutoFit/>
+          </a:bodyPr>
           <a:lstStyle/>
           <a:p>
-            <a:endParaRPr lang="ko-KR" altLang="en-US"/>
+            <a:r>
+              <a:rPr lang="en-US" altLang="ko-KR" dirty="0"/>
+              <a:t>Server </a:t>
+            </a:r>
+            <a:r>
+              <a:rPr lang="ko-KR" altLang="en-US" dirty="0"/>
+              <a:t>부분 </a:t>
+            </a:r>
+          </a:p>
+        </p:txBody>
+      </p:sp>
+      <p:pic>
+        <p:nvPicPr>
+          <p:cNvPr id="10" name="그림 9" descr="텍스트이(가) 표시된 사진&#10;&#10;자동 생성된 설명">
+            <a:extLst>
+              <a:ext uri="{FF2B5EF4-FFF2-40B4-BE49-F238E27FC236}">
+                <a16:creationId xmlns:a16="http://schemas.microsoft.com/office/drawing/2014/main" id="{FEE711FE-A2B6-42E1-A291-C437EA956C98}"/>
+              </a:ext>
+            </a:extLst>
+          </p:cNvPr>
+          <p:cNvPicPr>
+            <a:picLocks noChangeAspect="1"/>
+          </p:cNvPicPr>
+          <p:nvPr/>
+        </p:nvPicPr>
+        <p:blipFill>
+          <a:blip r:embed="rId2">
+            <a:extLst>
+              <a:ext uri="{28A0092B-C50C-407E-A947-70E740481C1C}">
+                <a14:useLocalDpi xmlns:a14="http://schemas.microsoft.com/office/drawing/2010/main" val="0"/>
+              </a:ext>
+            </a:extLst>
+          </a:blip>
+          <a:stretch>
+            <a:fillRect/>
+          </a:stretch>
+        </p:blipFill>
+        <p:spPr>
+          <a:xfrm>
+            <a:off x="1248371" y="1872580"/>
+            <a:ext cx="7685411" cy="5479460"/>
+          </a:xfrm>
+          <a:prstGeom prst="rect">
+            <a:avLst/>
+          </a:prstGeom>
+        </p:spPr>
+      </p:pic>
+      <p:sp>
+        <p:nvSpPr>
+          <p:cNvPr id="11" name="TextBox 10">
+            <a:extLst>
+              <a:ext uri="{FF2B5EF4-FFF2-40B4-BE49-F238E27FC236}">
+                <a16:creationId xmlns:a16="http://schemas.microsoft.com/office/drawing/2014/main" id="{271C5391-9ED8-4836-97D5-B2A9E4E6AFCF}"/>
+              </a:ext>
+            </a:extLst>
+          </p:cNvPr>
+          <p:cNvSpPr txBox="1"/>
+          <p:nvPr/>
+        </p:nvSpPr>
+        <p:spPr>
+          <a:xfrm>
+            <a:off x="816323" y="1322422"/>
+            <a:ext cx="8496944" cy="369332"/>
+          </a:xfrm>
+          <a:prstGeom prst="rect">
+            <a:avLst/>
+          </a:prstGeom>
+          <a:noFill/>
+        </p:spPr>
+        <p:txBody>
+          <a:bodyPr wrap="square" rtlCol="0">
+            <a:spAutoFit/>
+          </a:bodyPr>
+          <a:lstStyle/>
+          <a:p>
+            <a:r>
+              <a:rPr lang="ko-KR" altLang="en-US" dirty="0"/>
+              <a:t>대기인원에 대한 데이터를 저장하고 불러오기 위한 서버 구축</a:t>
+            </a:r>
           </a:p>
         </p:txBody>
       </p:sp>
@@ -2799,6 +2886,276 @@
 </file>
 
 <file path=ppt/slides/slide12.xml><?xml version="1.0" encoding="utf-8"?>
+<p:sld xmlns:a="http://schemas.openxmlformats.org/drawingml/2006/main" xmlns:r="http://schemas.openxmlformats.org/officeDocument/2006/relationships" xmlns:p="http://schemas.openxmlformats.org/presentationml/2006/main">
+  <p:cSld>
+    <p:spTree>
+      <p:nvGrpSpPr>
+        <p:cNvPr id="1" name=""/>
+        <p:cNvGrpSpPr/>
+        <p:nvPr/>
+      </p:nvGrpSpPr>
+      <p:grpSpPr>
+        <a:xfrm>
+          <a:off x="0" y="0"/>
+          <a:ext cx="0" cy="0"/>
+          <a:chOff x="0" y="0"/>
+          <a:chExt cx="0" cy="0"/>
+        </a:xfrm>
+      </p:grpSpPr>
+      <p:sp>
+        <p:nvSpPr>
+          <p:cNvPr id="2" name="텍스트 개체 틀 1">
+            <a:extLst>
+              <a:ext uri="{FF2B5EF4-FFF2-40B4-BE49-F238E27FC236}">
+                <a16:creationId xmlns:a16="http://schemas.microsoft.com/office/drawing/2014/main" id="{E045F529-ED27-4C61-9AC7-F61264904570}"/>
+              </a:ext>
+            </a:extLst>
+          </p:cNvPr>
+          <p:cNvSpPr>
+            <a:spLocks noGrp="1"/>
+          </p:cNvSpPr>
+          <p:nvPr>
+            <p:ph type="body" sz="quarter" idx="10"/>
+          </p:nvPr>
+        </p:nvSpPr>
+        <p:spPr/>
+        <p:txBody>
+          <a:bodyPr/>
+          <a:lstStyle/>
+          <a:p>
+            <a:r>
+              <a:rPr lang="en-US" altLang="ko-KR" dirty="0"/>
+              <a:t>(</a:t>
+            </a:r>
+            <a:r>
+              <a:rPr lang="ko-KR" altLang="en-US" dirty="0"/>
+              <a:t>현재 기준</a:t>
+            </a:r>
+            <a:r>
+              <a:rPr lang="en-US" altLang="ko-KR" dirty="0"/>
+              <a:t>) </a:t>
+            </a:r>
+            <a:r>
+              <a:rPr lang="ko-KR" altLang="en-US" dirty="0"/>
+              <a:t>주요 연구 결과 및 성과물 </a:t>
+            </a:r>
+            <a:r>
+              <a:rPr lang="en-US" altLang="ko-KR" dirty="0"/>
+              <a:t>(3/3)</a:t>
+            </a:r>
+            <a:endParaRPr lang="ko-KR" altLang="en-US" dirty="0"/>
+          </a:p>
+        </p:txBody>
+      </p:sp>
+      <p:pic>
+        <p:nvPicPr>
+          <p:cNvPr id="4" name="그림 3">
+            <a:extLst>
+              <a:ext uri="{FF2B5EF4-FFF2-40B4-BE49-F238E27FC236}">
+                <a16:creationId xmlns:a16="http://schemas.microsoft.com/office/drawing/2014/main" id="{20D1C0FE-3E9D-4E20-A6A6-E13E6979A801}"/>
+              </a:ext>
+            </a:extLst>
+          </p:cNvPr>
+          <p:cNvPicPr/>
+          <p:nvPr/>
+        </p:nvPicPr>
+        <p:blipFill rotWithShape="1">
+          <a:blip r:embed="rId2"/>
+          <a:stretch>
+            <a:fillRect/>
+          </a:stretch>
+        </p:blipFill>
+        <p:spPr>
+          <a:xfrm>
+            <a:off x="4420737" y="1296516"/>
+            <a:ext cx="2808312" cy="5040560"/>
+          </a:xfrm>
+          <a:prstGeom prst="rect">
+            <a:avLst/>
+          </a:prstGeom>
+          <a:ln w="12700" cap="sq">
+            <a:solidFill>
+              <a:srgbClr val="000000"/>
+            </a:solidFill>
+            <a:miter/>
+          </a:ln>
+          <a:effectLst/>
+        </p:spPr>
+      </p:pic>
+      <p:pic>
+        <p:nvPicPr>
+          <p:cNvPr id="5" name="그림 4">
+            <a:extLst>
+              <a:ext uri="{FF2B5EF4-FFF2-40B4-BE49-F238E27FC236}">
+                <a16:creationId xmlns:a16="http://schemas.microsoft.com/office/drawing/2014/main" id="{2F6587F2-5077-46D5-81A4-8288FD775659}"/>
+              </a:ext>
+            </a:extLst>
+          </p:cNvPr>
+          <p:cNvPicPr/>
+          <p:nvPr/>
+        </p:nvPicPr>
+        <p:blipFill rotWithShape="1">
+          <a:blip r:embed="rId3"/>
+          <a:stretch>
+            <a:fillRect/>
+          </a:stretch>
+        </p:blipFill>
+        <p:spPr>
+          <a:xfrm>
+            <a:off x="7401082" y="1296516"/>
+            <a:ext cx="2808312" cy="5040560"/>
+          </a:xfrm>
+          <a:prstGeom prst="rect">
+            <a:avLst/>
+          </a:prstGeom>
+          <a:solidFill>
+            <a:srgbClr val="000000">
+              <a:shade val="95000"/>
+            </a:srgbClr>
+          </a:solidFill>
+          <a:ln w="12700" cap="sq">
+            <a:solidFill>
+              <a:srgbClr val="000000"/>
+            </a:solidFill>
+            <a:miter/>
+          </a:ln>
+          <a:effectLst/>
+        </p:spPr>
+      </p:pic>
+      <p:sp>
+        <p:nvSpPr>
+          <p:cNvPr id="6" name="TextBox 5">
+            <a:extLst>
+              <a:ext uri="{FF2B5EF4-FFF2-40B4-BE49-F238E27FC236}">
+                <a16:creationId xmlns:a16="http://schemas.microsoft.com/office/drawing/2014/main" id="{D9F4F954-039A-47D4-A165-9BCCD87F674D}"/>
+              </a:ext>
+            </a:extLst>
+          </p:cNvPr>
+          <p:cNvSpPr txBox="1"/>
+          <p:nvPr/>
+        </p:nvSpPr>
+        <p:spPr>
+          <a:xfrm>
+            <a:off x="178767" y="2304628"/>
+            <a:ext cx="4210996" cy="1754326"/>
+          </a:xfrm>
+          <a:prstGeom prst="rect">
+            <a:avLst/>
+          </a:prstGeom>
+          <a:noFill/>
+        </p:spPr>
+        <p:txBody>
+          <a:bodyPr wrap="square" rtlCol="0">
+            <a:spAutoFit/>
+          </a:bodyPr>
+          <a:lstStyle/>
+          <a:p>
+            <a:endParaRPr lang="en-US" altLang="ko-KR" dirty="0"/>
+          </a:p>
+          <a:p>
+            <a:r>
+              <a:rPr lang="en-US" altLang="ko-KR" dirty="0"/>
+              <a:t>1. </a:t>
+            </a:r>
+            <a:r>
+              <a:rPr lang="ko-KR" altLang="en-US" dirty="0"/>
+              <a:t>공공 </a:t>
+            </a:r>
+            <a:r>
+              <a:rPr lang="ko-KR" altLang="en-US" dirty="0" err="1"/>
+              <a:t>데이터포털에서</a:t>
+            </a:r>
+            <a:r>
+              <a:rPr lang="ko-KR" altLang="en-US" dirty="0"/>
+              <a:t> 받아온 버스의 실시간 정보에 대한 </a:t>
+            </a:r>
+            <a:r>
+              <a:rPr lang="en-US" altLang="ko-KR" dirty="0"/>
+              <a:t>UI</a:t>
+            </a:r>
+            <a:r>
+              <a:rPr lang="ko-KR" altLang="en-US" dirty="0"/>
+              <a:t> 구현</a:t>
+            </a:r>
+            <a:endParaRPr lang="en-US" altLang="ko-KR" dirty="0"/>
+          </a:p>
+          <a:p>
+            <a:endParaRPr lang="en-US" altLang="ko-KR" dirty="0"/>
+          </a:p>
+          <a:p>
+            <a:r>
+              <a:rPr lang="en-US" altLang="ko-KR" dirty="0"/>
+              <a:t>2. </a:t>
+            </a:r>
+            <a:r>
+              <a:rPr lang="ko-KR" altLang="en-US" dirty="0"/>
+              <a:t>데이터베이스에서 받아온 대기인원 정보 </a:t>
+            </a:r>
+            <a:r>
+              <a:rPr lang="en-US" altLang="ko-KR" dirty="0"/>
+              <a:t>UI </a:t>
+            </a:r>
+            <a:r>
+              <a:rPr lang="ko-KR" altLang="en-US" dirty="0"/>
+              <a:t>구현</a:t>
+            </a:r>
+            <a:endParaRPr lang="en-US" altLang="ko-KR" dirty="0"/>
+          </a:p>
+        </p:txBody>
+      </p:sp>
+      <p:sp>
+        <p:nvSpPr>
+          <p:cNvPr id="7" name="TextBox 6">
+            <a:extLst>
+              <a:ext uri="{FF2B5EF4-FFF2-40B4-BE49-F238E27FC236}">
+                <a16:creationId xmlns:a16="http://schemas.microsoft.com/office/drawing/2014/main" id="{2CFFFF99-D9CC-46F4-9C51-792344A4BD8E}"/>
+              </a:ext>
+            </a:extLst>
+          </p:cNvPr>
+          <p:cNvSpPr txBox="1"/>
+          <p:nvPr/>
+        </p:nvSpPr>
+        <p:spPr>
+          <a:xfrm>
+            <a:off x="1577506" y="1296516"/>
+            <a:ext cx="1413518" cy="369332"/>
+          </a:xfrm>
+          <a:prstGeom prst="rect">
+            <a:avLst/>
+          </a:prstGeom>
+          <a:noFill/>
+        </p:spPr>
+        <p:txBody>
+          <a:bodyPr wrap="square" rtlCol="0">
+            <a:spAutoFit/>
+          </a:bodyPr>
+          <a:lstStyle/>
+          <a:p>
+            <a:r>
+              <a:rPr lang="en-US" altLang="ko-KR" dirty="0"/>
+              <a:t>APP </a:t>
+            </a:r>
+            <a:r>
+              <a:rPr lang="ko-KR" altLang="en-US" dirty="0"/>
+              <a:t>부분</a:t>
+            </a:r>
+          </a:p>
+        </p:txBody>
+      </p:sp>
+    </p:spTree>
+    <p:extLst>
+      <p:ext uri="{BB962C8B-B14F-4D97-AF65-F5344CB8AC3E}">
+        <p14:creationId xmlns:p14="http://schemas.microsoft.com/office/powerpoint/2010/main" val="3474892286"/>
+      </p:ext>
+    </p:extLst>
+  </p:cSld>
+  <p:clrMapOvr>
+    <a:masterClrMapping/>
+  </p:clrMapOvr>
+</p:sld>
+</file>
+
+<file path=ppt/slides/slide13.xml><?xml version="1.0" encoding="utf-8"?>
 <p:sld xmlns:a="http://schemas.openxmlformats.org/drawingml/2006/main" xmlns:r="http://schemas.openxmlformats.org/officeDocument/2006/relationships" xmlns:p="http://schemas.openxmlformats.org/presentationml/2006/main">
   <p:cSld>
     <p:spTree>
@@ -2942,7 +3299,7 @@
 </p:sld>
 </file>
 
-<file path=ppt/slides/slide13.xml><?xml version="1.0" encoding="utf-8"?>
+<file path=ppt/slides/slide14.xml><?xml version="1.0" encoding="utf-8"?>
 <p:sld xmlns:a="http://schemas.openxmlformats.org/drawingml/2006/main" xmlns:r="http://schemas.openxmlformats.org/officeDocument/2006/relationships" xmlns:p="http://schemas.openxmlformats.org/presentationml/2006/main">
   <p:cSld>
     <p:spTree>
@@ -5880,7 +6237,7 @@
 </p:sld>
 </file>
 
-<file path=ppt/slides/slide14.xml><?xml version="1.0" encoding="utf-8"?>
+<file path=ppt/slides/slide15.xml><?xml version="1.0" encoding="utf-8"?>
 <p:sld xmlns:a="http://schemas.openxmlformats.org/drawingml/2006/main" xmlns:r="http://schemas.openxmlformats.org/officeDocument/2006/relationships" xmlns:p="http://schemas.openxmlformats.org/presentationml/2006/main">
   <p:cSld>
     <p:spTree>
@@ -9110,7 +9467,7 @@
         <p:spPr>
           <a:xfrm>
             <a:off x="518973" y="1380031"/>
-            <a:ext cx="9523692" cy="4690515"/>
+            <a:ext cx="9523692" cy="4524315"/>
           </a:xfrm>
           <a:prstGeom prst="rect">
             <a:avLst/>
@@ -9122,15 +9479,8 @@
           </a:bodyPr>
           <a:lstStyle/>
           <a:p>
-            <a:pPr algn="just" fontAlgn="base">
-              <a:lnSpc>
-                <a:spcPct val="160000"/>
-              </a:lnSpc>
-              <a:tabLst>
-                <a:tab pos="6111240" algn="r"/>
-              </a:tabLst>
-            </a:pPr>
-            <a:endParaRPr lang="ko-KR" altLang="en-US" b="1" kern="0" dirty="0">
+            <a:pPr fontAlgn="base"/>
+            <a:endParaRPr lang="en-US" altLang="ko-KR" b="1" kern="0" dirty="0">
               <a:solidFill>
                 <a:srgbClr val="000000"/>
               </a:solidFill>
@@ -9376,7 +9726,7 @@
             </a:r>
             <a:r>
               <a:rPr lang="en-US" altLang="ko-KR" dirty="0"/>
-              <a:t>(2-3/2)</a:t>
+              <a:t>(2-2/2)</a:t>
             </a:r>
             <a:endParaRPr lang="ko-KR" altLang="en-US" dirty="0"/>
           </a:p>
@@ -9469,7 +9819,7 @@
         <p:spPr>
           <a:xfrm>
             <a:off x="518973" y="1380031"/>
-            <a:ext cx="9523692" cy="2474524"/>
+            <a:ext cx="9523692" cy="4690515"/>
           </a:xfrm>
           <a:prstGeom prst="rect">
             <a:avLst/>
@@ -9500,6 +9850,347 @@
           <a:p>
             <a:pPr fontAlgn="base"/>
             <a:r>
+              <a:rPr lang="ko-KR" altLang="en-US" b="1" dirty="0"/>
+              <a:t>클라우드 서버 구축 </a:t>
+            </a:r>
+            <a:r>
+              <a:rPr lang="en-US" altLang="ko-KR" b="1" dirty="0"/>
+              <a:t>:</a:t>
+            </a:r>
+          </a:p>
+          <a:p>
+            <a:pPr fontAlgn="base"/>
+            <a:endParaRPr lang="en-US" altLang="ko-KR" b="1" dirty="0"/>
+          </a:p>
+          <a:p>
+            <a:pPr fontAlgn="base"/>
+            <a:r>
+              <a:rPr lang="ko-KR" altLang="en-US" b="1" dirty="0"/>
+              <a:t>데이터 베이스의 정보들을 앱 쪽으로 전달 해주기 위해서 </a:t>
+            </a:r>
+            <a:r>
+              <a:rPr lang="en-US" altLang="ko-KR" b="1" dirty="0"/>
+              <a:t>Rest</a:t>
+            </a:r>
+            <a:r>
+              <a:rPr lang="ko-KR" altLang="en-US" b="1" dirty="0"/>
+              <a:t> </a:t>
+            </a:r>
+            <a:r>
+              <a:rPr lang="en-US" altLang="ko-KR" b="1" dirty="0" err="1"/>
+              <a:t>api</a:t>
+            </a:r>
+            <a:r>
+              <a:rPr lang="en-US" altLang="ko-KR" b="1" dirty="0"/>
+              <a:t> </a:t>
+            </a:r>
+            <a:r>
+              <a:rPr lang="ko-KR" altLang="en-US" b="1" dirty="0"/>
+              <a:t>를 이용한 </a:t>
+            </a:r>
+            <a:r>
+              <a:rPr lang="en-US" altLang="ko-KR" b="1" dirty="0"/>
+              <a:t>HTTP </a:t>
+            </a:r>
+            <a:r>
+              <a:rPr lang="ko-KR" altLang="en-US" b="1" dirty="0"/>
+              <a:t>프로토콜 통신을 이용해서 데이터 베이스의 정보를 앱 쪽으로 전달해주는 </a:t>
+            </a:r>
+            <a:r>
+              <a:rPr lang="en-US" altLang="ko-KR" b="1" dirty="0"/>
+              <a:t>API Gateway </a:t>
+            </a:r>
+            <a:r>
+              <a:rPr lang="ko-KR" altLang="en-US" b="1" dirty="0"/>
+              <a:t>를 구축한다</a:t>
+            </a:r>
+            <a:r>
+              <a:rPr lang="en-US" altLang="ko-KR" b="1" dirty="0"/>
+              <a:t>.</a:t>
+            </a:r>
+          </a:p>
+          <a:p>
+            <a:pPr fontAlgn="base"/>
+            <a:r>
+              <a:rPr lang="ko-KR" altLang="en-US" b="1" dirty="0"/>
+              <a:t>이 때</a:t>
+            </a:r>
+            <a:r>
+              <a:rPr lang="en-US" altLang="ko-KR" b="1" dirty="0"/>
+              <a:t>, API Gateway </a:t>
+            </a:r>
+            <a:r>
+              <a:rPr lang="ko-KR" altLang="en-US" b="1" dirty="0"/>
+              <a:t>를 동작 시키기 위해서 </a:t>
+            </a:r>
+            <a:r>
+              <a:rPr lang="en-US" altLang="ko-KR" b="1" dirty="0"/>
+              <a:t>Lambda </a:t>
+            </a:r>
+            <a:r>
+              <a:rPr lang="ko-KR" altLang="en-US" b="1" dirty="0"/>
+              <a:t>함수를 구축한다</a:t>
+            </a:r>
+            <a:r>
+              <a:rPr lang="en-US" altLang="ko-KR" b="1" dirty="0"/>
+              <a:t>.</a:t>
+            </a:r>
+          </a:p>
+          <a:p>
+            <a:pPr fontAlgn="base"/>
+            <a:endParaRPr lang="en-US" altLang="ko-KR" b="1" dirty="0"/>
+          </a:p>
+          <a:p>
+            <a:pPr fontAlgn="base"/>
+            <a:r>
+              <a:rPr lang="en-US" altLang="ko-KR" b="1" dirty="0"/>
+              <a:t>AWS API Gateway : </a:t>
+            </a:r>
+            <a:r>
+              <a:rPr lang="ko-KR" altLang="en-US" b="1" dirty="0"/>
+              <a:t>앱 쪽에서 데이터를 받기 위해서 </a:t>
+            </a:r>
+            <a:r>
+              <a:rPr lang="en-US" altLang="ko-KR" b="1" dirty="0"/>
+              <a:t>HTTP </a:t>
+            </a:r>
+            <a:r>
+              <a:rPr lang="ko-KR" altLang="en-US" b="1" dirty="0"/>
+              <a:t>프로토콜을 이용해서 통신할 수 있게 하는 서비스이다</a:t>
+            </a:r>
+            <a:r>
+              <a:rPr lang="en-US" altLang="ko-KR" b="1" dirty="0"/>
+              <a:t>.</a:t>
+            </a:r>
+          </a:p>
+          <a:p>
+            <a:pPr fontAlgn="base"/>
+            <a:endParaRPr lang="en-US" altLang="ko-KR" b="1" dirty="0"/>
+          </a:p>
+          <a:p>
+            <a:pPr fontAlgn="base"/>
+            <a:r>
+              <a:rPr lang="en-US" altLang="ko-KR" b="1" dirty="0"/>
+              <a:t>AWS Lambda : API Gateway </a:t>
+            </a:r>
+            <a:r>
+              <a:rPr lang="ko-KR" altLang="en-US" b="1" dirty="0"/>
+              <a:t>를 </a:t>
+            </a:r>
+            <a:r>
+              <a:rPr lang="ko-KR" altLang="en-US" b="1" dirty="0" err="1"/>
+              <a:t>동작시켜</a:t>
+            </a:r>
+            <a:r>
+              <a:rPr lang="ko-KR" altLang="en-US" b="1" dirty="0"/>
+              <a:t> 주기 위한 일종의 함수를 구축한다</a:t>
+            </a:r>
+            <a:r>
+              <a:rPr lang="en-US" altLang="ko-KR" b="1" dirty="0"/>
+              <a:t>. </a:t>
+            </a:r>
+            <a:r>
+              <a:rPr lang="ko-KR" altLang="en-US" b="1" dirty="0"/>
+              <a:t>통신하는 소스코드를 작성하여서 저장하면 앱 쪽에서 데이터를 불러올 때 </a:t>
+            </a:r>
+            <a:r>
+              <a:rPr lang="en-US" altLang="ko-KR" b="1" dirty="0"/>
+              <a:t>Lambda </a:t>
+            </a:r>
+            <a:r>
+              <a:rPr lang="ko-KR" altLang="en-US" b="1" dirty="0"/>
+              <a:t>에 구축해 놓은 함수가 동작해서 데이터를 불러올 수 있게 된다</a:t>
+            </a:r>
+            <a:r>
+              <a:rPr lang="en-US" altLang="ko-KR" b="1" dirty="0"/>
+              <a:t>.</a:t>
+            </a:r>
+          </a:p>
+          <a:p>
+            <a:pPr fontAlgn="base"/>
+            <a:endParaRPr lang="en-US" altLang="ko-KR" b="1" dirty="0"/>
+          </a:p>
+          <a:p>
+            <a:pPr fontAlgn="base"/>
+            <a:endParaRPr lang="ko-KR" altLang="en-US" b="1" dirty="0"/>
+          </a:p>
+        </p:txBody>
+      </p:sp>
+    </p:spTree>
+    <p:extLst>
+      <p:ext uri="{BB962C8B-B14F-4D97-AF65-F5344CB8AC3E}">
+        <p14:creationId xmlns:p14="http://schemas.microsoft.com/office/powerpoint/2010/main" val="3545145660"/>
+      </p:ext>
+    </p:extLst>
+  </p:cSld>
+  <p:clrMapOvr>
+    <a:masterClrMapping/>
+  </p:clrMapOvr>
+</p:sld>
+</file>
+
+<file path=ppt/slides/slide7.xml><?xml version="1.0" encoding="utf-8"?>
+<p:sld xmlns:a="http://schemas.openxmlformats.org/drawingml/2006/main" xmlns:r="http://schemas.openxmlformats.org/officeDocument/2006/relationships" xmlns:p="http://schemas.openxmlformats.org/presentationml/2006/main">
+  <p:cSld>
+    <p:spTree>
+      <p:nvGrpSpPr>
+        <p:cNvPr id="1" name=""/>
+        <p:cNvGrpSpPr/>
+        <p:nvPr/>
+      </p:nvGrpSpPr>
+      <p:grpSpPr>
+        <a:xfrm>
+          <a:off x="0" y="0"/>
+          <a:ext cx="0" cy="0"/>
+          <a:chOff x="0" y="0"/>
+          <a:chExt cx="0" cy="0"/>
+        </a:xfrm>
+      </p:grpSpPr>
+      <p:sp>
+        <p:nvSpPr>
+          <p:cNvPr id="2" name="텍스트 개체 틀 1"/>
+          <p:cNvSpPr>
+            <a:spLocks noGrp="1"/>
+          </p:cNvSpPr>
+          <p:nvPr>
+            <p:ph type="body" sz="quarter" idx="10"/>
+          </p:nvPr>
+        </p:nvSpPr>
+        <p:spPr/>
+        <p:txBody>
+          <a:bodyPr/>
+          <a:lstStyle/>
+          <a:p>
+            <a:r>
+              <a:rPr lang="ko-KR" altLang="en-US" dirty="0"/>
+              <a:t>과목 목표 및 내용 </a:t>
+            </a:r>
+            <a:r>
+              <a:rPr lang="en-US" altLang="ko-KR" dirty="0"/>
+              <a:t>(2-3/2)</a:t>
+            </a:r>
+            <a:endParaRPr lang="ko-KR" altLang="en-US" dirty="0"/>
+          </a:p>
+        </p:txBody>
+      </p:sp>
+      <p:sp>
+        <p:nvSpPr>
+          <p:cNvPr id="3" name="내용 개체 틀 2"/>
+          <p:cNvSpPr>
+            <a:spLocks noGrp="1"/>
+          </p:cNvSpPr>
+          <p:nvPr>
+            <p:ph sz="quarter" idx="11"/>
+          </p:nvPr>
+        </p:nvSpPr>
+        <p:spPr/>
+        <p:txBody>
+          <a:bodyPr/>
+          <a:lstStyle/>
+          <a:p>
+            <a:pPr marL="0" indent="0">
+              <a:buNone/>
+            </a:pPr>
+            <a:r>
+              <a:rPr lang="ko-KR" altLang="en-US" dirty="0"/>
+              <a:t>  예상 성과물</a:t>
+            </a:r>
+            <a:r>
+              <a:rPr lang="ko-KR" altLang="en-US" dirty="0">
+                <a:solidFill>
+                  <a:schemeClr val="bg1">
+                    <a:lumMod val="50000"/>
+                  </a:schemeClr>
+                </a:solidFill>
+              </a:rPr>
+              <a:t> </a:t>
+            </a:r>
+            <a:r>
+              <a:rPr lang="en-US" altLang="ko-KR" dirty="0">
+                <a:solidFill>
+                  <a:schemeClr val="bg1">
+                    <a:lumMod val="50000"/>
+                  </a:schemeClr>
+                </a:solidFill>
+              </a:rPr>
+              <a:t>(</a:t>
+            </a:r>
+            <a:r>
+              <a:rPr lang="ko-KR" altLang="en-US" dirty="0">
+                <a:solidFill>
+                  <a:schemeClr val="bg1">
+                    <a:lumMod val="50000"/>
+                  </a:schemeClr>
+                </a:solidFill>
+              </a:rPr>
+              <a:t>구체적으로 기술</a:t>
+            </a:r>
+            <a:r>
+              <a:rPr lang="en-US" altLang="ko-KR" dirty="0">
+                <a:solidFill>
+                  <a:schemeClr val="bg1">
+                    <a:lumMod val="50000"/>
+                  </a:schemeClr>
+                </a:solidFill>
+              </a:rPr>
+              <a:t>)</a:t>
+            </a:r>
+            <a:endParaRPr lang="ko-KR" altLang="en-US" dirty="0">
+              <a:solidFill>
+                <a:schemeClr val="bg1">
+                  <a:lumMod val="50000"/>
+                </a:schemeClr>
+              </a:solidFill>
+            </a:endParaRPr>
+          </a:p>
+        </p:txBody>
+      </p:sp>
+      <p:sp>
+        <p:nvSpPr>
+          <p:cNvPr id="4" name="직사각형 3">
+            <a:extLst>
+              <a:ext uri="{FF2B5EF4-FFF2-40B4-BE49-F238E27FC236}">
+                <a16:creationId xmlns:a16="http://schemas.microsoft.com/office/drawing/2014/main" id="{C604FBC6-2228-4680-8969-3621969EFBC8}"/>
+              </a:ext>
+            </a:extLst>
+          </p:cNvPr>
+          <p:cNvSpPr/>
+          <p:nvPr/>
+        </p:nvSpPr>
+        <p:spPr>
+          <a:xfrm>
+            <a:off x="518973" y="1380031"/>
+            <a:ext cx="9523692" cy="4136517"/>
+          </a:xfrm>
+          <a:prstGeom prst="rect">
+            <a:avLst/>
+          </a:prstGeom>
+        </p:spPr>
+        <p:txBody>
+          <a:bodyPr wrap="square">
+            <a:spAutoFit/>
+          </a:bodyPr>
+          <a:lstStyle/>
+          <a:p>
+            <a:pPr algn="just" fontAlgn="base">
+              <a:lnSpc>
+                <a:spcPct val="160000"/>
+              </a:lnSpc>
+              <a:tabLst>
+                <a:tab pos="6111240" algn="r"/>
+              </a:tabLst>
+            </a:pPr>
+            <a:endParaRPr lang="ko-KR" altLang="en-US" b="1" kern="0" dirty="0">
+              <a:solidFill>
+                <a:srgbClr val="000000"/>
+              </a:solidFill>
+              <a:latin typeface="+mj-ea"/>
+              <a:ea typeface="+mj-ea"/>
+            </a:endParaRPr>
+          </a:p>
+          <a:p>
+            <a:pPr fontAlgn="base"/>
+            <a:r>
               <a:rPr lang="ko-KR" altLang="en-US" b="1" dirty="0">
                 <a:latin typeface="+mj-ea"/>
                 <a:ea typeface="+mj-ea"/>
@@ -9548,7 +10239,7 @@
                 <a:latin typeface="+mj-ea"/>
                 <a:ea typeface="+mj-ea"/>
               </a:rPr>
-              <a:t>, </a:t>
+              <a:t> </a:t>
             </a:r>
             <a:r>
               <a:rPr lang="ko-KR" altLang="en-US" b="1" dirty="0">
@@ -9651,7 +10342,7 @@
                 <a:latin typeface="+mj-ea"/>
                 <a:ea typeface="+mj-ea"/>
               </a:rPr>
-              <a:t>, APP</a:t>
+              <a:t> APP</a:t>
             </a:r>
             <a:r>
               <a:rPr lang="ko-KR" altLang="en-US" b="1" dirty="0">
@@ -9692,7 +10383,7 @@
                 <a:latin typeface="+mj-ea"/>
                 <a:ea typeface="+mj-ea"/>
               </a:rPr>
-              <a:t>, </a:t>
+              <a:t> </a:t>
             </a:r>
             <a:r>
               <a:rPr lang="ko-KR" altLang="en-US" b="1" dirty="0">
@@ -9741,6 +10432,100 @@
                 <a:ea typeface="+mj-ea"/>
               </a:rPr>
               <a:t>. </a:t>
+            </a:r>
+            <a:r>
+              <a:rPr lang="ko-KR" altLang="en-US" b="1" dirty="0">
+                <a:latin typeface="+mj-ea"/>
+                <a:ea typeface="+mj-ea"/>
+              </a:rPr>
+              <a:t>이용자의 사용 편리성을 위한 안내 설명 등은 버스정보에 대한 공공데이터를 가져와서 이를 </a:t>
+            </a:r>
+            <a:r>
+              <a:rPr lang="en-US" altLang="ko-KR" b="1" dirty="0">
+                <a:latin typeface="+mj-ea"/>
+                <a:ea typeface="+mj-ea"/>
+              </a:rPr>
+              <a:t>UI</a:t>
+            </a:r>
+            <a:r>
+              <a:rPr lang="ko-KR" altLang="en-US" b="1" dirty="0">
+                <a:latin typeface="+mj-ea"/>
+                <a:ea typeface="+mj-ea"/>
+              </a:rPr>
+              <a:t>로 나타낸다</a:t>
+            </a:r>
+            <a:r>
+              <a:rPr lang="en-US" altLang="ko-KR" b="1" dirty="0">
+                <a:latin typeface="+mj-ea"/>
+                <a:ea typeface="+mj-ea"/>
+              </a:rPr>
+              <a:t>.</a:t>
+            </a:r>
+          </a:p>
+          <a:p>
+            <a:pPr fontAlgn="base"/>
+            <a:endParaRPr lang="en-US" altLang="ko-KR" b="1" dirty="0">
+              <a:latin typeface="+mj-ea"/>
+              <a:ea typeface="+mj-ea"/>
+            </a:endParaRPr>
+          </a:p>
+          <a:p>
+            <a:pPr fontAlgn="base"/>
+            <a:r>
+              <a:rPr lang="ko-KR" altLang="en-US" b="1" dirty="0">
+                <a:latin typeface="+mj-ea"/>
+                <a:ea typeface="+mj-ea"/>
+              </a:rPr>
+              <a:t> </a:t>
+            </a:r>
+            <a:r>
+              <a:rPr lang="en-US" altLang="ko-KR" b="1" dirty="0">
+                <a:latin typeface="+mj-ea"/>
+                <a:ea typeface="+mj-ea"/>
+              </a:rPr>
+              <a:t>*</a:t>
+            </a:r>
+            <a:r>
+              <a:rPr lang="ko-KR" altLang="en-US" b="1" dirty="0">
+                <a:latin typeface="+mj-ea"/>
+                <a:ea typeface="+mj-ea"/>
+              </a:rPr>
+              <a:t>핵심 포인트 </a:t>
+            </a:r>
+            <a:endParaRPr lang="en-US" altLang="ko-KR" b="1" dirty="0">
+              <a:latin typeface="+mj-ea"/>
+              <a:ea typeface="+mj-ea"/>
+            </a:endParaRPr>
+          </a:p>
+          <a:p>
+            <a:pPr fontAlgn="base"/>
+            <a:r>
+              <a:rPr lang="ko-KR" altLang="en-US" b="1" dirty="0">
+                <a:latin typeface="+mj-ea"/>
+                <a:ea typeface="+mj-ea"/>
+              </a:rPr>
+              <a:t> 다른 버스 앱들과는 다르게 </a:t>
+            </a:r>
+            <a:r>
+              <a:rPr lang="en-US" altLang="ko-KR" b="1" dirty="0">
+                <a:latin typeface="+mj-ea"/>
+                <a:ea typeface="+mj-ea"/>
+              </a:rPr>
+              <a:t>APP UI </a:t>
+            </a:r>
+            <a:r>
+              <a:rPr lang="ko-KR" altLang="en-US" b="1" dirty="0">
+                <a:latin typeface="+mj-ea"/>
+                <a:ea typeface="+mj-ea"/>
+              </a:rPr>
+              <a:t>쪽에 현재 버스 정류장의 대기인원과 버스의 실시간 정보를 함께 어우러져 볼 수 있게 함으로써 사용자가 광역버스를 바로 탈 수 없어서 많은 시간을 기다리는 경우 다른 노선을 제공해서 더 빠르게 도착할 수 있도록 제공한다</a:t>
+            </a:r>
+            <a:r>
+              <a:rPr lang="en-US" altLang="ko-KR" b="1" dirty="0">
+                <a:latin typeface="+mj-ea"/>
+                <a:ea typeface="+mj-ea"/>
+              </a:rPr>
+              <a:t>.</a:t>
             </a:r>
             <a:endParaRPr lang="ko-KR" altLang="en-US" b="1" dirty="0">
               <a:latin typeface="+mj-ea"/>
@@ -9762,7 +10547,7 @@
 </p:sld>
 </file>
 
-<file path=ppt/slides/slide7.xml><?xml version="1.0" encoding="utf-8"?>
+<file path=ppt/slides/slide8.xml><?xml version="1.0" encoding="utf-8"?>
 <p:sld xmlns:a="http://schemas.openxmlformats.org/drawingml/2006/main" xmlns:r="http://schemas.openxmlformats.org/officeDocument/2006/relationships" xmlns:p="http://schemas.openxmlformats.org/presentationml/2006/main">
   <p:cSld>
     <p:spTree>
@@ -10186,7 +10971,7 @@
 </p:sld>
 </file>
 
-<file path=ppt/slides/slide8.xml><?xml version="1.0" encoding="utf-8"?>
+<file path=ppt/slides/slide9.xml><?xml version="1.0" encoding="utf-8"?>
 <p:sld xmlns:a="http://schemas.openxmlformats.org/drawingml/2006/main" xmlns:r="http://schemas.openxmlformats.org/officeDocument/2006/relationships" xmlns:p="http://schemas.openxmlformats.org/presentationml/2006/main">
   <p:cSld>
     <p:spTree>
@@ -11589,106 +12374,6 @@
     <p:extLst>
       <p:ext uri="{BB962C8B-B14F-4D97-AF65-F5344CB8AC3E}">
         <p14:creationId xmlns:p14="http://schemas.microsoft.com/office/powerpoint/2010/main" val="3854097086"/>
-      </p:ext>
-    </p:extLst>
-  </p:cSld>
-  <p:clrMapOvr>
-    <a:masterClrMapping/>
-  </p:clrMapOvr>
-</p:sld>
-</file>
-
-<file path=ppt/slides/slide9.xml><?xml version="1.0" encoding="utf-8"?>
-<p:sld xmlns:a="http://schemas.openxmlformats.org/drawingml/2006/main" xmlns:r="http://schemas.openxmlformats.org/officeDocument/2006/relationships" xmlns:p="http://schemas.openxmlformats.org/presentationml/2006/main">
-  <p:cSld>
-    <p:spTree>
-      <p:nvGrpSpPr>
-        <p:cNvPr id="1" name=""/>
-        <p:cNvGrpSpPr/>
-        <p:nvPr/>
-      </p:nvGrpSpPr>
-      <p:grpSpPr>
-        <a:xfrm>
-          <a:off x="0" y="0"/>
-          <a:ext cx="0" cy="0"/>
-          <a:chOff x="0" y="0"/>
-          <a:chExt cx="0" cy="0"/>
-        </a:xfrm>
-      </p:grpSpPr>
-      <p:sp>
-        <p:nvSpPr>
-          <p:cNvPr id="2" name="텍스트 개체 틀 1">
-            <a:extLst>
-              <a:ext uri="{FF2B5EF4-FFF2-40B4-BE49-F238E27FC236}">
-                <a16:creationId xmlns:a16="http://schemas.microsoft.com/office/drawing/2014/main" id="{E045F529-ED27-4C61-9AC7-F61264904570}"/>
-              </a:ext>
-            </a:extLst>
-          </p:cNvPr>
-          <p:cNvSpPr>
-            <a:spLocks noGrp="1"/>
-          </p:cNvSpPr>
-          <p:nvPr>
-            <p:ph type="body" sz="quarter" idx="10"/>
-          </p:nvPr>
-        </p:nvSpPr>
-        <p:spPr/>
-        <p:txBody>
-          <a:bodyPr/>
-          <a:lstStyle/>
-          <a:p>
-            <a:r>
-              <a:rPr lang="en-US" altLang="ko-KR" dirty="0"/>
-              <a:t>(</a:t>
-            </a:r>
-            <a:r>
-              <a:rPr lang="ko-KR" altLang="en-US" dirty="0"/>
-              <a:t>현재 기준</a:t>
-            </a:r>
-            <a:r>
-              <a:rPr lang="en-US" altLang="ko-KR" dirty="0"/>
-              <a:t>) </a:t>
-            </a:r>
-            <a:r>
-              <a:rPr lang="ko-KR" altLang="en-US" dirty="0"/>
-              <a:t>주요 연구 결과 및 성과물 </a:t>
-            </a:r>
-            <a:r>
-              <a:rPr lang="en-US" altLang="ko-KR" dirty="0"/>
-              <a:t>(1/3)</a:t>
-            </a:r>
-            <a:endParaRPr lang="ko-KR" altLang="en-US" dirty="0"/>
-          </a:p>
-        </p:txBody>
-      </p:sp>
-      <p:sp>
-        <p:nvSpPr>
-          <p:cNvPr id="3" name="내용 개체 틀 2">
-            <a:extLst>
-              <a:ext uri="{FF2B5EF4-FFF2-40B4-BE49-F238E27FC236}">
-                <a16:creationId xmlns:a16="http://schemas.microsoft.com/office/drawing/2014/main" id="{D1754C20-79A3-4CBA-8B0D-FB0BED952E5A}"/>
-              </a:ext>
-            </a:extLst>
-          </p:cNvPr>
-          <p:cNvSpPr>
-            <a:spLocks noGrp="1"/>
-          </p:cNvSpPr>
-          <p:nvPr>
-            <p:ph sz="quarter" idx="11"/>
-          </p:nvPr>
-        </p:nvSpPr>
-        <p:spPr/>
-        <p:txBody>
-          <a:bodyPr/>
-          <a:lstStyle/>
-          <a:p>
-            <a:endParaRPr lang="ko-KR" altLang="en-US"/>
-          </a:p>
-        </p:txBody>
-      </p:sp>
-    </p:spTree>
-    <p:extLst>
-      <p:ext uri="{BB962C8B-B14F-4D97-AF65-F5344CB8AC3E}">
-        <p14:creationId xmlns:p14="http://schemas.microsoft.com/office/powerpoint/2010/main" val="1335587087"/>
       </p:ext>
     </p:extLst>
   </p:cSld>

--- a/공학설계 자료/공학설계_중간보고_발표자료.pptx
+++ b/공학설계 자료/공학설계_중간보고_발표자료.pptx
@@ -263,7 +263,7 @@
             <a:fld id="{364CEFEC-D7CC-48CC-B5FF-0321E9F2F95E}" type="datetimeFigureOut">
               <a:rPr lang="ko-KR" altLang="en-US" smtClean="0"/>
               <a:pPr/>
-              <a:t>2020-10-26</a:t>
+              <a:t>2020-10-27</a:t>
             </a:fld>
             <a:endParaRPr lang="ko-KR" altLang="en-US"/>
           </a:p>
@@ -430,7 +430,7 @@
             <a:fld id="{133C5FC3-A607-4463-B82D-493EEF32E4AA}" type="datetimeFigureOut">
               <a:rPr lang="ko-KR" altLang="en-US" smtClean="0"/>
               <a:pPr/>
-              <a:t>2020-10-26</a:t>
+              <a:t>2020-10-27</a:t>
             </a:fld>
             <a:endParaRPr lang="ko-KR" altLang="en-US" dirty="0"/>
           </a:p>
@@ -2791,11 +2791,15 @@
           <a:lstStyle/>
           <a:p>
             <a:r>
-              <a:rPr lang="en-US" altLang="ko-KR" dirty="0"/>
+              <a:rPr lang="en-US" altLang="ko-KR" b="1" dirty="0">
+                <a:latin typeface="+mj-lt"/>
+              </a:rPr>
               <a:t>Server </a:t>
             </a:r>
             <a:r>
-              <a:rPr lang="ko-KR" altLang="en-US" dirty="0"/>
+              <a:rPr lang="ko-KR" altLang="en-US" b="1" dirty="0">
+                <a:latin typeface="+mj-lt"/>
+              </a:rPr>
               <a:t>부분 </a:t>
             </a:r>
           </a:p>
@@ -2866,7 +2870,9 @@
           <a:lstStyle/>
           <a:p>
             <a:r>
-              <a:rPr lang="ko-KR" altLang="en-US" dirty="0"/>
+              <a:rPr lang="ko-KR" altLang="en-US" b="1" dirty="0">
+                <a:latin typeface="+mj-lt"/>
+              </a:rPr>
               <a:t>대기인원에 대한 데이터를 저장하고 불러오기 위한 서버 구축</a:t>
             </a:r>
           </a:p>
@@ -2967,7 +2973,7 @@
         </p:blipFill>
         <p:spPr>
           <a:xfrm>
-            <a:off x="4420737" y="1296516"/>
+            <a:off x="4442801" y="1665848"/>
             <a:ext cx="2808312" cy="5040560"/>
           </a:xfrm>
           <a:prstGeom prst="rect">
@@ -3002,7 +3008,7 @@
         </p:blipFill>
         <p:spPr>
           <a:xfrm>
-            <a:off x="7401082" y="1296516"/>
+            <a:off x="7423146" y="1665848"/>
             <a:ext cx="2808312" cy="5040560"/>
           </a:xfrm>
           <a:prstGeom prst="rect">
@@ -3050,56 +3056,84 @@
           </a:bodyPr>
           <a:lstStyle/>
           <a:p>
-            <a:endParaRPr lang="en-US" altLang="ko-KR" dirty="0"/>
+            <a:endParaRPr lang="en-US" altLang="ko-KR" b="1" dirty="0">
+              <a:latin typeface="+mj-lt"/>
+            </a:endParaRPr>
           </a:p>
           <a:p>
             <a:r>
-              <a:rPr lang="en-US" altLang="ko-KR" dirty="0"/>
+              <a:rPr lang="en-US" altLang="ko-KR" b="1" dirty="0">
+                <a:latin typeface="+mj-lt"/>
+              </a:rPr>
               <a:t>1. </a:t>
             </a:r>
             <a:r>
-              <a:rPr lang="ko-KR" altLang="en-US" dirty="0"/>
+              <a:rPr lang="ko-KR" altLang="en-US" b="1" dirty="0">
+                <a:latin typeface="+mj-lt"/>
+              </a:rPr>
               <a:t>공공 </a:t>
             </a:r>
             <a:r>
-              <a:rPr lang="ko-KR" altLang="en-US" dirty="0" err="1"/>
+              <a:rPr lang="ko-KR" altLang="en-US" b="1" dirty="0" err="1">
+                <a:latin typeface="+mj-lt"/>
+              </a:rPr>
               <a:t>데이터포털에서</a:t>
             </a:r>
             <a:r>
-              <a:rPr lang="ko-KR" altLang="en-US" dirty="0"/>
+              <a:rPr lang="ko-KR" altLang="en-US" b="1" dirty="0">
+                <a:latin typeface="+mj-lt"/>
+              </a:rPr>
               <a:t> 받아온 버스의 실시간 정보에 대한 </a:t>
             </a:r>
             <a:r>
-              <a:rPr lang="en-US" altLang="ko-KR" dirty="0"/>
+              <a:rPr lang="en-US" altLang="ko-KR" b="1" dirty="0">
+                <a:latin typeface="+mj-lt"/>
+              </a:rPr>
               <a:t>UI</a:t>
             </a:r>
             <a:r>
-              <a:rPr lang="ko-KR" altLang="en-US" dirty="0"/>
+              <a:rPr lang="ko-KR" altLang="en-US" b="1" dirty="0">
+                <a:latin typeface="+mj-lt"/>
+              </a:rPr>
               <a:t> 구현</a:t>
             </a:r>
-            <a:endParaRPr lang="en-US" altLang="ko-KR" dirty="0"/>
+            <a:endParaRPr lang="en-US" altLang="ko-KR" b="1" dirty="0">
+              <a:latin typeface="+mj-lt"/>
+            </a:endParaRPr>
           </a:p>
           <a:p>
-            <a:endParaRPr lang="en-US" altLang="ko-KR" dirty="0"/>
+            <a:endParaRPr lang="en-US" altLang="ko-KR" b="1" dirty="0">
+              <a:latin typeface="+mj-lt"/>
+            </a:endParaRPr>
           </a:p>
           <a:p>
             <a:r>
-              <a:rPr lang="en-US" altLang="ko-KR" dirty="0"/>
+              <a:rPr lang="en-US" altLang="ko-KR" b="1" dirty="0">
+                <a:latin typeface="+mj-lt"/>
+              </a:rPr>
               <a:t>2. </a:t>
             </a:r>
             <a:r>
-              <a:rPr lang="ko-KR" altLang="en-US" dirty="0"/>
+              <a:rPr lang="ko-KR" altLang="en-US" b="1" dirty="0">
+                <a:latin typeface="+mj-lt"/>
+              </a:rPr>
               <a:t>데이터베이스에서 받아온 대기인원 정보 </a:t>
             </a:r>
             <a:r>
-              <a:rPr lang="en-US" altLang="ko-KR" dirty="0"/>
+              <a:rPr lang="en-US" altLang="ko-KR" b="1" dirty="0">
+                <a:latin typeface="+mj-lt"/>
+              </a:rPr>
               <a:t>UI </a:t>
             </a:r>
             <a:r>
-              <a:rPr lang="ko-KR" altLang="en-US" dirty="0"/>
+              <a:rPr lang="ko-KR" altLang="en-US" b="1" dirty="0">
+                <a:latin typeface="+mj-lt"/>
+              </a:rPr>
               <a:t>구현</a:t>
             </a:r>
-            <a:endParaRPr lang="en-US" altLang="ko-KR" dirty="0"/>
+            <a:endParaRPr lang="en-US" altLang="ko-KR" b="1" dirty="0">
+              <a:latin typeface="+mj-lt"/>
+            </a:endParaRPr>
           </a:p>
         </p:txBody>
       </p:sp>
@@ -3132,11 +3166,15 @@
           <a:lstStyle/>
           <a:p>
             <a:r>
-              <a:rPr lang="en-US" altLang="ko-KR" dirty="0"/>
+              <a:rPr lang="en-US" altLang="ko-KR" b="1" dirty="0">
+                <a:latin typeface="+mj-lt"/>
+              </a:rPr>
               <a:t>APP </a:t>
             </a:r>
             <a:r>
-              <a:rPr lang="ko-KR" altLang="en-US" dirty="0"/>
+              <a:rPr lang="ko-KR" altLang="en-US" b="1" dirty="0">
+                <a:latin typeface="+mj-lt"/>
+              </a:rPr>
               <a:t>부분</a:t>
             </a:r>
           </a:p>
@@ -3282,7 +3320,131 @@
           <a:bodyPr/>
           <a:lstStyle/>
           <a:p>
-            <a:endParaRPr lang="ko-KR" altLang="en-US"/>
+            <a:r>
+              <a:rPr lang="ko-KR" altLang="en-US" dirty="0"/>
+              <a:t>객체 인식 기술에 대한 발전</a:t>
+            </a:r>
+            <a:endParaRPr lang="en-US" altLang="ko-KR" dirty="0"/>
+          </a:p>
+          <a:p>
+            <a:r>
+              <a:rPr lang="en-US" altLang="ko-KR" dirty="0"/>
+              <a:t> </a:t>
+            </a:r>
+            <a:r>
+              <a:rPr lang="ko-KR" altLang="en-US" sz="1800" dirty="0"/>
+              <a:t>현재의 경우</a:t>
+            </a:r>
+            <a:r>
+              <a:rPr lang="en-US" altLang="ko-KR" sz="1800" dirty="0"/>
+              <a:t>, </a:t>
+            </a:r>
+            <a:r>
+              <a:rPr lang="ko-KR" altLang="en-US" sz="1800" dirty="0" err="1"/>
+              <a:t>라즈베리파이에서</a:t>
+            </a:r>
+            <a:r>
+              <a:rPr lang="ko-KR" altLang="en-US" sz="1800" dirty="0"/>
+              <a:t> 영상에 대한 객체인식 기술에 대한 </a:t>
+            </a:r>
+            <a:endParaRPr lang="en-US" altLang="ko-KR" sz="1800" dirty="0"/>
+          </a:p>
+          <a:p>
+            <a:endParaRPr lang="en-US" altLang="ko-KR" sz="1800" dirty="0"/>
+          </a:p>
+          <a:p>
+            <a:r>
+              <a:rPr lang="ko-KR" altLang="en-US" dirty="0"/>
+              <a:t>클라우드 서버에서 만들어지는 데이터 베이스를 이용한 기술개발</a:t>
+            </a:r>
+            <a:endParaRPr lang="en-US" altLang="ko-KR" dirty="0"/>
+          </a:p>
+          <a:p>
+            <a:r>
+              <a:rPr lang="ko-KR" altLang="en-US" sz="1800" dirty="0"/>
+              <a:t>클라우드 서버 두가지 방식으로 데이터를 구축하도록 하였다</a:t>
+            </a:r>
+            <a:r>
+              <a:rPr lang="en-US" altLang="ko-KR" sz="1800" dirty="0"/>
+              <a:t>.</a:t>
+            </a:r>
+          </a:p>
+          <a:p>
+            <a:r>
+              <a:rPr lang="ko-KR" altLang="en-US" sz="1800" dirty="0"/>
+              <a:t>하나는</a:t>
+            </a:r>
+            <a:r>
+              <a:rPr lang="en-US" altLang="ko-KR" sz="1800" dirty="0"/>
+              <a:t>, </a:t>
+            </a:r>
+            <a:r>
+              <a:rPr lang="ko-KR" altLang="en-US" sz="1800" dirty="0"/>
+              <a:t>실시간으로 현재의 각 정류장에서 측정되는 데이터들을 확인</a:t>
+            </a:r>
+            <a:r>
+              <a:rPr lang="en-US" altLang="ko-KR" sz="1800" dirty="0"/>
+              <a:t>.</a:t>
+            </a:r>
+          </a:p>
+          <a:p>
+            <a:r>
+              <a:rPr lang="ko-KR" altLang="en-US" sz="1800" dirty="0"/>
+              <a:t>두번째로는</a:t>
+            </a:r>
+            <a:r>
+              <a:rPr lang="en-US" altLang="ko-KR" sz="1800" dirty="0"/>
+              <a:t>, </a:t>
+            </a:r>
+            <a:r>
+              <a:rPr lang="ko-KR" altLang="en-US" sz="1800" dirty="0"/>
+              <a:t>모든 정류장에서 그리고</a:t>
+            </a:r>
+            <a:r>
+              <a:rPr lang="en-US" altLang="ko-KR" sz="1800" dirty="0"/>
+              <a:t>, </a:t>
+            </a:r>
+            <a:r>
+              <a:rPr lang="ko-KR" altLang="en-US" sz="1800" dirty="0"/>
+              <a:t>모든 데이터들을 축적</a:t>
+            </a:r>
+            <a:r>
+              <a:rPr lang="en-US" altLang="ko-KR" sz="1800" dirty="0"/>
+              <a:t>.</a:t>
+            </a:r>
+          </a:p>
+          <a:p>
+            <a:endParaRPr lang="en-US" altLang="ko-KR" sz="1800" dirty="0"/>
+          </a:p>
+          <a:p>
+            <a:r>
+              <a:rPr lang="ko-KR" altLang="en-US" sz="1800" dirty="0"/>
+              <a:t>이렇게 두개의 데이터 베이스 중</a:t>
+            </a:r>
+            <a:r>
+              <a:rPr lang="en-US" altLang="ko-KR" sz="1800" dirty="0"/>
+              <a:t>, </a:t>
+            </a:r>
+            <a:r>
+              <a:rPr lang="ko-KR" altLang="en-US" sz="1800" dirty="0"/>
+              <a:t>두번째의 경우</a:t>
+            </a:r>
+            <a:r>
+              <a:rPr lang="en-US" altLang="ko-KR" sz="1800" dirty="0"/>
+              <a:t> </a:t>
+            </a:r>
+            <a:r>
+              <a:rPr lang="ko-KR" altLang="en-US" sz="1800" dirty="0"/>
+              <a:t>이렇게 축적된 데이터들을 이용하여</a:t>
+            </a:r>
+            <a:r>
+              <a:rPr lang="en-US" altLang="ko-KR" sz="1800" dirty="0"/>
+              <a:t>, </a:t>
+            </a:r>
+            <a:r>
+              <a:rPr lang="ko-KR" altLang="en-US" sz="1800" dirty="0"/>
+              <a:t>결과적으로 </a:t>
+            </a:r>
           </a:p>
         </p:txBody>
       </p:sp>

--- a/공학설계 자료/공학설계_중간보고_발표자료.pptx
+++ b/공학설계 자료/공학설계_중간보고_발표자료.pptx
@@ -5,10 +5,10 @@
     <p:sldMasterId id="2147483662" r:id="rId1"/>
   </p:sldMasterIdLst>
   <p:notesMasterIdLst>
-    <p:notesMasterId r:id="rId17"/>
+    <p:notesMasterId r:id="rId18"/>
   </p:notesMasterIdLst>
   <p:handoutMasterIdLst>
-    <p:handoutMasterId r:id="rId18"/>
+    <p:handoutMasterId r:id="rId19"/>
   </p:handoutMasterIdLst>
   <p:sldIdLst>
     <p:sldId id="1286" r:id="rId2"/>
@@ -19,13 +19,14 @@
     <p:sldId id="1407" r:id="rId7"/>
     <p:sldId id="1405" r:id="rId8"/>
     <p:sldId id="1395" r:id="rId9"/>
-    <p:sldId id="1396" r:id="rId10"/>
-    <p:sldId id="1397" r:id="rId11"/>
-    <p:sldId id="1400" r:id="rId12"/>
-    <p:sldId id="1399" r:id="rId13"/>
-    <p:sldId id="1401" r:id="rId14"/>
-    <p:sldId id="1398" r:id="rId15"/>
-    <p:sldId id="1393" r:id="rId16"/>
+    <p:sldId id="1408" r:id="rId10"/>
+    <p:sldId id="1396" r:id="rId11"/>
+    <p:sldId id="1397" r:id="rId12"/>
+    <p:sldId id="1400" r:id="rId13"/>
+    <p:sldId id="1399" r:id="rId14"/>
+    <p:sldId id="1401" r:id="rId15"/>
+    <p:sldId id="1398" r:id="rId16"/>
+    <p:sldId id="1393" r:id="rId17"/>
   </p:sldIdLst>
   <p:sldSz cx="10561638" cy="7921625"/>
   <p:notesSz cx="6805613" cy="9939338"/>
@@ -137,6 +138,7 @@
             <p14:sldId id="1407"/>
             <p14:sldId id="1405"/>
             <p14:sldId id="1395"/>
+            <p14:sldId id="1408"/>
             <p14:sldId id="1396"/>
             <p14:sldId id="1397"/>
             <p14:sldId id="1400"/>
@@ -178,6 +180,18 @@
     </p:ext>
   </p:extLst>
 </p:presentation>
+</file>
+
+<file path=ppt/commentAuthors.xml><?xml version="1.0" encoding="utf-8"?>
+<p:cmAuthorLst xmlns:a="http://schemas.openxmlformats.org/drawingml/2006/main" xmlns:r="http://schemas.openxmlformats.org/officeDocument/2006/relationships" xmlns:p="http://schemas.openxmlformats.org/presentationml/2006/main">
+  <p:cmAuthor id="1" name="김 우진" initials="김우" lastIdx="1" clrIdx="0">
+    <p:extLst>
+      <p:ext uri="{19B8F6BF-5375-455C-9EA6-DF929625EA0E}">
+        <p15:presenceInfo xmlns:p15="http://schemas.microsoft.com/office/powerpoint/2012/main" userId="c8c377479938d604" providerId="Windows Live"/>
+      </p:ext>
+    </p:extLst>
+  </p:cmAuthor>
+</p:cmAuthorLst>
 </file>
 
 <file path=ppt/handoutMasters/handoutMaster1.xml><?xml version="1.0" encoding="utf-8"?>
@@ -263,7 +277,7 @@
             <a:fld id="{364CEFEC-D7CC-48CC-B5FF-0321E9F2F95E}" type="datetimeFigureOut">
               <a:rPr lang="ko-KR" altLang="en-US" smtClean="0"/>
               <a:pPr/>
-              <a:t>2020-10-27</a:t>
+              <a:t>2020-10-28</a:t>
             </a:fld>
             <a:endParaRPr lang="ko-KR" altLang="en-US"/>
           </a:p>
@@ -430,7 +444,7 @@
             <a:fld id="{133C5FC3-A607-4463-B82D-493EEF32E4AA}" type="datetimeFigureOut">
               <a:rPr lang="ko-KR" altLang="en-US" smtClean="0"/>
               <a:pPr/>
-              <a:t>2020-10-27</a:t>
+              <a:t>2020-10-28</a:t>
             </a:fld>
             <a:endParaRPr lang="ko-KR" altLang="en-US" dirty="0"/>
           </a:p>
@@ -2622,6 +2636,1418 @@
           <p:cNvPr id="2" name="텍스트 개체 틀 1">
             <a:extLst>
               <a:ext uri="{FF2B5EF4-FFF2-40B4-BE49-F238E27FC236}">
+                <a16:creationId xmlns:a16="http://schemas.microsoft.com/office/drawing/2014/main" id="{11CE8BD6-EDE0-4ABA-ABF0-7DAD957F7539}"/>
+              </a:ext>
+            </a:extLst>
+          </p:cNvPr>
+          <p:cNvSpPr>
+            <a:spLocks noGrp="1"/>
+          </p:cNvSpPr>
+          <p:nvPr>
+            <p:ph type="body" sz="quarter" idx="10"/>
+          </p:nvPr>
+        </p:nvSpPr>
+        <p:spPr/>
+        <p:txBody>
+          <a:bodyPr/>
+          <a:lstStyle/>
+          <a:p>
+            <a:r>
+              <a:rPr lang="ko-KR" altLang="en-US" dirty="0"/>
+              <a:t>참여 연구원 현황</a:t>
+            </a:r>
+          </a:p>
+        </p:txBody>
+      </p:sp>
+      <p:graphicFrame>
+        <p:nvGraphicFramePr>
+          <p:cNvPr id="4" name="내용 개체 틀 3">
+            <a:extLst>
+              <a:ext uri="{FF2B5EF4-FFF2-40B4-BE49-F238E27FC236}">
+                <a16:creationId xmlns:a16="http://schemas.microsoft.com/office/drawing/2014/main" id="{4E27D944-DACF-469B-98A6-51A8296529EE}"/>
+              </a:ext>
+            </a:extLst>
+          </p:cNvPr>
+          <p:cNvGraphicFramePr>
+            <a:graphicFrameLocks noGrp="1"/>
+          </p:cNvGraphicFramePr>
+          <p:nvPr>
+            <p:ph sz="quarter" idx="11"/>
+            <p:extLst>
+              <p:ext uri="{D42A27DB-BD31-4B8C-83A1-F6EECF244321}">
+                <p14:modId xmlns:p14="http://schemas.microsoft.com/office/powerpoint/2010/main" val="3844213092"/>
+              </p:ext>
+            </p:extLst>
+          </p:nvPr>
+        </p:nvGraphicFramePr>
+        <p:xfrm>
+          <a:off x="352393" y="1224508"/>
+          <a:ext cx="9915524" cy="5779488"/>
+        </p:xfrm>
+        <a:graphic>
+          <a:graphicData uri="http://schemas.openxmlformats.org/drawingml/2006/table">
+            <a:tbl>
+              <a:tblPr firstRow="1" bandRow="1">
+                <a:tableStyleId>{F5AB1C69-6EDB-4FF4-983F-18BD219EF322}</a:tableStyleId>
+              </a:tblPr>
+              <a:tblGrid>
+                <a:gridCol w="1098699">
+                  <a:extLst>
+                    <a:ext uri="{9D8B030D-6E8A-4147-A177-3AD203B41FA5}">
+                      <a16:colId xmlns:a16="http://schemas.microsoft.com/office/drawing/2014/main" val="1237429253"/>
+                    </a:ext>
+                  </a:extLst>
+                </a:gridCol>
+                <a:gridCol w="1008112">
+                  <a:extLst>
+                    <a:ext uri="{9D8B030D-6E8A-4147-A177-3AD203B41FA5}">
+                      <a16:colId xmlns:a16="http://schemas.microsoft.com/office/drawing/2014/main" val="3675682374"/>
+                    </a:ext>
+                  </a:extLst>
+                </a:gridCol>
+                <a:gridCol w="5329832">
+                  <a:extLst>
+                    <a:ext uri="{9D8B030D-6E8A-4147-A177-3AD203B41FA5}">
+                      <a16:colId xmlns:a16="http://schemas.microsoft.com/office/drawing/2014/main" val="4244428648"/>
+                    </a:ext>
+                  </a:extLst>
+                </a:gridCol>
+                <a:gridCol w="2478881">
+                  <a:extLst>
+                    <a:ext uri="{9D8B030D-6E8A-4147-A177-3AD203B41FA5}">
+                      <a16:colId xmlns:a16="http://schemas.microsoft.com/office/drawing/2014/main" val="1670188489"/>
+                    </a:ext>
+                  </a:extLst>
+                </a:gridCol>
+              </a:tblGrid>
+              <a:tr h="719808">
+                <a:tc>
+                  <a:txBody>
+                    <a:bodyPr/>
+                    <a:lstStyle/>
+                    <a:p>
+                      <a:pPr algn="ctr" latinLnBrk="1"/>
+                      <a:r>
+                        <a:rPr lang="ko-KR" altLang="en-US" dirty="0"/>
+                        <a:t>성명</a:t>
+                      </a:r>
+                    </a:p>
+                  </a:txBody>
+                  <a:tcPr anchor="ctr" anchorCtr="1"/>
+                </a:tc>
+                <a:tc>
+                  <a:txBody>
+                    <a:bodyPr/>
+                    <a:lstStyle/>
+                    <a:p>
+                      <a:pPr algn="ctr" latinLnBrk="1"/>
+                      <a:r>
+                        <a:rPr lang="ko-KR" altLang="en-US" dirty="0"/>
+                        <a:t>구성원</a:t>
+                      </a:r>
+                      <a:endParaRPr lang="en-US" altLang="ko-KR" dirty="0"/>
+                    </a:p>
+                  </a:txBody>
+                  <a:tcPr anchor="ctr" anchorCtr="1"/>
+                </a:tc>
+                <a:tc>
+                  <a:txBody>
+                    <a:bodyPr/>
+                    <a:lstStyle/>
+                    <a:p>
+                      <a:pPr algn="ctr" latinLnBrk="1"/>
+                      <a:r>
+                        <a:rPr lang="ko-KR" altLang="en-US" dirty="0"/>
+                        <a:t>담당 역할</a:t>
+                      </a:r>
+                      <a:endParaRPr lang="en-US" altLang="ko-KR" dirty="0"/>
+                    </a:p>
+                    <a:p>
+                      <a:pPr algn="ctr" latinLnBrk="1"/>
+                      <a:r>
+                        <a:rPr lang="en-US" altLang="ko-KR" dirty="0"/>
+                        <a:t>(</a:t>
+                      </a:r>
+                      <a:r>
+                        <a:rPr lang="ko-KR" altLang="en-US" dirty="0"/>
+                        <a:t>구체적으로 기술</a:t>
+                      </a:r>
+                      <a:r>
+                        <a:rPr lang="en-US" altLang="ko-KR" dirty="0"/>
+                        <a:t>)</a:t>
+                      </a:r>
+                      <a:endParaRPr lang="ko-KR" altLang="en-US" dirty="0"/>
+                    </a:p>
+                  </a:txBody>
+                  <a:tcPr/>
+                </a:tc>
+                <a:tc>
+                  <a:txBody>
+                    <a:bodyPr/>
+                    <a:lstStyle/>
+                    <a:p>
+                      <a:pPr algn="ctr" latinLnBrk="1"/>
+                      <a:r>
+                        <a:rPr lang="ko-KR" altLang="en-US" dirty="0"/>
+                        <a:t>구성원 별</a:t>
+                      </a:r>
+                      <a:endParaRPr lang="en-US" altLang="ko-KR" dirty="0"/>
+                    </a:p>
+                    <a:p>
+                      <a:pPr algn="ctr" latinLnBrk="1"/>
+                      <a:r>
+                        <a:rPr lang="en-US" altLang="ko-KR" dirty="0"/>
+                        <a:t>(</a:t>
+                      </a:r>
+                      <a:r>
+                        <a:rPr lang="ko-KR" altLang="en-US" dirty="0"/>
+                        <a:t>예상</a:t>
+                      </a:r>
+                      <a:r>
+                        <a:rPr lang="en-US" altLang="ko-KR" dirty="0"/>
+                        <a:t>) </a:t>
+                      </a:r>
+                      <a:r>
+                        <a:rPr lang="ko-KR" altLang="en-US" dirty="0"/>
+                        <a:t>성과물</a:t>
+                      </a:r>
+                    </a:p>
+                  </a:txBody>
+                  <a:tcPr/>
+                </a:tc>
+                <a:extLst>
+                  <a:ext uri="{0D108BD9-81ED-4DB2-BD59-A6C34878D82A}">
+                    <a16:rowId xmlns:a16="http://schemas.microsoft.com/office/drawing/2014/main" val="863577275"/>
+                  </a:ext>
+                </a:extLst>
+              </a:tr>
+              <a:tr h="2226120">
+                <a:tc>
+                  <a:txBody>
+                    <a:bodyPr/>
+                    <a:lstStyle/>
+                    <a:p>
+                      <a:pPr algn="ctr" latinLnBrk="1"/>
+                      <a:r>
+                        <a:rPr lang="ko-KR" altLang="en-US" b="1" dirty="0"/>
+                        <a:t>김우진</a:t>
+                      </a:r>
+                    </a:p>
+                  </a:txBody>
+                  <a:tcPr anchor="ctr" anchorCtr="1"/>
+                </a:tc>
+                <a:tc>
+                  <a:txBody>
+                    <a:bodyPr/>
+                    <a:lstStyle/>
+                    <a:p>
+                      <a:pPr algn="ctr" latinLnBrk="1"/>
+                      <a:r>
+                        <a:rPr lang="ko-KR" altLang="en-US" dirty="0"/>
+                        <a:t>팀장</a:t>
+                      </a:r>
+                    </a:p>
+                  </a:txBody>
+                  <a:tcPr anchor="ctr" anchorCtr="1"/>
+                </a:tc>
+                <a:tc>
+                  <a:txBody>
+                    <a:bodyPr/>
+                    <a:lstStyle/>
+                    <a:p>
+                      <a:pPr fontAlgn="base" latinLnBrk="0"/>
+                      <a:endParaRPr lang="en-US" altLang="ko-KR" sz="1600" kern="1200" dirty="0">
+                        <a:solidFill>
+                          <a:schemeClr val="dk1"/>
+                        </a:solidFill>
+                        <a:effectLst/>
+                        <a:latin typeface="+mn-lt"/>
+                        <a:ea typeface="+mn-ea"/>
+                        <a:cs typeface="+mn-cs"/>
+                      </a:endParaRPr>
+                    </a:p>
+                    <a:p>
+                      <a:pPr fontAlgn="base" latinLnBrk="0"/>
+                      <a:r>
+                        <a:rPr lang="en-US" altLang="ko-KR" sz="1600" kern="1200" dirty="0">
+                          <a:solidFill>
+                            <a:schemeClr val="dk1"/>
+                          </a:solidFill>
+                          <a:effectLst/>
+                          <a:latin typeface="+mn-lt"/>
+                          <a:ea typeface="+mn-ea"/>
+                          <a:cs typeface="+mn-cs"/>
+                        </a:rPr>
+                        <a:t>· </a:t>
+                      </a:r>
+                      <a:r>
+                        <a:rPr lang="ko-KR" altLang="en-US" sz="1600" kern="1200" dirty="0">
+                          <a:solidFill>
+                            <a:schemeClr val="dk1"/>
+                          </a:solidFill>
+                          <a:effectLst/>
+                          <a:latin typeface="+mn-lt"/>
+                          <a:ea typeface="+mn-ea"/>
+                          <a:cs typeface="+mn-cs"/>
+                        </a:rPr>
+                        <a:t>대기인원을 판단과</a:t>
+                      </a:r>
+                      <a:r>
+                        <a:rPr lang="en-US" altLang="ko-KR" sz="1600" kern="1200" dirty="0">
+                          <a:solidFill>
+                            <a:schemeClr val="dk1"/>
+                          </a:solidFill>
+                          <a:effectLst/>
+                          <a:latin typeface="+mn-lt"/>
+                          <a:ea typeface="+mn-ea"/>
+                          <a:cs typeface="+mn-cs"/>
+                        </a:rPr>
+                        <a:t>, </a:t>
+                      </a:r>
+                      <a:r>
+                        <a:rPr lang="ko-KR" altLang="en-US" sz="1600" kern="1200" dirty="0">
+                          <a:solidFill>
+                            <a:schemeClr val="dk1"/>
+                          </a:solidFill>
+                          <a:effectLst/>
+                          <a:latin typeface="+mn-lt"/>
+                          <a:ea typeface="+mn-ea"/>
+                          <a:cs typeface="+mn-cs"/>
+                        </a:rPr>
+                        <a:t>그 데이터 전송을 위한</a:t>
+                      </a:r>
+                      <a:r>
+                        <a:rPr lang="en-US" altLang="ko-KR" sz="1600" kern="1200" dirty="0">
+                          <a:solidFill>
+                            <a:schemeClr val="dk1"/>
+                          </a:solidFill>
+                          <a:effectLst/>
+                          <a:latin typeface="+mn-lt"/>
+                          <a:ea typeface="+mn-ea"/>
+                          <a:cs typeface="+mn-cs"/>
+                        </a:rPr>
+                        <a:t>, </a:t>
+                      </a:r>
+                      <a:r>
+                        <a:rPr lang="ko-KR" altLang="en-US" sz="1600" kern="1200" dirty="0" err="1">
+                          <a:solidFill>
+                            <a:schemeClr val="dk1"/>
+                          </a:solidFill>
+                          <a:effectLst/>
+                          <a:latin typeface="+mn-lt"/>
+                          <a:ea typeface="+mn-ea"/>
+                          <a:cs typeface="+mn-cs"/>
+                        </a:rPr>
+                        <a:t>하드웨어을</a:t>
+                      </a:r>
+                      <a:r>
+                        <a:rPr lang="ko-KR" altLang="en-US" sz="1600" kern="1200" dirty="0">
+                          <a:solidFill>
+                            <a:schemeClr val="dk1"/>
+                          </a:solidFill>
+                          <a:effectLst/>
+                          <a:latin typeface="+mn-lt"/>
+                          <a:ea typeface="+mn-ea"/>
+                          <a:cs typeface="+mn-cs"/>
+                        </a:rPr>
+                        <a:t> 제작한다</a:t>
+                      </a:r>
+                      <a:r>
+                        <a:rPr lang="en-US" altLang="ko-KR" sz="1600" kern="1200" dirty="0">
+                          <a:solidFill>
+                            <a:schemeClr val="dk1"/>
+                          </a:solidFill>
+                          <a:effectLst/>
+                          <a:latin typeface="+mn-lt"/>
+                          <a:ea typeface="+mn-ea"/>
+                          <a:cs typeface="+mn-cs"/>
+                        </a:rPr>
+                        <a:t>.</a:t>
+                      </a:r>
+                    </a:p>
+                    <a:p>
+                      <a:pPr fontAlgn="base" latinLnBrk="0"/>
+                      <a:r>
+                        <a:rPr lang="en-US" altLang="ko-KR" sz="1600" kern="1200" dirty="0">
+                          <a:solidFill>
+                            <a:schemeClr val="dk1"/>
+                          </a:solidFill>
+                          <a:effectLst/>
+                          <a:latin typeface="+mn-lt"/>
+                          <a:ea typeface="+mn-ea"/>
+                          <a:cs typeface="+mn-cs"/>
+                        </a:rPr>
+                        <a:t>· </a:t>
+                      </a:r>
+                      <a:r>
+                        <a:rPr lang="ko-KR" altLang="en-US" sz="1600" kern="1200" dirty="0">
+                          <a:solidFill>
+                            <a:schemeClr val="dk1"/>
+                          </a:solidFill>
+                          <a:effectLst/>
+                          <a:latin typeface="+mn-lt"/>
+                          <a:ea typeface="+mn-ea"/>
+                          <a:cs typeface="+mn-cs"/>
+                        </a:rPr>
+                        <a:t>대기인원을 판단할 때 이용하는 알고리즘을 제작한다</a:t>
+                      </a:r>
+                      <a:r>
+                        <a:rPr lang="en-US" altLang="ko-KR" sz="1600" kern="1200" dirty="0">
+                          <a:solidFill>
+                            <a:schemeClr val="dk1"/>
+                          </a:solidFill>
+                          <a:effectLst/>
+                          <a:latin typeface="+mn-lt"/>
+                          <a:ea typeface="+mn-ea"/>
+                          <a:cs typeface="+mn-cs"/>
+                        </a:rPr>
+                        <a:t>.</a:t>
+                      </a:r>
+                    </a:p>
+                    <a:p>
+                      <a:pPr fontAlgn="base" latinLnBrk="0"/>
+                      <a:r>
+                        <a:rPr lang="en-US" altLang="ko-KR" sz="1600" kern="1200" dirty="0">
+                          <a:solidFill>
+                            <a:schemeClr val="dk1"/>
+                          </a:solidFill>
+                          <a:effectLst/>
+                          <a:latin typeface="+mn-lt"/>
+                          <a:ea typeface="+mn-ea"/>
+                          <a:cs typeface="+mn-cs"/>
+                        </a:rPr>
+                        <a:t>· </a:t>
+                      </a:r>
+                      <a:r>
+                        <a:rPr lang="ko-KR" altLang="en-US" sz="1600" kern="1200" dirty="0">
+                          <a:solidFill>
+                            <a:schemeClr val="dk1"/>
+                          </a:solidFill>
+                          <a:effectLst/>
+                          <a:latin typeface="+mn-lt"/>
+                          <a:ea typeface="+mn-ea"/>
+                          <a:cs typeface="+mn-cs"/>
+                        </a:rPr>
+                        <a:t>제작한 하드웨어로 얻은 데이터를 클라우드 서버에 전송하기위한 </a:t>
+                      </a:r>
+                      <a:r>
+                        <a:rPr lang="en-US" altLang="ko-KR" sz="1600" kern="1200" dirty="0" err="1">
+                          <a:solidFill>
+                            <a:schemeClr val="dk1"/>
+                          </a:solidFill>
+                          <a:effectLst/>
+                          <a:latin typeface="+mn-lt"/>
+                          <a:ea typeface="+mn-ea"/>
+                          <a:cs typeface="+mn-cs"/>
+                        </a:rPr>
+                        <a:t>iot</a:t>
+                      </a:r>
+                      <a:r>
+                        <a:rPr lang="en-US" altLang="ko-KR" sz="1600" kern="1200" dirty="0">
+                          <a:solidFill>
+                            <a:schemeClr val="dk1"/>
+                          </a:solidFill>
+                          <a:effectLst/>
+                          <a:latin typeface="+mn-lt"/>
+                          <a:ea typeface="+mn-ea"/>
+                          <a:cs typeface="+mn-cs"/>
+                        </a:rPr>
+                        <a:t> </a:t>
+                      </a:r>
+                      <a:r>
+                        <a:rPr lang="ko-KR" altLang="en-US" sz="1600" kern="1200" dirty="0">
+                          <a:solidFill>
+                            <a:schemeClr val="dk1"/>
+                          </a:solidFill>
+                          <a:effectLst/>
+                          <a:latin typeface="+mn-lt"/>
+                          <a:ea typeface="+mn-ea"/>
+                          <a:cs typeface="+mn-cs"/>
+                        </a:rPr>
+                        <a:t>채널을 제작 이를 운용한다</a:t>
+                      </a:r>
+                      <a:r>
+                        <a:rPr lang="en-US" altLang="ko-KR" sz="1600" kern="1200" dirty="0">
+                          <a:solidFill>
+                            <a:schemeClr val="dk1"/>
+                          </a:solidFill>
+                          <a:effectLst/>
+                          <a:latin typeface="+mn-lt"/>
+                          <a:ea typeface="+mn-ea"/>
+                          <a:cs typeface="+mn-cs"/>
+                        </a:rPr>
+                        <a:t>. </a:t>
+                      </a:r>
+                      <a:endParaRPr lang="ko-KR" altLang="en-US" sz="1600" kern="1200" dirty="0">
+                        <a:solidFill>
+                          <a:schemeClr val="dk1"/>
+                        </a:solidFill>
+                        <a:effectLst/>
+                        <a:latin typeface="+mn-lt"/>
+                        <a:ea typeface="+mn-ea"/>
+                        <a:cs typeface="+mn-cs"/>
+                      </a:endParaRPr>
+                    </a:p>
+                    <a:p>
+                      <a:pPr fontAlgn="base" latinLnBrk="0"/>
+                      <a:r>
+                        <a:rPr lang="en-US" altLang="ko-KR" sz="1600" kern="1200" dirty="0">
+                          <a:solidFill>
+                            <a:schemeClr val="dk1"/>
+                          </a:solidFill>
+                          <a:effectLst/>
+                          <a:latin typeface="+mn-lt"/>
+                          <a:ea typeface="+mn-ea"/>
+                          <a:cs typeface="+mn-cs"/>
+                        </a:rPr>
+                        <a:t>· APP </a:t>
+                      </a:r>
+                      <a:r>
+                        <a:rPr lang="ko-KR" altLang="en-US" sz="1600" kern="1200" dirty="0">
+                          <a:solidFill>
+                            <a:schemeClr val="dk1"/>
+                          </a:solidFill>
+                          <a:effectLst/>
+                          <a:latin typeface="+mn-lt"/>
+                          <a:ea typeface="+mn-ea"/>
+                          <a:cs typeface="+mn-cs"/>
+                        </a:rPr>
+                        <a:t>개발 함으로서 이용자들에게 실시간 버스정보에 대한 더 나은 경로 판단을 제시한다</a:t>
+                      </a:r>
+                      <a:r>
+                        <a:rPr lang="en-US" altLang="ko-KR" sz="1600" kern="1200" dirty="0">
+                          <a:solidFill>
+                            <a:schemeClr val="dk1"/>
+                          </a:solidFill>
+                          <a:effectLst/>
+                          <a:latin typeface="+mn-lt"/>
+                          <a:ea typeface="+mn-ea"/>
+                          <a:cs typeface="+mn-cs"/>
+                        </a:rPr>
+                        <a:t>.</a:t>
+                      </a:r>
+                      <a:endParaRPr lang="ko-KR" altLang="en-US" sz="1600" kern="1200" dirty="0">
+                        <a:solidFill>
+                          <a:schemeClr val="dk1"/>
+                        </a:solidFill>
+                        <a:effectLst/>
+                        <a:latin typeface="+mn-lt"/>
+                        <a:ea typeface="+mn-ea"/>
+                        <a:cs typeface="+mn-cs"/>
+                      </a:endParaRPr>
+                    </a:p>
+                    <a:p>
+                      <a:pPr fontAlgn="base" latinLnBrk="0"/>
+                      <a:r>
+                        <a:rPr lang="ko-KR" altLang="en-US" sz="1600" kern="1200" dirty="0">
+                          <a:solidFill>
+                            <a:schemeClr val="dk1"/>
+                          </a:solidFill>
+                          <a:effectLst/>
+                          <a:latin typeface="+mn-lt"/>
+                          <a:ea typeface="+mn-ea"/>
+                          <a:cs typeface="+mn-cs"/>
+                        </a:rPr>
+                        <a:t>동시에 </a:t>
+                      </a:r>
+                      <a:r>
+                        <a:rPr lang="en-US" altLang="ko-KR" sz="1600" kern="1200" dirty="0">
+                          <a:solidFill>
+                            <a:schemeClr val="dk1"/>
+                          </a:solidFill>
+                          <a:effectLst/>
+                          <a:latin typeface="+mn-lt"/>
+                          <a:ea typeface="+mn-ea"/>
+                          <a:cs typeface="+mn-cs"/>
+                        </a:rPr>
+                        <a:t>UI </a:t>
+                      </a:r>
+                      <a:r>
+                        <a:rPr lang="ko-KR" altLang="en-US" sz="1600" kern="1200" dirty="0">
+                          <a:solidFill>
+                            <a:schemeClr val="dk1"/>
+                          </a:solidFill>
+                          <a:effectLst/>
+                          <a:latin typeface="+mn-lt"/>
+                          <a:ea typeface="+mn-ea"/>
+                          <a:cs typeface="+mn-cs"/>
+                        </a:rPr>
+                        <a:t>디자인을 정리 함으로서</a:t>
+                      </a:r>
+                      <a:r>
+                        <a:rPr lang="en-US" altLang="ko-KR" sz="1600" kern="1200" dirty="0">
+                          <a:solidFill>
+                            <a:schemeClr val="dk1"/>
+                          </a:solidFill>
+                          <a:effectLst/>
+                          <a:latin typeface="+mn-lt"/>
+                          <a:ea typeface="+mn-ea"/>
+                          <a:cs typeface="+mn-cs"/>
+                        </a:rPr>
+                        <a:t>, </a:t>
+                      </a:r>
+                      <a:r>
+                        <a:rPr lang="ko-KR" altLang="en-US" sz="1600" kern="1200" dirty="0">
+                          <a:solidFill>
+                            <a:schemeClr val="dk1"/>
+                          </a:solidFill>
+                          <a:effectLst/>
+                          <a:latin typeface="+mn-lt"/>
+                          <a:ea typeface="+mn-ea"/>
+                          <a:cs typeface="+mn-cs"/>
+                        </a:rPr>
+                        <a:t>이용자들의 접근성과</a:t>
+                      </a:r>
+                      <a:r>
+                        <a:rPr lang="en-US" altLang="ko-KR" sz="1600" kern="1200" dirty="0">
+                          <a:solidFill>
+                            <a:schemeClr val="dk1"/>
+                          </a:solidFill>
+                          <a:effectLst/>
+                          <a:latin typeface="+mn-lt"/>
+                          <a:ea typeface="+mn-ea"/>
+                          <a:cs typeface="+mn-cs"/>
+                        </a:rPr>
+                        <a:t>, </a:t>
+                      </a:r>
+                      <a:r>
+                        <a:rPr lang="ko-KR" altLang="en-US" sz="1600" kern="1200" dirty="0">
+                          <a:solidFill>
+                            <a:schemeClr val="dk1"/>
+                          </a:solidFill>
+                          <a:effectLst/>
+                          <a:latin typeface="+mn-lt"/>
+                          <a:ea typeface="+mn-ea"/>
+                          <a:cs typeface="+mn-cs"/>
+                        </a:rPr>
+                        <a:t>사용의 편리함을 증대 시킨다</a:t>
+                      </a:r>
+                      <a:r>
+                        <a:rPr lang="en-US" altLang="ko-KR" sz="1600" kern="1200" dirty="0">
+                          <a:solidFill>
+                            <a:schemeClr val="dk1"/>
+                          </a:solidFill>
+                          <a:effectLst/>
+                          <a:latin typeface="+mn-lt"/>
+                          <a:ea typeface="+mn-ea"/>
+                          <a:cs typeface="+mn-cs"/>
+                        </a:rPr>
+                        <a:t>.</a:t>
+                      </a:r>
+                    </a:p>
+                    <a:p>
+                      <a:pPr fontAlgn="base" latinLnBrk="0"/>
+                      <a:endParaRPr lang="ko-KR" altLang="en-US" sz="1600" kern="1200" dirty="0">
+                        <a:solidFill>
+                          <a:schemeClr val="dk1"/>
+                        </a:solidFill>
+                        <a:effectLst/>
+                        <a:latin typeface="+mn-lt"/>
+                        <a:ea typeface="+mn-ea"/>
+                        <a:cs typeface="+mn-cs"/>
+                      </a:endParaRPr>
+                    </a:p>
+                  </a:txBody>
+                  <a:tcPr anchor="ctr" anchorCtr="1"/>
+                </a:tc>
+                <a:tc>
+                  <a:txBody>
+                    <a:bodyPr/>
+                    <a:lstStyle/>
+                    <a:p>
+                      <a:pPr fontAlgn="base" latinLnBrk="0"/>
+                      <a:r>
+                        <a:rPr lang="ko-KR" altLang="en-US" sz="1600" kern="1200" dirty="0">
+                          <a:solidFill>
+                            <a:schemeClr val="dk1"/>
+                          </a:solidFill>
+                          <a:effectLst/>
+                          <a:latin typeface="+mn-lt"/>
+                          <a:ea typeface="+mn-ea"/>
+                          <a:cs typeface="+mn-cs"/>
+                        </a:rPr>
+                        <a:t>실시간으로 대기인원을 판단할 하드웨어</a:t>
+                      </a:r>
+                    </a:p>
+                    <a:p>
+                      <a:pPr fontAlgn="base" latinLnBrk="0"/>
+                      <a:r>
+                        <a:rPr lang="en-US" altLang="ko-KR" sz="1600" kern="1200" dirty="0">
+                          <a:solidFill>
+                            <a:schemeClr val="dk1"/>
+                          </a:solidFill>
+                          <a:effectLst/>
+                          <a:latin typeface="+mn-lt"/>
+                          <a:ea typeface="+mn-ea"/>
+                          <a:cs typeface="+mn-cs"/>
+                        </a:rPr>
+                        <a:t>(</a:t>
+                      </a:r>
+                      <a:r>
+                        <a:rPr lang="ko-KR" altLang="en-US" sz="1600" kern="1200" dirty="0">
+                          <a:solidFill>
+                            <a:schemeClr val="dk1"/>
+                          </a:solidFill>
+                          <a:effectLst/>
+                          <a:latin typeface="+mn-lt"/>
+                          <a:ea typeface="+mn-ea"/>
+                          <a:cs typeface="+mn-cs"/>
+                        </a:rPr>
+                        <a:t>카메라 모듈</a:t>
+                      </a:r>
+                      <a:r>
+                        <a:rPr lang="en-US" altLang="ko-KR" sz="1600" kern="1200" dirty="0">
+                          <a:solidFill>
+                            <a:schemeClr val="dk1"/>
+                          </a:solidFill>
+                          <a:effectLst/>
+                          <a:latin typeface="+mn-lt"/>
+                          <a:ea typeface="+mn-ea"/>
+                          <a:cs typeface="+mn-cs"/>
+                        </a:rPr>
+                        <a:t>, </a:t>
+                      </a:r>
+                      <a:r>
+                        <a:rPr lang="ko-KR" altLang="en-US" sz="1600" kern="1200" dirty="0" err="1">
+                          <a:solidFill>
+                            <a:schemeClr val="dk1"/>
+                          </a:solidFill>
+                          <a:effectLst/>
+                          <a:latin typeface="+mn-lt"/>
+                          <a:ea typeface="+mn-ea"/>
+                          <a:cs typeface="+mn-cs"/>
+                        </a:rPr>
+                        <a:t>라즈베리파이</a:t>
+                      </a:r>
+                      <a:r>
+                        <a:rPr lang="ko-KR" altLang="en-US" sz="1600" kern="1200" dirty="0">
+                          <a:solidFill>
+                            <a:schemeClr val="dk1"/>
+                          </a:solidFill>
+                          <a:effectLst/>
+                          <a:latin typeface="+mn-lt"/>
+                          <a:ea typeface="+mn-ea"/>
+                          <a:cs typeface="+mn-cs"/>
+                        </a:rPr>
+                        <a:t> </a:t>
+                      </a:r>
+                    </a:p>
+                    <a:p>
+                      <a:pPr fontAlgn="base" latinLnBrk="0"/>
+                      <a:r>
+                        <a:rPr lang="ko-KR" altLang="en-US" sz="1600" kern="1200" dirty="0">
+                          <a:solidFill>
+                            <a:schemeClr val="dk1"/>
+                          </a:solidFill>
+                          <a:effectLst/>
+                          <a:latin typeface="+mn-lt"/>
+                          <a:ea typeface="+mn-ea"/>
+                          <a:cs typeface="+mn-cs"/>
+                        </a:rPr>
+                        <a:t>또는 </a:t>
+                      </a:r>
+                      <a:r>
+                        <a:rPr lang="ko-KR" altLang="en-US" sz="1600" kern="1200" dirty="0" err="1">
+                          <a:solidFill>
+                            <a:schemeClr val="dk1"/>
+                          </a:solidFill>
+                          <a:effectLst/>
+                          <a:latin typeface="+mn-lt"/>
+                          <a:ea typeface="+mn-ea"/>
+                          <a:cs typeface="+mn-cs"/>
+                        </a:rPr>
+                        <a:t>젯슨나노</a:t>
+                      </a:r>
+                      <a:r>
+                        <a:rPr lang="en-US" altLang="ko-KR" sz="1600" kern="1200" dirty="0">
+                          <a:solidFill>
+                            <a:schemeClr val="dk1"/>
+                          </a:solidFill>
+                          <a:effectLst/>
+                          <a:latin typeface="+mn-lt"/>
+                          <a:ea typeface="+mn-ea"/>
+                          <a:cs typeface="+mn-cs"/>
+                        </a:rPr>
+                        <a:t>) ,</a:t>
+                      </a:r>
+                      <a:endParaRPr lang="ko-KR" altLang="en-US" sz="1600" kern="1200" dirty="0">
+                        <a:solidFill>
+                          <a:schemeClr val="dk1"/>
+                        </a:solidFill>
+                        <a:effectLst/>
+                        <a:latin typeface="+mn-lt"/>
+                        <a:ea typeface="+mn-ea"/>
+                        <a:cs typeface="+mn-cs"/>
+                      </a:endParaRPr>
+                    </a:p>
+                    <a:p>
+                      <a:pPr fontAlgn="base" latinLnBrk="0"/>
+                      <a:r>
+                        <a:rPr lang="en-US" altLang="ko-KR" sz="1600" kern="1200" dirty="0">
+                          <a:solidFill>
+                            <a:schemeClr val="dk1"/>
+                          </a:solidFill>
+                          <a:effectLst/>
+                          <a:latin typeface="+mn-lt"/>
+                          <a:ea typeface="+mn-ea"/>
+                          <a:cs typeface="+mn-cs"/>
+                        </a:rPr>
+                        <a:t>Android APP</a:t>
+                      </a:r>
+                    </a:p>
+                    <a:p>
+                      <a:pPr fontAlgn="base" latinLnBrk="0"/>
+                      <a:r>
+                        <a:rPr lang="en-US" altLang="ko-KR" sz="1600" kern="1200" dirty="0">
+                          <a:solidFill>
+                            <a:schemeClr val="dk1"/>
+                          </a:solidFill>
+                          <a:effectLst/>
+                          <a:latin typeface="+mn-lt"/>
+                          <a:ea typeface="+mn-ea"/>
+                          <a:cs typeface="+mn-cs"/>
+                        </a:rPr>
+                        <a:t>AWS IOT</a:t>
+                      </a:r>
+                      <a:endParaRPr lang="ko-KR" altLang="en-US" sz="1600" kern="1200" dirty="0">
+                        <a:solidFill>
+                          <a:schemeClr val="dk1"/>
+                        </a:solidFill>
+                        <a:effectLst/>
+                        <a:latin typeface="+mn-lt"/>
+                        <a:ea typeface="+mn-ea"/>
+                        <a:cs typeface="+mn-cs"/>
+                      </a:endParaRPr>
+                    </a:p>
+                  </a:txBody>
+                  <a:tcPr anchor="ctr" anchorCtr="1"/>
+                </a:tc>
+                <a:extLst>
+                  <a:ext uri="{0D108BD9-81ED-4DB2-BD59-A6C34878D82A}">
+                    <a16:rowId xmlns:a16="http://schemas.microsoft.com/office/drawing/2014/main" val="854343323"/>
+                  </a:ext>
+                </a:extLst>
+              </a:tr>
+              <a:tr h="1004073">
+                <a:tc>
+                  <a:txBody>
+                    <a:bodyPr/>
+                    <a:lstStyle/>
+                    <a:p>
+                      <a:pPr algn="ctr" latinLnBrk="1"/>
+                      <a:r>
+                        <a:rPr lang="ko-KR" altLang="en-US" b="1" dirty="0" err="1"/>
+                        <a:t>이채민</a:t>
+                      </a:r>
+                      <a:endParaRPr lang="ko-KR" altLang="en-US" b="1" dirty="0"/>
+                    </a:p>
+                  </a:txBody>
+                  <a:tcPr anchor="ctr" anchorCtr="1"/>
+                </a:tc>
+                <a:tc>
+                  <a:txBody>
+                    <a:bodyPr/>
+                    <a:lstStyle/>
+                    <a:p>
+                      <a:pPr algn="ctr" latinLnBrk="1"/>
+                      <a:r>
+                        <a:rPr lang="ko-KR" altLang="en-US" dirty="0"/>
+                        <a:t>팀원</a:t>
+                      </a:r>
+                    </a:p>
+                  </a:txBody>
+                  <a:tcPr anchor="ctr" anchorCtr="1"/>
+                </a:tc>
+                <a:tc>
+                  <a:txBody>
+                    <a:bodyPr/>
+                    <a:lstStyle/>
+                    <a:p>
+                      <a:pPr fontAlgn="base" latinLnBrk="0"/>
+                      <a:endParaRPr lang="en-US" altLang="ko-KR" sz="1600" kern="1200" dirty="0">
+                        <a:solidFill>
+                          <a:schemeClr val="dk1"/>
+                        </a:solidFill>
+                        <a:effectLst/>
+                        <a:latin typeface="+mn-lt"/>
+                        <a:ea typeface="+mn-ea"/>
+                        <a:cs typeface="+mn-cs"/>
+                      </a:endParaRPr>
+                    </a:p>
+                    <a:p>
+                      <a:pPr fontAlgn="base" latinLnBrk="0"/>
+                      <a:r>
+                        <a:rPr lang="en-US" altLang="ko-KR" sz="1600" kern="1200" dirty="0">
+                          <a:solidFill>
+                            <a:schemeClr val="dk1"/>
+                          </a:solidFill>
+                          <a:effectLst/>
+                          <a:latin typeface="+mn-lt"/>
+                          <a:ea typeface="+mn-ea"/>
+                          <a:cs typeface="+mn-cs"/>
+                        </a:rPr>
+                        <a:t>· </a:t>
+                      </a:r>
+                      <a:r>
+                        <a:rPr lang="ko-KR" altLang="en-US" sz="1600" kern="1200" dirty="0">
+                          <a:solidFill>
+                            <a:schemeClr val="dk1"/>
+                          </a:solidFill>
+                          <a:effectLst/>
+                          <a:latin typeface="+mn-lt"/>
+                          <a:ea typeface="+mn-ea"/>
+                          <a:cs typeface="+mn-cs"/>
+                        </a:rPr>
+                        <a:t>실시간 대기인원의 데이터를 제공하고</a:t>
+                      </a:r>
+                      <a:r>
+                        <a:rPr lang="en-US" altLang="ko-KR" sz="1600" kern="1200" dirty="0">
+                          <a:solidFill>
+                            <a:schemeClr val="dk1"/>
+                          </a:solidFill>
+                          <a:effectLst/>
+                          <a:latin typeface="+mn-lt"/>
+                          <a:ea typeface="+mn-ea"/>
+                          <a:cs typeface="+mn-cs"/>
+                        </a:rPr>
+                        <a:t>, APP</a:t>
+                      </a:r>
+                      <a:r>
+                        <a:rPr lang="ko-KR" altLang="en-US" sz="1600" kern="1200" dirty="0">
+                          <a:solidFill>
+                            <a:schemeClr val="dk1"/>
+                          </a:solidFill>
+                          <a:effectLst/>
+                          <a:latin typeface="+mn-lt"/>
+                          <a:ea typeface="+mn-ea"/>
+                          <a:cs typeface="+mn-cs"/>
+                        </a:rPr>
+                        <a:t>으로 전달하기위한</a:t>
+                      </a:r>
+                      <a:r>
+                        <a:rPr lang="en-US" altLang="ko-KR" sz="1600" kern="1200" dirty="0">
+                          <a:solidFill>
+                            <a:schemeClr val="dk1"/>
+                          </a:solidFill>
+                          <a:effectLst/>
+                          <a:latin typeface="+mn-lt"/>
+                          <a:ea typeface="+mn-ea"/>
+                          <a:cs typeface="+mn-cs"/>
+                        </a:rPr>
+                        <a:t>, </a:t>
+                      </a:r>
+                      <a:r>
+                        <a:rPr lang="ko-KR" altLang="en-US" sz="1600" kern="1200" dirty="0">
+                          <a:solidFill>
+                            <a:schemeClr val="dk1"/>
+                          </a:solidFill>
+                          <a:effectLst/>
+                          <a:latin typeface="+mn-lt"/>
+                          <a:ea typeface="+mn-ea"/>
+                          <a:cs typeface="+mn-cs"/>
+                        </a:rPr>
+                        <a:t>서버를 제작한다</a:t>
+                      </a:r>
+                      <a:r>
+                        <a:rPr lang="en-US" altLang="ko-KR" sz="1600" kern="1200" dirty="0">
+                          <a:solidFill>
+                            <a:schemeClr val="dk1"/>
+                          </a:solidFill>
+                          <a:effectLst/>
+                          <a:latin typeface="+mn-lt"/>
+                          <a:ea typeface="+mn-ea"/>
+                          <a:cs typeface="+mn-cs"/>
+                        </a:rPr>
+                        <a:t>.</a:t>
+                      </a:r>
+                      <a:endParaRPr lang="ko-KR" altLang="en-US" sz="1600" kern="1200" dirty="0">
+                        <a:solidFill>
+                          <a:schemeClr val="dk1"/>
+                        </a:solidFill>
+                        <a:effectLst/>
+                        <a:latin typeface="+mn-lt"/>
+                        <a:ea typeface="+mn-ea"/>
+                        <a:cs typeface="+mn-cs"/>
+                      </a:endParaRPr>
+                    </a:p>
+                    <a:p>
+                      <a:pPr fontAlgn="base" latinLnBrk="0"/>
+                      <a:r>
+                        <a:rPr lang="en-US" altLang="ko-KR" sz="1600" kern="1200" dirty="0">
+                          <a:solidFill>
+                            <a:schemeClr val="dk1"/>
+                          </a:solidFill>
+                          <a:effectLst/>
+                          <a:latin typeface="+mn-lt"/>
+                          <a:ea typeface="+mn-ea"/>
+                          <a:cs typeface="+mn-cs"/>
+                        </a:rPr>
+                        <a:t>· </a:t>
+                      </a:r>
+                      <a:r>
+                        <a:rPr lang="ko-KR" altLang="en-US" sz="1600" kern="1200" dirty="0">
+                          <a:solidFill>
+                            <a:schemeClr val="dk1"/>
+                          </a:solidFill>
+                          <a:effectLst/>
+                          <a:latin typeface="+mn-lt"/>
+                          <a:ea typeface="+mn-ea"/>
+                          <a:cs typeface="+mn-cs"/>
+                        </a:rPr>
+                        <a:t>공공 </a:t>
+                      </a:r>
+                      <a:r>
+                        <a:rPr lang="en-US" altLang="ko-KR" sz="1600" kern="1200" dirty="0">
+                          <a:solidFill>
+                            <a:schemeClr val="dk1"/>
+                          </a:solidFill>
+                          <a:effectLst/>
+                          <a:latin typeface="+mn-lt"/>
+                          <a:ea typeface="+mn-ea"/>
+                          <a:cs typeface="+mn-cs"/>
+                        </a:rPr>
+                        <a:t>API</a:t>
+                      </a:r>
+                      <a:r>
+                        <a:rPr lang="ko-KR" altLang="en-US" sz="1600" kern="1200" dirty="0">
+                          <a:solidFill>
+                            <a:schemeClr val="dk1"/>
+                          </a:solidFill>
+                          <a:effectLst/>
+                          <a:latin typeface="+mn-lt"/>
+                          <a:ea typeface="+mn-ea"/>
+                          <a:cs typeface="+mn-cs"/>
+                        </a:rPr>
+                        <a:t>를 이용한</a:t>
+                      </a:r>
+                      <a:r>
+                        <a:rPr lang="en-US" altLang="ko-KR" sz="1600" kern="1200" dirty="0">
+                          <a:solidFill>
+                            <a:schemeClr val="dk1"/>
+                          </a:solidFill>
+                          <a:effectLst/>
+                          <a:latin typeface="+mn-lt"/>
+                          <a:ea typeface="+mn-ea"/>
+                          <a:cs typeface="+mn-cs"/>
+                        </a:rPr>
+                        <a:t>, </a:t>
+                      </a:r>
+                      <a:r>
+                        <a:rPr lang="ko-KR" altLang="en-US" sz="1600" kern="1200" dirty="0">
+                          <a:solidFill>
+                            <a:schemeClr val="dk1"/>
+                          </a:solidFill>
+                          <a:effectLst/>
+                          <a:latin typeface="+mn-lt"/>
+                          <a:ea typeface="+mn-ea"/>
+                          <a:cs typeface="+mn-cs"/>
+                        </a:rPr>
+                        <a:t>실시간 버스현황 자료전달을 진행하고</a:t>
+                      </a:r>
+                      <a:r>
+                        <a:rPr lang="en-US" altLang="ko-KR" sz="1600" kern="1200" dirty="0">
+                          <a:solidFill>
+                            <a:schemeClr val="dk1"/>
+                          </a:solidFill>
+                          <a:effectLst/>
+                          <a:latin typeface="+mn-lt"/>
+                          <a:ea typeface="+mn-ea"/>
+                          <a:cs typeface="+mn-cs"/>
+                        </a:rPr>
+                        <a:t>, </a:t>
+                      </a:r>
+                      <a:r>
+                        <a:rPr lang="ko-KR" altLang="en-US" sz="1600" kern="1200" dirty="0">
+                          <a:solidFill>
+                            <a:schemeClr val="dk1"/>
+                          </a:solidFill>
+                          <a:effectLst/>
+                          <a:latin typeface="+mn-lt"/>
+                          <a:ea typeface="+mn-ea"/>
+                          <a:cs typeface="+mn-cs"/>
+                        </a:rPr>
+                        <a:t>이를 </a:t>
+                      </a:r>
+                      <a:r>
+                        <a:rPr lang="en-US" altLang="ko-KR" sz="1600" kern="1200" dirty="0">
+                          <a:solidFill>
+                            <a:schemeClr val="dk1"/>
+                          </a:solidFill>
+                          <a:effectLst/>
+                          <a:latin typeface="+mn-lt"/>
+                          <a:ea typeface="+mn-ea"/>
+                          <a:cs typeface="+mn-cs"/>
+                        </a:rPr>
+                        <a:t>APP</a:t>
+                      </a:r>
+                      <a:r>
+                        <a:rPr lang="ko-KR" altLang="en-US" sz="1600" kern="1200" dirty="0">
+                          <a:solidFill>
+                            <a:schemeClr val="dk1"/>
+                          </a:solidFill>
+                          <a:effectLst/>
+                          <a:latin typeface="+mn-lt"/>
+                          <a:ea typeface="+mn-ea"/>
+                          <a:cs typeface="+mn-cs"/>
+                        </a:rPr>
+                        <a:t>으로 </a:t>
+                      </a:r>
+                      <a:r>
+                        <a:rPr lang="ko-KR" altLang="en-US" sz="1600" kern="1200" dirty="0" err="1">
+                          <a:solidFill>
+                            <a:schemeClr val="dk1"/>
+                          </a:solidFill>
+                          <a:effectLst/>
+                          <a:latin typeface="+mn-lt"/>
+                          <a:ea typeface="+mn-ea"/>
+                          <a:cs typeface="+mn-cs"/>
+                        </a:rPr>
+                        <a:t>시각화하는</a:t>
+                      </a:r>
+                      <a:r>
+                        <a:rPr lang="ko-KR" altLang="en-US" sz="1600" kern="1200" dirty="0">
+                          <a:solidFill>
+                            <a:schemeClr val="dk1"/>
+                          </a:solidFill>
+                          <a:effectLst/>
+                          <a:latin typeface="+mn-lt"/>
+                          <a:ea typeface="+mn-ea"/>
+                          <a:cs typeface="+mn-cs"/>
+                        </a:rPr>
+                        <a:t> </a:t>
+                      </a:r>
+                      <a:r>
+                        <a:rPr lang="en-US" altLang="ko-KR" sz="1600" kern="1200" dirty="0">
+                          <a:solidFill>
+                            <a:schemeClr val="dk1"/>
+                          </a:solidFill>
+                          <a:effectLst/>
+                          <a:latin typeface="+mn-lt"/>
+                          <a:ea typeface="+mn-ea"/>
+                          <a:cs typeface="+mn-cs"/>
+                        </a:rPr>
+                        <a:t>UI </a:t>
+                      </a:r>
+                      <a:r>
+                        <a:rPr lang="ko-KR" altLang="en-US" sz="1600" kern="1200" dirty="0">
+                          <a:solidFill>
+                            <a:schemeClr val="dk1"/>
+                          </a:solidFill>
+                          <a:effectLst/>
+                          <a:latin typeface="+mn-lt"/>
+                          <a:ea typeface="+mn-ea"/>
+                          <a:cs typeface="+mn-cs"/>
+                        </a:rPr>
+                        <a:t>제작을 제작한다</a:t>
+                      </a:r>
+                      <a:r>
+                        <a:rPr lang="en-US" altLang="ko-KR" sz="1600" kern="1200" dirty="0">
+                          <a:solidFill>
+                            <a:schemeClr val="dk1"/>
+                          </a:solidFill>
+                          <a:effectLst/>
+                          <a:latin typeface="+mn-lt"/>
+                          <a:ea typeface="+mn-ea"/>
+                          <a:cs typeface="+mn-cs"/>
+                        </a:rPr>
+                        <a:t>.</a:t>
+                      </a:r>
+                      <a:endParaRPr lang="ko-KR" altLang="en-US" sz="1600" kern="1200" dirty="0">
+                        <a:solidFill>
+                          <a:schemeClr val="dk1"/>
+                        </a:solidFill>
+                        <a:effectLst/>
+                        <a:latin typeface="+mn-lt"/>
+                        <a:ea typeface="+mn-ea"/>
+                        <a:cs typeface="+mn-cs"/>
+                      </a:endParaRPr>
+                    </a:p>
+                    <a:p>
+                      <a:pPr fontAlgn="base" latinLnBrk="0"/>
+                      <a:r>
+                        <a:rPr lang="en-US" altLang="ko-KR" sz="1600" kern="1200" dirty="0">
+                          <a:solidFill>
+                            <a:schemeClr val="dk1"/>
+                          </a:solidFill>
+                          <a:effectLst/>
+                          <a:latin typeface="+mn-lt"/>
+                          <a:ea typeface="+mn-ea"/>
+                          <a:cs typeface="+mn-cs"/>
+                        </a:rPr>
+                        <a:t>· </a:t>
+                      </a:r>
+                      <a:r>
+                        <a:rPr lang="ko-KR" altLang="en-US" sz="1600" kern="1200" dirty="0">
+                          <a:solidFill>
+                            <a:schemeClr val="dk1"/>
+                          </a:solidFill>
+                          <a:effectLst/>
+                          <a:latin typeface="+mn-lt"/>
+                          <a:ea typeface="+mn-ea"/>
+                          <a:cs typeface="+mn-cs"/>
+                        </a:rPr>
+                        <a:t>받은 공공 </a:t>
+                      </a:r>
+                      <a:r>
+                        <a:rPr lang="en-US" altLang="ko-KR" sz="1600" kern="1200" dirty="0">
+                          <a:solidFill>
+                            <a:schemeClr val="dk1"/>
+                          </a:solidFill>
+                          <a:effectLst/>
+                          <a:latin typeface="+mn-lt"/>
+                          <a:ea typeface="+mn-ea"/>
+                          <a:cs typeface="+mn-cs"/>
+                        </a:rPr>
+                        <a:t>API</a:t>
+                      </a:r>
+                      <a:r>
+                        <a:rPr lang="ko-KR" altLang="en-US" sz="1600" kern="1200" dirty="0">
+                          <a:solidFill>
+                            <a:schemeClr val="dk1"/>
+                          </a:solidFill>
+                          <a:effectLst/>
+                          <a:latin typeface="+mn-lt"/>
+                          <a:ea typeface="+mn-ea"/>
+                          <a:cs typeface="+mn-cs"/>
+                        </a:rPr>
+                        <a:t>와 서버를 통해 구축한 데이터 베이스의 자료를 바탕으로</a:t>
+                      </a:r>
+                      <a:r>
+                        <a:rPr lang="en-US" altLang="ko-KR" sz="1600" kern="1200" dirty="0">
+                          <a:solidFill>
+                            <a:schemeClr val="dk1"/>
+                          </a:solidFill>
+                          <a:effectLst/>
+                          <a:latin typeface="+mn-lt"/>
+                          <a:ea typeface="+mn-ea"/>
+                          <a:cs typeface="+mn-cs"/>
+                        </a:rPr>
+                        <a:t>, </a:t>
+                      </a:r>
+                      <a:r>
+                        <a:rPr lang="ko-KR" altLang="en-US" sz="1600" kern="1200" dirty="0">
+                          <a:solidFill>
+                            <a:schemeClr val="dk1"/>
+                          </a:solidFill>
+                          <a:effectLst/>
+                          <a:latin typeface="+mn-lt"/>
+                          <a:ea typeface="+mn-ea"/>
+                          <a:cs typeface="+mn-cs"/>
+                        </a:rPr>
+                        <a:t>예상 버스 탑승시간을 연산하고</a:t>
+                      </a:r>
+                      <a:r>
+                        <a:rPr lang="en-US" altLang="ko-KR" sz="1600" kern="1200" dirty="0">
+                          <a:solidFill>
+                            <a:schemeClr val="dk1"/>
+                          </a:solidFill>
+                          <a:effectLst/>
+                          <a:latin typeface="+mn-lt"/>
+                          <a:ea typeface="+mn-ea"/>
+                          <a:cs typeface="+mn-cs"/>
+                        </a:rPr>
+                        <a:t>, </a:t>
+                      </a:r>
+                      <a:r>
+                        <a:rPr lang="ko-KR" altLang="en-US" sz="1600" kern="1200" dirty="0">
+                          <a:solidFill>
+                            <a:schemeClr val="dk1"/>
+                          </a:solidFill>
+                          <a:effectLst/>
+                          <a:latin typeface="+mn-lt"/>
+                          <a:ea typeface="+mn-ea"/>
+                          <a:cs typeface="+mn-cs"/>
+                        </a:rPr>
+                        <a:t>더 나아가</a:t>
+                      </a:r>
+                      <a:r>
+                        <a:rPr lang="en-US" altLang="ko-KR" sz="1600" kern="1200" dirty="0">
+                          <a:solidFill>
+                            <a:schemeClr val="dk1"/>
+                          </a:solidFill>
+                          <a:effectLst/>
+                          <a:latin typeface="+mn-lt"/>
+                          <a:ea typeface="+mn-ea"/>
+                          <a:cs typeface="+mn-cs"/>
+                        </a:rPr>
+                        <a:t>, </a:t>
+                      </a:r>
+                      <a:r>
+                        <a:rPr lang="ko-KR" altLang="en-US" sz="1600" kern="1200" dirty="0">
+                          <a:solidFill>
+                            <a:schemeClr val="dk1"/>
+                          </a:solidFill>
+                          <a:effectLst/>
+                          <a:latin typeface="+mn-lt"/>
+                          <a:ea typeface="+mn-ea"/>
+                          <a:cs typeface="+mn-cs"/>
+                        </a:rPr>
+                        <a:t>더 나은 경로 예측을 진행 </a:t>
+                      </a:r>
+                      <a:r>
+                        <a:rPr lang="ko-KR" altLang="en-US" sz="1600" kern="1200" dirty="0" err="1">
+                          <a:solidFill>
+                            <a:schemeClr val="dk1"/>
+                          </a:solidFill>
+                          <a:effectLst/>
+                          <a:latin typeface="+mn-lt"/>
+                          <a:ea typeface="+mn-ea"/>
+                          <a:cs typeface="+mn-cs"/>
+                        </a:rPr>
+                        <a:t>할수</a:t>
+                      </a:r>
+                      <a:r>
+                        <a:rPr lang="ko-KR" altLang="en-US" sz="1600" kern="1200" dirty="0">
+                          <a:solidFill>
+                            <a:schemeClr val="dk1"/>
+                          </a:solidFill>
+                          <a:effectLst/>
+                          <a:latin typeface="+mn-lt"/>
+                          <a:ea typeface="+mn-ea"/>
+                          <a:cs typeface="+mn-cs"/>
+                        </a:rPr>
+                        <a:t> 있도록 돕는다</a:t>
+                      </a:r>
+                      <a:r>
+                        <a:rPr lang="en-US" altLang="ko-KR" sz="1600" kern="1200" dirty="0">
+                          <a:solidFill>
+                            <a:schemeClr val="dk1"/>
+                          </a:solidFill>
+                          <a:effectLst/>
+                          <a:latin typeface="+mn-lt"/>
+                          <a:ea typeface="+mn-ea"/>
+                          <a:cs typeface="+mn-cs"/>
+                        </a:rPr>
+                        <a:t>.</a:t>
+                      </a:r>
+                    </a:p>
+                    <a:p>
+                      <a:pPr fontAlgn="base" latinLnBrk="0"/>
+                      <a:endParaRPr lang="ko-KR" altLang="en-US" sz="1600" kern="1200" dirty="0">
+                        <a:solidFill>
+                          <a:schemeClr val="dk1"/>
+                        </a:solidFill>
+                        <a:effectLst/>
+                        <a:latin typeface="+mn-lt"/>
+                        <a:ea typeface="+mn-ea"/>
+                        <a:cs typeface="+mn-cs"/>
+                      </a:endParaRPr>
+                    </a:p>
+                  </a:txBody>
+                  <a:tcPr anchor="ctr" anchorCtr="1"/>
+                </a:tc>
+                <a:tc>
+                  <a:txBody>
+                    <a:bodyPr/>
+                    <a:lstStyle/>
+                    <a:p>
+                      <a:pPr fontAlgn="ctr" latinLnBrk="0"/>
+                      <a:r>
+                        <a:rPr lang="en-US" altLang="ko-KR" sz="1600" kern="1200" dirty="0">
+                          <a:solidFill>
+                            <a:schemeClr val="dk1"/>
+                          </a:solidFill>
+                          <a:effectLst/>
+                          <a:latin typeface="+mn-lt"/>
+                          <a:ea typeface="+mn-ea"/>
+                          <a:cs typeface="+mn-cs"/>
+                        </a:rPr>
+                        <a:t>Android APP</a:t>
+                      </a:r>
+                    </a:p>
+                    <a:p>
+                      <a:pPr fontAlgn="ctr" latinLnBrk="0"/>
+                      <a:r>
+                        <a:rPr lang="en-US" altLang="ko-KR" sz="1600" kern="1200" dirty="0">
+                          <a:solidFill>
+                            <a:schemeClr val="dk1"/>
+                          </a:solidFill>
+                          <a:effectLst/>
+                          <a:latin typeface="+mn-lt"/>
+                          <a:ea typeface="+mn-ea"/>
+                          <a:cs typeface="+mn-cs"/>
+                        </a:rPr>
+                        <a:t>AWS Lambda</a:t>
+                      </a:r>
+                    </a:p>
+                    <a:p>
+                      <a:pPr fontAlgn="ctr" latinLnBrk="0"/>
+                      <a:r>
+                        <a:rPr lang="en-US" altLang="ko-KR" sz="1600" kern="1200" dirty="0">
+                          <a:solidFill>
+                            <a:schemeClr val="dk1"/>
+                          </a:solidFill>
+                          <a:effectLst/>
+                          <a:latin typeface="+mn-lt"/>
+                          <a:ea typeface="+mn-ea"/>
+                          <a:cs typeface="+mn-cs"/>
+                        </a:rPr>
+                        <a:t>AWS API Gateway</a:t>
+                      </a:r>
+                    </a:p>
+                    <a:p>
+                      <a:pPr fontAlgn="ctr" latinLnBrk="0"/>
+                      <a:r>
+                        <a:rPr lang="en-US" altLang="ko-KR" sz="1600" kern="1200" dirty="0">
+                          <a:solidFill>
+                            <a:schemeClr val="dk1"/>
+                          </a:solidFill>
+                          <a:effectLst/>
+                          <a:latin typeface="+mn-lt"/>
+                          <a:ea typeface="+mn-ea"/>
+                          <a:cs typeface="+mn-cs"/>
+                        </a:rPr>
+                        <a:t>AWS DynamoDB</a:t>
+                      </a:r>
+                    </a:p>
+                  </a:txBody>
+                  <a:tcPr anchor="ctr" anchorCtr="1"/>
+                </a:tc>
+                <a:extLst>
+                  <a:ext uri="{0D108BD9-81ED-4DB2-BD59-A6C34878D82A}">
+                    <a16:rowId xmlns:a16="http://schemas.microsoft.com/office/drawing/2014/main" val="3791320640"/>
+                  </a:ext>
+                </a:extLst>
+              </a:tr>
+            </a:tbl>
+          </a:graphicData>
+        </a:graphic>
+      </p:graphicFrame>
+    </p:spTree>
+    <p:extLst>
+      <p:ext uri="{BB962C8B-B14F-4D97-AF65-F5344CB8AC3E}">
+        <p14:creationId xmlns:p14="http://schemas.microsoft.com/office/powerpoint/2010/main" val="3854097086"/>
+      </p:ext>
+    </p:extLst>
+  </p:cSld>
+  <p:clrMapOvr>
+    <a:masterClrMapping/>
+  </p:clrMapOvr>
+</p:sld>
+</file>
+
+<file path=ppt/slides/slide11.xml><?xml version="1.0" encoding="utf-8"?>
+<p:sld xmlns:a="http://schemas.openxmlformats.org/drawingml/2006/main" xmlns:r="http://schemas.openxmlformats.org/officeDocument/2006/relationships" xmlns:p="http://schemas.openxmlformats.org/presentationml/2006/main">
+  <p:cSld>
+    <p:spTree>
+      <p:nvGrpSpPr>
+        <p:cNvPr id="1" name=""/>
+        <p:cNvGrpSpPr/>
+        <p:nvPr/>
+      </p:nvGrpSpPr>
+      <p:grpSpPr>
+        <a:xfrm>
+          <a:off x="0" y="0"/>
+          <a:ext cx="0" cy="0"/>
+          <a:chOff x="0" y="0"/>
+          <a:chExt cx="0" cy="0"/>
+        </a:xfrm>
+      </p:grpSpPr>
+      <p:sp>
+        <p:nvSpPr>
+          <p:cNvPr id="2" name="텍스트 개체 틀 1">
+            <a:extLst>
+              <a:ext uri="{FF2B5EF4-FFF2-40B4-BE49-F238E27FC236}">
                 <a16:creationId xmlns:a16="http://schemas.microsoft.com/office/drawing/2014/main" id="{E045F529-ED27-4C61-9AC7-F61264904570}"/>
               </a:ext>
             </a:extLst>
@@ -2700,7 +4126,7 @@
 </p:sld>
 </file>
 
-<file path=ppt/slides/slide11.xml><?xml version="1.0" encoding="utf-8"?>
+<file path=ppt/slides/slide12.xml><?xml version="1.0" encoding="utf-8"?>
 <p:sld xmlns:a="http://schemas.openxmlformats.org/drawingml/2006/main" xmlns:r="http://schemas.openxmlformats.org/officeDocument/2006/relationships" xmlns:p="http://schemas.openxmlformats.org/presentationml/2006/main">
   <p:cSld>
     <p:spTree>
@@ -2891,7 +4317,7 @@
 </p:sld>
 </file>
 
-<file path=ppt/slides/slide12.xml><?xml version="1.0" encoding="utf-8"?>
+<file path=ppt/slides/slide13.xml><?xml version="1.0" encoding="utf-8"?>
 <p:sld xmlns:a="http://schemas.openxmlformats.org/drawingml/2006/main" xmlns:r="http://schemas.openxmlformats.org/officeDocument/2006/relationships" xmlns:p="http://schemas.openxmlformats.org/presentationml/2006/main">
   <p:cSld>
     <p:spTree>
@@ -3193,7 +4619,7 @@
 </p:sld>
 </file>
 
-<file path=ppt/slides/slide13.xml><?xml version="1.0" encoding="utf-8"?>
+<file path=ppt/slides/slide14.xml><?xml version="1.0" encoding="utf-8"?>
 <p:sld xmlns:a="http://schemas.openxmlformats.org/drawingml/2006/main" xmlns:r="http://schemas.openxmlformats.org/officeDocument/2006/relationships" xmlns:p="http://schemas.openxmlformats.org/presentationml/2006/main">
   <p:cSld>
     <p:spTree>
@@ -3461,7 +4887,7 @@
 </p:sld>
 </file>
 
-<file path=ppt/slides/slide14.xml><?xml version="1.0" encoding="utf-8"?>
+<file path=ppt/slides/slide15.xml><?xml version="1.0" encoding="utf-8"?>
 <p:sld xmlns:a="http://schemas.openxmlformats.org/drawingml/2006/main" xmlns:r="http://schemas.openxmlformats.org/officeDocument/2006/relationships" xmlns:p="http://schemas.openxmlformats.org/presentationml/2006/main">
   <p:cSld>
     <p:spTree>
@@ -6399,7 +7825,7 @@
 </p:sld>
 </file>
 
-<file path=ppt/slides/slide15.xml><?xml version="1.0" encoding="utf-8"?>
+<file path=ppt/slides/slide16.xml><?xml version="1.0" encoding="utf-8"?>
 <p:sld xmlns:a="http://schemas.openxmlformats.org/drawingml/2006/main" xmlns:r="http://schemas.openxmlformats.org/officeDocument/2006/relationships" xmlns:p="http://schemas.openxmlformats.org/presentationml/2006/main">
   <p:cSld>
     <p:spTree>
@@ -9485,6 +10911,42 @@
           </a:p>
         </p:txBody>
       </p:sp>
+      <p:pic>
+        <p:nvPicPr>
+          <p:cNvPr id="27" name="그림 26">
+            <a:extLst>
+              <a:ext uri="{FF2B5EF4-FFF2-40B4-BE49-F238E27FC236}">
+                <a16:creationId xmlns:a16="http://schemas.microsoft.com/office/drawing/2014/main" id="{FE5867D0-EF74-486E-8AFD-4B13EAD171B4}"/>
+              </a:ext>
+            </a:extLst>
+          </p:cNvPr>
+          <p:cNvPicPr>
+            <a:picLocks noChangeAspect="1"/>
+          </p:cNvPicPr>
+          <p:nvPr/>
+        </p:nvPicPr>
+        <p:blipFill>
+          <a:blip r:embed="rId2">
+            <a:extLst>
+              <a:ext uri="{28A0092B-C50C-407E-A947-70E740481C1C}">
+                <a14:useLocalDpi xmlns:a14="http://schemas.microsoft.com/office/drawing/2010/main" val="0"/>
+              </a:ext>
+            </a:extLst>
+          </a:blip>
+          <a:stretch>
+            <a:fillRect/>
+          </a:stretch>
+        </p:blipFill>
+        <p:spPr>
+          <a:xfrm>
+            <a:off x="3921985" y="3554898"/>
+            <a:ext cx="6120680" cy="3705673"/>
+          </a:xfrm>
+          <a:prstGeom prst="rect">
+            <a:avLst/>
+          </a:prstGeom>
+        </p:spPr>
+      </p:pic>
     </p:spTree>
     <p:extLst>
       <p:ext uri="{BB962C8B-B14F-4D97-AF65-F5344CB8AC3E}">
@@ -10871,14 +12333,14 @@
           <p:nvPr>
             <p:extLst>
               <p:ext uri="{D42A27DB-BD31-4B8C-83A1-F6EECF244321}">
-                <p14:modId xmlns:p14="http://schemas.microsoft.com/office/powerpoint/2010/main" val="3451081652"/>
+                <p14:modId xmlns:p14="http://schemas.microsoft.com/office/powerpoint/2010/main" val="683462698"/>
               </p:ext>
             </p:extLst>
           </p:nvPr>
         </p:nvGraphicFramePr>
         <p:xfrm>
-          <a:off x="672306" y="1800571"/>
-          <a:ext cx="9537087" cy="5400599"/>
+          <a:off x="483171" y="2160612"/>
+          <a:ext cx="9537087" cy="4702143"/>
         </p:xfrm>
         <a:graphic>
           <a:graphicData uri="http://schemas.openxmlformats.org/drawingml/2006/table">
@@ -10887,14 +12349,14 @@
                 <a:tableStyleId>{5C22544A-7EE6-4342-B048-85BDC9FD1C3A}</a:tableStyleId>
               </a:tblPr>
               <a:tblGrid>
-                <a:gridCol w="2340818">
+                <a:gridCol w="3456385">
                   <a:extLst>
                     <a:ext uri="{9D8B030D-6E8A-4147-A177-3AD203B41FA5}">
                       <a16:colId xmlns:a16="http://schemas.microsoft.com/office/drawing/2014/main" val="1694624849"/>
                     </a:ext>
                   </a:extLst>
                 </a:gridCol>
-                <a:gridCol w="7196269">
+                <a:gridCol w="6080702">
                   <a:extLst>
                     <a:ext uri="{9D8B030D-6E8A-4147-A177-3AD203B41FA5}">
                       <a16:colId xmlns:a16="http://schemas.microsoft.com/office/drawing/2014/main" val="2599710695"/>
@@ -10942,14 +12404,21 @@
                   </a:ext>
                 </a:extLst>
               </a:tr>
-              <a:tr h="813343">
+              <a:tr h="1626686">
                 <a:tc>
                   <a:txBody>
                     <a:bodyPr/>
                     <a:lstStyle/>
                     <a:p>
                       <a:pPr latinLnBrk="1"/>
-                      <a:endParaRPr lang="ko-KR" altLang="en-US" dirty="0"/>
+                      <a:r>
+                        <a:rPr lang="en-US" altLang="ko-KR" dirty="0"/>
+                        <a:t>OpenCV</a:t>
+                      </a:r>
+                      <a:r>
+                        <a:rPr lang="ko-KR" altLang="en-US" dirty="0"/>
+                        <a:t>를 이용한 영상에서의 특정 영역 검출</a:t>
+                      </a:r>
                     </a:p>
                   </a:txBody>
                   <a:tcPr anchor="ctr" anchorCtr="1"/>
@@ -10960,7 +12429,49 @@
                     <a:lstStyle/>
                     <a:p>
                       <a:pPr latinLnBrk="1"/>
-                      <a:endParaRPr lang="ko-KR" altLang="en-US"/>
+                      <a:endParaRPr lang="en-US" altLang="ko-KR" dirty="0"/>
+                    </a:p>
+                    <a:p>
+                      <a:pPr latinLnBrk="1"/>
+                      <a:r>
+                        <a:rPr lang="ko-KR" altLang="en-US" dirty="0"/>
+                        <a:t> 특정 목적을 위하여 목표치의 색깔과 비슷한 색깔의 영역을 찾기 위해서는 사람의 눈을 이용한 수동적인 조사가 아닌 픽셀기반의 영상처리의 발전을 꾀함</a:t>
+                      </a:r>
+                      <a:r>
+                        <a:rPr lang="en-US" altLang="ko-KR" dirty="0"/>
+                        <a:t>.</a:t>
+                      </a:r>
+                    </a:p>
+                    <a:p>
+                      <a:pPr latinLnBrk="1"/>
+                      <a:r>
+                        <a:rPr lang="ko-KR" altLang="en-US" dirty="0"/>
+                        <a:t>영상내에서</a:t>
+                      </a:r>
+                      <a:r>
+                        <a:rPr lang="en-US" altLang="ko-KR" dirty="0"/>
+                        <a:t>, </a:t>
+                      </a:r>
+                      <a:r>
+                        <a:rPr lang="ko-KR" altLang="en-US" dirty="0"/>
+                        <a:t>특정적인 색을 검출하여</a:t>
+                      </a:r>
+                      <a:r>
+                        <a:rPr lang="en-US" altLang="ko-KR" dirty="0"/>
+                        <a:t> </a:t>
+                      </a:r>
+                      <a:r>
+                        <a:rPr lang="ko-KR" altLang="en-US" dirty="0"/>
+                        <a:t>그것의 평균적인 분포를 구하고 이를 검출해 낸다</a:t>
+                      </a:r>
+                      <a:r>
+                        <a:rPr lang="en-US" altLang="ko-KR" dirty="0"/>
+                        <a:t>.</a:t>
+                      </a:r>
+                    </a:p>
+                    <a:p>
+                      <a:pPr latinLnBrk="1"/>
+                      <a:endParaRPr lang="ko-KR" altLang="en-US" dirty="0"/>
                     </a:p>
                   </a:txBody>
                   <a:tcPr anchor="ctr" anchorCtr="1"/>
@@ -10971,14 +12482,36 @@
                   </a:ext>
                 </a:extLst>
               </a:tr>
-              <a:tr h="813343">
+              <a:tr h="1626686">
                 <a:tc>
                   <a:txBody>
                     <a:bodyPr/>
                     <a:lstStyle/>
                     <a:p>
                       <a:pPr latinLnBrk="1"/>
-                      <a:endParaRPr lang="ko-KR" altLang="en-US" dirty="0"/>
+                      <a:r>
+                        <a:rPr lang="ko-KR" altLang="en-US" dirty="0"/>
+                        <a:t>라즈베리 파이를 이용한 </a:t>
+                      </a:r>
+                      <a:r>
+                        <a:rPr lang="en-US" altLang="ko-KR" dirty="0"/>
+                        <a:t>OpenCV </a:t>
+                      </a:r>
+                      <a:r>
+                        <a:rPr lang="ko-KR" altLang="en-US" dirty="0"/>
+                        <a:t>기반</a:t>
+                      </a:r>
+                    </a:p>
+                    <a:p>
+                      <a:pPr latinLnBrk="1"/>
+                      <a:r>
+                        <a:rPr lang="en-US" altLang="ko-KR" dirty="0"/>
+                        <a:t>CMT </a:t>
+                      </a:r>
+                      <a:r>
+                        <a:rPr lang="ko-KR" altLang="en-US" dirty="0"/>
+                        <a:t>알고리즘의 객체 추적 기법</a:t>
+                      </a:r>
                     </a:p>
                   </a:txBody>
                   <a:tcPr anchor="ctr" anchorCtr="1"/>
@@ -10989,91 +12522,39 @@
                     <a:lstStyle/>
                     <a:p>
                       <a:pPr latinLnBrk="1"/>
-                      <a:endParaRPr lang="ko-KR" altLang="en-US"/>
+                      <a:endParaRPr lang="en-US" altLang="ko-KR" dirty="0"/>
                     </a:p>
-                  </a:txBody>
-                  <a:tcPr anchor="ctr" anchorCtr="1"/>
-                </a:tc>
-                <a:extLst>
-                  <a:ext uri="{0D108BD9-81ED-4DB2-BD59-A6C34878D82A}">
-                    <a16:rowId xmlns:a16="http://schemas.microsoft.com/office/drawing/2014/main" val="419528729"/>
-                  </a:ext>
-                </a:extLst>
-              </a:tr>
-              <a:tr h="813343">
-                <a:tc>
-                  <a:txBody>
-                    <a:bodyPr/>
-                    <a:lstStyle/>
                     <a:p>
                       <a:pPr latinLnBrk="1"/>
-                      <a:endParaRPr lang="ko-KR" altLang="en-US"/>
+                      <a:r>
+                        <a:rPr lang="ko-KR" altLang="en-US" dirty="0"/>
+                        <a:t> 이러한 기술의 발전에 따라 사람의 수작업을 통해서만 영상을 조절하던 과정 또한 객체 추적 기술을</a:t>
+                      </a:r>
                     </a:p>
-                  </a:txBody>
-                  <a:tcPr anchor="ctr" anchorCtr="1"/>
-                </a:tc>
-                <a:tc>
-                  <a:txBody>
-                    <a:bodyPr/>
-                    <a:lstStyle/>
                     <a:p>
                       <a:pPr latinLnBrk="1"/>
-                      <a:endParaRPr lang="ko-KR" altLang="en-US"/>
+                      <a:r>
+                        <a:rPr lang="ko-KR" altLang="en-US" dirty="0"/>
+                        <a:t>활용함에 따라 자동화 과정을 발전</a:t>
+                      </a:r>
+                      <a:endParaRPr lang="en-US" altLang="ko-KR" dirty="0"/>
                     </a:p>
-                  </a:txBody>
-                  <a:tcPr anchor="ctr" anchorCtr="1"/>
-                </a:tc>
-                <a:extLst>
-                  <a:ext uri="{0D108BD9-81ED-4DB2-BD59-A6C34878D82A}">
-                    <a16:rowId xmlns:a16="http://schemas.microsoft.com/office/drawing/2014/main" val="2497558073"/>
-                  </a:ext>
-                </a:extLst>
-              </a:tr>
-              <a:tr h="813343">
-                <a:tc>
-                  <a:txBody>
-                    <a:bodyPr/>
-                    <a:lstStyle/>
                     <a:p>
                       <a:pPr latinLnBrk="1"/>
-                      <a:endParaRPr lang="ko-KR" altLang="en-US"/>
+                      <a:r>
+                        <a:rPr lang="ko-KR" altLang="en-US" dirty="0"/>
+                        <a:t> 객체 추적 기술로 알려진 </a:t>
+                      </a:r>
+                      <a:r>
+                        <a:rPr lang="en-US" altLang="ko-KR" dirty="0"/>
+                        <a:t>CMT </a:t>
+                      </a:r>
+                      <a:r>
+                        <a:rPr lang="ko-KR" altLang="en-US" dirty="0"/>
+                        <a:t>알고리즘을 기반으로 객체를 추적하고 자동으로 영상장비를 제어</a:t>
+                      </a:r>
+                      <a:endParaRPr lang="en-US" altLang="ko-KR" dirty="0"/>
                     </a:p>
-                  </a:txBody>
-                  <a:tcPr anchor="ctr" anchorCtr="1"/>
-                </a:tc>
-                <a:tc>
-                  <a:txBody>
-                    <a:bodyPr/>
-                    <a:lstStyle/>
-                    <a:p>
-                      <a:pPr latinLnBrk="1"/>
-                      <a:endParaRPr lang="ko-KR" altLang="en-US"/>
-                    </a:p>
-                  </a:txBody>
-                  <a:tcPr anchor="ctr" anchorCtr="1"/>
-                </a:tc>
-                <a:extLst>
-                  <a:ext uri="{0D108BD9-81ED-4DB2-BD59-A6C34878D82A}">
-                    <a16:rowId xmlns:a16="http://schemas.microsoft.com/office/drawing/2014/main" val="3923716155"/>
-                  </a:ext>
-                </a:extLst>
-              </a:tr>
-              <a:tr h="813343">
-                <a:tc>
-                  <a:txBody>
-                    <a:bodyPr/>
-                    <a:lstStyle/>
-                    <a:p>
-                      <a:pPr latinLnBrk="1"/>
-                      <a:endParaRPr lang="ko-KR" altLang="en-US"/>
-                    </a:p>
-                  </a:txBody>
-                  <a:tcPr anchor="ctr" anchorCtr="1"/>
-                </a:tc>
-                <a:tc>
-                  <a:txBody>
-                    <a:bodyPr/>
-                    <a:lstStyle/>
                     <a:p>
                       <a:pPr latinLnBrk="1"/>
                       <a:endParaRPr lang="ko-KR" altLang="en-US" dirty="0"/>
@@ -11083,36 +12564,7 @@
                 </a:tc>
                 <a:extLst>
                   <a:ext uri="{0D108BD9-81ED-4DB2-BD59-A6C34878D82A}">
-                    <a16:rowId xmlns:a16="http://schemas.microsoft.com/office/drawing/2014/main" val="2921320683"/>
-                  </a:ext>
-                </a:extLst>
-              </a:tr>
-              <a:tr h="813343">
-                <a:tc>
-                  <a:txBody>
-                    <a:bodyPr/>
-                    <a:lstStyle/>
-                    <a:p>
-                      <a:pPr latinLnBrk="1"/>
-                      <a:endParaRPr lang="ko-KR" altLang="en-US"/>
-                    </a:p>
-                  </a:txBody>
-                  <a:tcPr anchor="ctr" anchorCtr="1"/>
-                </a:tc>
-                <a:tc>
-                  <a:txBody>
-                    <a:bodyPr/>
-                    <a:lstStyle/>
-                    <a:p>
-                      <a:pPr latinLnBrk="1"/>
-                      <a:endParaRPr lang="ko-KR" altLang="en-US" dirty="0"/>
-                    </a:p>
-                  </a:txBody>
-                  <a:tcPr anchor="ctr" anchorCtr="1"/>
-                </a:tc>
-                <a:extLst>
-                  <a:ext uri="{0D108BD9-81ED-4DB2-BD59-A6C34878D82A}">
-                    <a16:rowId xmlns:a16="http://schemas.microsoft.com/office/drawing/2014/main" val="1372563520"/>
+                    <a16:rowId xmlns:a16="http://schemas.microsoft.com/office/drawing/2014/main" val="2497558073"/>
                   </a:ext>
                 </a:extLst>
               </a:tr>
@@ -11155,7 +12607,7 @@
           <p:cNvPr id="2" name="텍스트 개체 틀 1">
             <a:extLst>
               <a:ext uri="{FF2B5EF4-FFF2-40B4-BE49-F238E27FC236}">
-                <a16:creationId xmlns:a16="http://schemas.microsoft.com/office/drawing/2014/main" id="{11CE8BD6-EDE0-4ABA-ABF0-7DAD957F7539}"/>
+                <a16:creationId xmlns:a16="http://schemas.microsoft.com/office/drawing/2014/main" id="{C38E4BDE-43C8-46BB-958B-54EB0DE6EAB9}"/>
               </a:ext>
             </a:extLst>
           </p:cNvPr>
@@ -11173,17 +12625,119 @@
           <a:p>
             <a:r>
               <a:rPr lang="ko-KR" altLang="en-US" dirty="0"/>
-              <a:t>참여 연구원 현황</a:t>
+              <a:t>기존 연구 </a:t>
+            </a:r>
+            <a:r>
+              <a:rPr lang="en-US" altLang="ko-KR" dirty="0"/>
+              <a:t>Survey </a:t>
+            </a:r>
+            <a:r>
+              <a:rPr lang="ko-KR" altLang="en-US" dirty="0"/>
+              <a:t>정리</a:t>
+            </a:r>
+          </a:p>
+        </p:txBody>
+      </p:sp>
+      <p:sp>
+        <p:nvSpPr>
+          <p:cNvPr id="3" name="내용 개체 틀 2">
+            <a:extLst>
+              <a:ext uri="{FF2B5EF4-FFF2-40B4-BE49-F238E27FC236}">
+                <a16:creationId xmlns:a16="http://schemas.microsoft.com/office/drawing/2014/main" id="{FD6293BC-05D8-4B5D-BDAB-2525850ADE99}"/>
+              </a:ext>
+            </a:extLst>
+          </p:cNvPr>
+          <p:cNvSpPr>
+            <a:spLocks noGrp="1"/>
+          </p:cNvSpPr>
+          <p:nvPr>
+            <p:ph sz="quarter" idx="11"/>
+          </p:nvPr>
+        </p:nvSpPr>
+        <p:spPr/>
+        <p:txBody>
+          <a:bodyPr/>
+          <a:lstStyle/>
+          <a:p>
+            <a:r>
+              <a:rPr lang="ko-KR" altLang="en-US" dirty="0">
+                <a:solidFill>
+                  <a:schemeClr val="bg1">
+                    <a:lumMod val="50000"/>
+                  </a:schemeClr>
+                </a:solidFill>
+              </a:rPr>
+              <a:t>현 시간까지</a:t>
+            </a:r>
+            <a:r>
+              <a:rPr lang="en-US" altLang="ko-KR" dirty="0">
+                <a:solidFill>
+                  <a:schemeClr val="bg1">
+                    <a:lumMod val="50000"/>
+                  </a:schemeClr>
+                </a:solidFill>
+              </a:rPr>
+              <a:t>, </a:t>
+            </a:r>
+            <a:r>
+              <a:rPr lang="ko-KR" altLang="en-US" dirty="0">
+                <a:solidFill>
+                  <a:schemeClr val="bg1">
+                    <a:lumMod val="50000"/>
+                  </a:schemeClr>
+                </a:solidFill>
+              </a:rPr>
+              <a:t>본 팀에서 진행하고 있는 공학설계 주제와 유사한 기존 연구 </a:t>
+            </a:r>
+            <a:r>
+              <a:rPr lang="en-US" altLang="ko-KR" dirty="0">
+                <a:solidFill>
+                  <a:schemeClr val="bg1">
+                    <a:lumMod val="50000"/>
+                  </a:schemeClr>
+                </a:solidFill>
+              </a:rPr>
+              <a:t>(</a:t>
+            </a:r>
+            <a:r>
+              <a:rPr lang="ko-KR" altLang="en-US" dirty="0">
+                <a:solidFill>
+                  <a:schemeClr val="bg1">
+                    <a:lumMod val="50000"/>
+                  </a:schemeClr>
+                </a:solidFill>
+              </a:rPr>
+              <a:t>국내외 논문 위주</a:t>
+            </a:r>
+            <a:r>
+              <a:rPr lang="en-US" altLang="ko-KR" dirty="0">
+                <a:solidFill>
+                  <a:schemeClr val="bg1">
+                    <a:lumMod val="50000"/>
+                  </a:schemeClr>
+                </a:solidFill>
+              </a:rPr>
+              <a:t>) survey</a:t>
+            </a:r>
+            <a:r>
+              <a:rPr lang="ko-KR" altLang="en-US" dirty="0">
+                <a:solidFill>
+                  <a:schemeClr val="bg1">
+                    <a:lumMod val="50000"/>
+                  </a:schemeClr>
+                </a:solidFill>
+              </a:rPr>
+              <a:t>한 것과 기존 연구의 핵심 아이디어 정리</a:t>
             </a:r>
           </a:p>
         </p:txBody>
       </p:sp>
       <p:graphicFrame>
         <p:nvGraphicFramePr>
-          <p:cNvPr id="4" name="내용 개체 틀 3">
+          <p:cNvPr id="4" name="표 3">
             <a:extLst>
               <a:ext uri="{FF2B5EF4-FFF2-40B4-BE49-F238E27FC236}">
-                <a16:creationId xmlns:a16="http://schemas.microsoft.com/office/drawing/2014/main" id="{4E27D944-DACF-469B-98A6-51A8296529EE}"/>
+                <a16:creationId xmlns:a16="http://schemas.microsoft.com/office/drawing/2014/main" id="{27261928-ADEE-4F68-AB4C-1D8AAB3B19C8}"/>
               </a:ext>
             </a:extLst>
           </p:cNvPr>
@@ -11191,55 +12745,40 @@
             <a:graphicFrameLocks noGrp="1"/>
           </p:cNvGraphicFramePr>
           <p:nvPr>
-            <p:ph sz="quarter" idx="11"/>
             <p:extLst>
               <p:ext uri="{D42A27DB-BD31-4B8C-83A1-F6EECF244321}">
-                <p14:modId xmlns:p14="http://schemas.microsoft.com/office/powerpoint/2010/main" val="3844213092"/>
+                <p14:modId xmlns:p14="http://schemas.microsoft.com/office/powerpoint/2010/main" val="1732772998"/>
               </p:ext>
             </p:extLst>
           </p:nvPr>
         </p:nvGraphicFramePr>
         <p:xfrm>
-          <a:off x="352393" y="1224508"/>
-          <a:ext cx="9915524" cy="5779488"/>
+          <a:off x="483171" y="2160612"/>
+          <a:ext cx="9537087" cy="4416520"/>
         </p:xfrm>
         <a:graphic>
           <a:graphicData uri="http://schemas.openxmlformats.org/drawingml/2006/table">
             <a:tbl>
               <a:tblPr firstRow="1" bandRow="1">
-                <a:tableStyleId>{F5AB1C69-6EDB-4FF4-983F-18BD219EF322}</a:tableStyleId>
+                <a:tableStyleId>{5C22544A-7EE6-4342-B048-85BDC9FD1C3A}</a:tableStyleId>
               </a:tblPr>
               <a:tblGrid>
-                <a:gridCol w="1098699">
+                <a:gridCol w="3501504">
                   <a:extLst>
                     <a:ext uri="{9D8B030D-6E8A-4147-A177-3AD203B41FA5}">
-                      <a16:colId xmlns:a16="http://schemas.microsoft.com/office/drawing/2014/main" val="1237429253"/>
+                      <a16:colId xmlns:a16="http://schemas.microsoft.com/office/drawing/2014/main" val="1694624849"/>
                     </a:ext>
                   </a:extLst>
                 </a:gridCol>
-                <a:gridCol w="1008112">
+                <a:gridCol w="6035583">
                   <a:extLst>
                     <a:ext uri="{9D8B030D-6E8A-4147-A177-3AD203B41FA5}">
-                      <a16:colId xmlns:a16="http://schemas.microsoft.com/office/drawing/2014/main" val="3675682374"/>
-                    </a:ext>
-                  </a:extLst>
-                </a:gridCol>
-                <a:gridCol w="5329832">
-                  <a:extLst>
-                    <a:ext uri="{9D8B030D-6E8A-4147-A177-3AD203B41FA5}">
-                      <a16:colId xmlns:a16="http://schemas.microsoft.com/office/drawing/2014/main" val="4244428648"/>
-                    </a:ext>
-                  </a:extLst>
-                </a:gridCol>
-                <a:gridCol w="2478881">
-                  <a:extLst>
-                    <a:ext uri="{9D8B030D-6E8A-4147-A177-3AD203B41FA5}">
-                      <a16:colId xmlns:a16="http://schemas.microsoft.com/office/drawing/2014/main" val="1670188489"/>
+                      <a16:colId xmlns:a16="http://schemas.microsoft.com/office/drawing/2014/main" val="2599710695"/>
                     </a:ext>
                   </a:extLst>
                 </a:gridCol>
               </a:tblGrid>
-              <a:tr h="719808">
+              <a:tr h="520541">
                 <a:tc>
                   <a:txBody>
                     <a:bodyPr/>
@@ -11248,8 +12787,13 @@
                       <a:pPr algn="ctr" latinLnBrk="1"/>
                       <a:r>
                         <a:rPr lang="ko-KR" altLang="en-US" dirty="0"/>
-                        <a:t>성명</a:t>
-                      </a:r>
+                        <a:t>기존 </a:t>
+                      </a:r>
+                      <a:r>
+                        <a:rPr lang="ko-KR" altLang="en-US" dirty="0" err="1"/>
+                        <a:t>연구명</a:t>
+                      </a:r>
+                      <a:endParaRPr lang="ko-KR" altLang="en-US" dirty="0"/>
                     </a:p>
                   </a:txBody>
                   <a:tcPr anchor="ctr" anchorCtr="1"/>
@@ -11262,9 +12806,48 @@
                       <a:pPr algn="ctr" latinLnBrk="1"/>
                       <a:r>
                         <a:rPr lang="ko-KR" altLang="en-US" dirty="0"/>
-                        <a:t>구성원</a:t>
-                      </a:r>
-                      <a:endParaRPr lang="en-US" altLang="ko-KR" dirty="0"/>
+                        <a:t>핵심 아이디어</a:t>
+                      </a:r>
+                    </a:p>
+                  </a:txBody>
+                  <a:tcPr anchor="ctr" anchorCtr="1"/>
+                </a:tc>
+                <a:extLst>
+                  <a:ext uri="{0D108BD9-81ED-4DB2-BD59-A6C34878D82A}">
+                    <a16:rowId xmlns:a16="http://schemas.microsoft.com/office/drawing/2014/main" val="2427751579"/>
+                  </a:ext>
+                </a:extLst>
+              </a:tr>
+              <a:tr h="1626686">
+                <a:tc>
+                  <a:txBody>
+                    <a:bodyPr/>
+                    <a:lstStyle/>
+                    <a:p>
+                      <a:pPr latinLnBrk="1"/>
+                      <a:r>
+                        <a:rPr lang="en-US" altLang="ko-KR" dirty="0"/>
+                        <a:t>YOLO v3</a:t>
+                      </a:r>
+                      <a:r>
+                        <a:rPr lang="ko-KR" altLang="en-US" dirty="0"/>
+                        <a:t>와 </a:t>
+                      </a:r>
+                      <a:r>
+                        <a:rPr lang="en-US" altLang="ko-KR" dirty="0"/>
+                        <a:t>CNN</a:t>
+                      </a:r>
+                      <a:r>
+                        <a:rPr lang="ko-KR" altLang="en-US" dirty="0"/>
+                        <a:t>을 사용한</a:t>
+                      </a:r>
+                    </a:p>
+                    <a:p>
+                      <a:pPr latinLnBrk="1"/>
+                      <a:r>
+                        <a:rPr lang="ko-KR" altLang="en-US" dirty="0"/>
+                        <a:t>계량기 숫자 검출 및 인식 방법</a:t>
+                      </a:r>
                     </a:p>
                   </a:txBody>
                   <a:tcPr anchor="ctr" anchorCtr="1"/>
@@ -11274,82 +12857,80 @@
                     <a:bodyPr/>
                     <a:lstStyle/>
                     <a:p>
-                      <a:pPr algn="ctr" latinLnBrk="1"/>
-                      <a:r>
-                        <a:rPr lang="ko-KR" altLang="en-US" dirty="0"/>
-                        <a:t>담당 역할</a:t>
-                      </a:r>
+                      <a:pPr latinLnBrk="1"/>
                       <a:endParaRPr lang="en-US" altLang="ko-KR" dirty="0"/>
                     </a:p>
                     <a:p>
-                      <a:pPr algn="ctr" latinLnBrk="1"/>
+                      <a:pPr latinLnBrk="1"/>
+                      <a:r>
+                        <a:rPr lang="ko-KR" altLang="en-US" dirty="0"/>
+                        <a:t> 네트워크를 간소화한 </a:t>
+                      </a:r>
                       <a:r>
                         <a:rPr lang="en-US" altLang="ko-KR" dirty="0"/>
-                        <a:t>(</a:t>
+                        <a:t>Fast YOLO </a:t>
                       </a:r>
                       <a:r>
                         <a:rPr lang="ko-KR" altLang="en-US" dirty="0"/>
-                        <a:t>구체적으로 기술</a:t>
+                        <a:t>구조와 </a:t>
                       </a:r>
                       <a:r>
                         <a:rPr lang="en-US" altLang="ko-KR" dirty="0"/>
-                        <a:t>)</a:t>
-                      </a:r>
+                        <a:t>CR-Net, </a:t>
+                      </a:r>
+                      <a:r>
+                        <a:rPr lang="ko-KR" altLang="en-US" dirty="0"/>
+                        <a:t>다중 작업 학습 </a:t>
+                      </a:r>
+                      <a:r>
+                        <a:rPr lang="en-US" altLang="ko-KR" dirty="0"/>
+                        <a:t>(multitask learning), CRNN(Convolutional Recurrent Neural Network)</a:t>
+                      </a:r>
+                      <a:r>
+                        <a:rPr lang="ko-KR" altLang="en-US" dirty="0"/>
+                        <a:t>을 사용하여 저자들이 제안하는 계량기 데이터 측정 아이디어</a:t>
+                      </a:r>
+                      <a:endParaRPr lang="en-US" altLang="ko-KR" dirty="0"/>
+                    </a:p>
+                    <a:p>
+                      <a:pPr latinLnBrk="1"/>
                       <a:endParaRPr lang="ko-KR" altLang="en-US" dirty="0"/>
                     </a:p>
                   </a:txBody>
-                  <a:tcPr/>
+                  <a:tcPr anchor="ctr" anchorCtr="1"/>
                 </a:tc>
+                <a:extLst>
+                  <a:ext uri="{0D108BD9-81ED-4DB2-BD59-A6C34878D82A}">
+                    <a16:rowId xmlns:a16="http://schemas.microsoft.com/office/drawing/2014/main" val="790642607"/>
+                  </a:ext>
+                </a:extLst>
+              </a:tr>
+              <a:tr h="1626686">
                 <a:tc>
                   <a:txBody>
                     <a:bodyPr/>
                     <a:lstStyle/>
                     <a:p>
-                      <a:pPr algn="ctr" latinLnBrk="1"/>
+                      <a:pPr latinLnBrk="1"/>
                       <a:r>
                         <a:rPr lang="ko-KR" altLang="en-US" dirty="0"/>
-                        <a:t>구성원 별</a:t>
-                      </a:r>
-                      <a:endParaRPr lang="en-US" altLang="ko-KR" dirty="0"/>
-                    </a:p>
-                    <a:p>
-                      <a:pPr algn="ctr" latinLnBrk="1"/>
+                        <a:t>다중 카메라 환경에서의 </a:t>
+                      </a:r>
                       <a:r>
                         <a:rPr lang="en-US" altLang="ko-KR" dirty="0"/>
-                        <a:t>(</a:t>
+                        <a:t>CNN </a:t>
                       </a:r>
                       <a:r>
                         <a:rPr lang="ko-KR" altLang="en-US" dirty="0"/>
-                        <a:t>예상</a:t>
+                        <a:t>기반 물체 검출 알고리즘의 속도 향상을 위한 </a:t>
                       </a:r>
                       <a:r>
                         <a:rPr lang="en-US" altLang="ko-KR" dirty="0"/>
-                        <a:t>) </a:t>
+                        <a:t>ROI </a:t>
                       </a:r>
                       <a:r>
                         <a:rPr lang="ko-KR" altLang="en-US" dirty="0"/>
-                        <a:t>성과물</a:t>
-                      </a:r>
-                    </a:p>
-                  </a:txBody>
-                  <a:tcPr/>
-                </a:tc>
-                <a:extLst>
-                  <a:ext uri="{0D108BD9-81ED-4DB2-BD59-A6C34878D82A}">
-                    <a16:rowId xmlns:a16="http://schemas.microsoft.com/office/drawing/2014/main" val="863577275"/>
-                  </a:ext>
-                </a:extLst>
-              </a:tr>
-              <a:tr h="2226120">
-                <a:tc>
-                  <a:txBody>
-                    <a:bodyPr/>
-                    <a:lstStyle/>
-                    <a:p>
-                      <a:pPr algn="ctr" latinLnBrk="1"/>
-                      <a:r>
-                        <a:rPr lang="ko-KR" altLang="en-US" b="1" dirty="0"/>
-                        <a:t>김우진</a:t>
+                        <a:t>추출 및 처리 방법</a:t>
                       </a:r>
                     </a:p>
                   </a:txBody>
@@ -11360,1171 +12941,76 @@
                     <a:bodyPr/>
                     <a:lstStyle/>
                     <a:p>
-                      <a:pPr algn="ctr" latinLnBrk="1"/>
-                      <a:r>
-                        <a:rPr lang="ko-KR" altLang="en-US" dirty="0"/>
-                        <a:t>팀장</a:t>
-                      </a:r>
-                    </a:p>
-                  </a:txBody>
-                  <a:tcPr anchor="ctr" anchorCtr="1"/>
-                </a:tc>
-                <a:tc>
-                  <a:txBody>
-                    <a:bodyPr/>
-                    <a:lstStyle/>
-                    <a:p>
-                      <a:pPr fontAlgn="base" latinLnBrk="0"/>
-                      <a:endParaRPr lang="en-US" altLang="ko-KR" sz="1600" kern="1200" dirty="0">
-                        <a:solidFill>
-                          <a:schemeClr val="dk1"/>
-                        </a:solidFill>
-                        <a:effectLst/>
-                        <a:latin typeface="+mn-lt"/>
-                        <a:ea typeface="+mn-ea"/>
-                        <a:cs typeface="+mn-cs"/>
-                      </a:endParaRPr>
+                      <a:pPr latinLnBrk="1"/>
+                      <a:endParaRPr lang="en-US" altLang="ko-KR" dirty="0"/>
                     </a:p>
                     <a:p>
-                      <a:pPr fontAlgn="base" latinLnBrk="0"/>
-                      <a:r>
-                        <a:rPr lang="en-US" altLang="ko-KR" sz="1600" kern="1200" dirty="0">
-                          <a:solidFill>
-                            <a:schemeClr val="dk1"/>
-                          </a:solidFill>
-                          <a:effectLst/>
-                          <a:latin typeface="+mn-lt"/>
-                          <a:ea typeface="+mn-ea"/>
-                          <a:cs typeface="+mn-cs"/>
-                        </a:rPr>
-                        <a:t>· </a:t>
-                      </a:r>
-                      <a:r>
-                        <a:rPr lang="ko-KR" altLang="en-US" sz="1600" kern="1200" dirty="0">
-                          <a:solidFill>
-                            <a:schemeClr val="dk1"/>
-                          </a:solidFill>
-                          <a:effectLst/>
-                          <a:latin typeface="+mn-lt"/>
-                          <a:ea typeface="+mn-ea"/>
-                          <a:cs typeface="+mn-cs"/>
-                        </a:rPr>
-                        <a:t>대기인원을 판단과</a:t>
-                      </a:r>
-                      <a:r>
-                        <a:rPr lang="en-US" altLang="ko-KR" sz="1600" kern="1200" dirty="0">
-                          <a:solidFill>
-                            <a:schemeClr val="dk1"/>
-                          </a:solidFill>
-                          <a:effectLst/>
-                          <a:latin typeface="+mn-lt"/>
-                          <a:ea typeface="+mn-ea"/>
-                          <a:cs typeface="+mn-cs"/>
-                        </a:rPr>
-                        <a:t>, </a:t>
-                      </a:r>
-                      <a:r>
-                        <a:rPr lang="ko-KR" altLang="en-US" sz="1600" kern="1200" dirty="0">
-                          <a:solidFill>
-                            <a:schemeClr val="dk1"/>
-                          </a:solidFill>
-                          <a:effectLst/>
-                          <a:latin typeface="+mn-lt"/>
-                          <a:ea typeface="+mn-ea"/>
-                          <a:cs typeface="+mn-cs"/>
-                        </a:rPr>
-                        <a:t>그 데이터 전송을 위한</a:t>
-                      </a:r>
-                      <a:r>
-                        <a:rPr lang="en-US" altLang="ko-KR" sz="1600" kern="1200" dirty="0">
-                          <a:solidFill>
-                            <a:schemeClr val="dk1"/>
-                          </a:solidFill>
-                          <a:effectLst/>
-                          <a:latin typeface="+mn-lt"/>
-                          <a:ea typeface="+mn-ea"/>
-                          <a:cs typeface="+mn-cs"/>
-                        </a:rPr>
-                        <a:t>, </a:t>
-                      </a:r>
-                      <a:r>
-                        <a:rPr lang="ko-KR" altLang="en-US" sz="1600" kern="1200" dirty="0" err="1">
-                          <a:solidFill>
-                            <a:schemeClr val="dk1"/>
-                          </a:solidFill>
-                          <a:effectLst/>
-                          <a:latin typeface="+mn-lt"/>
-                          <a:ea typeface="+mn-ea"/>
-                          <a:cs typeface="+mn-cs"/>
-                        </a:rPr>
-                        <a:t>하드웨어을</a:t>
-                      </a:r>
-                      <a:r>
-                        <a:rPr lang="ko-KR" altLang="en-US" sz="1600" kern="1200" dirty="0">
-                          <a:solidFill>
-                            <a:schemeClr val="dk1"/>
-                          </a:solidFill>
-                          <a:effectLst/>
-                          <a:latin typeface="+mn-lt"/>
-                          <a:ea typeface="+mn-ea"/>
-                          <a:cs typeface="+mn-cs"/>
-                        </a:rPr>
-                        <a:t> 제작한다</a:t>
-                      </a:r>
-                      <a:r>
-                        <a:rPr lang="en-US" altLang="ko-KR" sz="1600" kern="1200" dirty="0">
-                          <a:solidFill>
-                            <a:schemeClr val="dk1"/>
-                          </a:solidFill>
-                          <a:effectLst/>
-                          <a:latin typeface="+mn-lt"/>
-                          <a:ea typeface="+mn-ea"/>
-                          <a:cs typeface="+mn-cs"/>
-                        </a:rPr>
-                        <a:t>.</a:t>
+                      <a:pPr latinLnBrk="1"/>
+                      <a:r>
+                        <a:rPr lang="ko-KR" altLang="en-US" dirty="0"/>
+                        <a:t> </a:t>
+                      </a:r>
+                      <a:r>
+                        <a:rPr lang="en-US" altLang="ko-KR" dirty="0"/>
+                        <a:t>CNN</a:t>
+                      </a:r>
+                      <a:r>
+                        <a:rPr lang="ko-KR" altLang="en-US" dirty="0"/>
+                        <a:t>기반 물체 검출 알고리즘의 속도를 향상시키기</a:t>
                       </a:r>
                     </a:p>
                     <a:p>
-                      <a:pPr fontAlgn="base" latinLnBrk="0"/>
-                      <a:r>
-                        <a:rPr lang="en-US" altLang="ko-KR" sz="1600" kern="1200" dirty="0">
-                          <a:solidFill>
-                            <a:schemeClr val="dk1"/>
-                          </a:solidFill>
-                          <a:effectLst/>
-                          <a:latin typeface="+mn-lt"/>
-                          <a:ea typeface="+mn-ea"/>
-                          <a:cs typeface="+mn-cs"/>
-                        </a:rPr>
-                        <a:t>· </a:t>
-                      </a:r>
-                      <a:r>
-                        <a:rPr lang="ko-KR" altLang="en-US" sz="1600" kern="1200" dirty="0">
-                          <a:solidFill>
-                            <a:schemeClr val="dk1"/>
-                          </a:solidFill>
-                          <a:effectLst/>
-                          <a:latin typeface="+mn-lt"/>
-                          <a:ea typeface="+mn-ea"/>
-                          <a:cs typeface="+mn-cs"/>
-                        </a:rPr>
-                        <a:t>대기인원을 판단할 때 이용하는 알고리즘을 제작한다</a:t>
-                      </a:r>
-                      <a:r>
-                        <a:rPr lang="en-US" altLang="ko-KR" sz="1600" kern="1200" dirty="0">
-                          <a:solidFill>
-                            <a:schemeClr val="dk1"/>
-                          </a:solidFill>
-                          <a:effectLst/>
-                          <a:latin typeface="+mn-lt"/>
-                          <a:ea typeface="+mn-ea"/>
-                          <a:cs typeface="+mn-cs"/>
-                        </a:rPr>
+                      <a:pPr latinLnBrk="1"/>
+                      <a:r>
+                        <a:rPr lang="ko-KR" altLang="en-US" dirty="0"/>
+                        <a:t>위한 새로운 방법을 제안한다</a:t>
+                      </a:r>
+                      <a:r>
+                        <a:rPr lang="en-US" altLang="ko-KR" dirty="0"/>
                         <a:t>.</a:t>
                       </a:r>
                     </a:p>
                     <a:p>
-                      <a:pPr fontAlgn="base" latinLnBrk="0"/>
-                      <a:r>
-                        <a:rPr lang="en-US" altLang="ko-KR" sz="1600" kern="1200" dirty="0">
-                          <a:solidFill>
-                            <a:schemeClr val="dk1"/>
-                          </a:solidFill>
-                          <a:effectLst/>
-                          <a:latin typeface="+mn-lt"/>
-                          <a:ea typeface="+mn-ea"/>
-                          <a:cs typeface="+mn-cs"/>
-                        </a:rPr>
-                        <a:t>· </a:t>
-                      </a:r>
-                      <a:r>
-                        <a:rPr lang="ko-KR" altLang="en-US" sz="1600" kern="1200" dirty="0">
-                          <a:solidFill>
-                            <a:schemeClr val="dk1"/>
-                          </a:solidFill>
-                          <a:effectLst/>
-                          <a:latin typeface="+mn-lt"/>
-                          <a:ea typeface="+mn-ea"/>
-                          <a:cs typeface="+mn-cs"/>
-                        </a:rPr>
-                        <a:t>제작한 하드웨어로 얻은 데이터를 클라우드 서버에 전송하기위한 </a:t>
-                      </a:r>
-                      <a:r>
-                        <a:rPr lang="en-US" altLang="ko-KR" sz="1600" kern="1200" dirty="0" err="1">
-                          <a:solidFill>
-                            <a:schemeClr val="dk1"/>
-                          </a:solidFill>
-                          <a:effectLst/>
-                          <a:latin typeface="+mn-lt"/>
-                          <a:ea typeface="+mn-ea"/>
-                          <a:cs typeface="+mn-cs"/>
-                        </a:rPr>
-                        <a:t>iot</a:t>
-                      </a:r>
-                      <a:r>
-                        <a:rPr lang="en-US" altLang="ko-KR" sz="1600" kern="1200" dirty="0">
-                          <a:solidFill>
-                            <a:schemeClr val="dk1"/>
-                          </a:solidFill>
-                          <a:effectLst/>
-                          <a:latin typeface="+mn-lt"/>
-                          <a:ea typeface="+mn-ea"/>
-                          <a:cs typeface="+mn-cs"/>
-                        </a:rPr>
+                      <a:pPr latinLnBrk="1"/>
+                      <a:r>
+                        <a:rPr lang="en-US" altLang="ko-KR" dirty="0"/>
                         <a:t> </a:t>
                       </a:r>
                       <a:r>
-                        <a:rPr lang="ko-KR" altLang="en-US" sz="1600" kern="1200" dirty="0">
-                          <a:solidFill>
-                            <a:schemeClr val="dk1"/>
-                          </a:solidFill>
-                          <a:effectLst/>
-                          <a:latin typeface="+mn-lt"/>
-                          <a:ea typeface="+mn-ea"/>
-                          <a:cs typeface="+mn-cs"/>
-                        </a:rPr>
-                        <a:t>채널을 제작 이를 운용한다</a:t>
-                      </a:r>
-                      <a:r>
-                        <a:rPr lang="en-US" altLang="ko-KR" sz="1600" kern="1200" dirty="0">
-                          <a:solidFill>
-                            <a:schemeClr val="dk1"/>
-                          </a:solidFill>
-                          <a:effectLst/>
-                          <a:latin typeface="+mn-lt"/>
-                          <a:ea typeface="+mn-ea"/>
-                          <a:cs typeface="+mn-cs"/>
-                        </a:rPr>
-                        <a:t>. </a:t>
-                      </a:r>
-                      <a:endParaRPr lang="ko-KR" altLang="en-US" sz="1600" kern="1200" dirty="0">
-                        <a:solidFill>
-                          <a:schemeClr val="dk1"/>
-                        </a:solidFill>
-                        <a:effectLst/>
-                        <a:latin typeface="+mn-lt"/>
-                        <a:ea typeface="+mn-ea"/>
-                        <a:cs typeface="+mn-cs"/>
-                      </a:endParaRPr>
+                        <a:rPr lang="ko-KR" altLang="en-US" dirty="0"/>
+                        <a:t>카메라에서 전달되는 영상에서 </a:t>
+                      </a:r>
+                      <a:r>
+                        <a:rPr lang="en-US" altLang="ko-KR" dirty="0"/>
+                        <a:t>ROI</a:t>
+                      </a:r>
+                      <a:r>
+                        <a:rPr lang="ko-KR" altLang="en-US" dirty="0"/>
+                        <a:t>를 추출한 뒤 이를 기존 </a:t>
+                      </a:r>
+                      <a:r>
+                        <a:rPr lang="en-US" altLang="ko-KR" dirty="0"/>
+                        <a:t>CNN </a:t>
+                      </a:r>
+                      <a:r>
+                        <a:rPr lang="ko-KR" altLang="en-US" dirty="0"/>
+                        <a:t>기반 물체 알고리즘의 입력으로 전달하여 처리하는 방법을 제공한다</a:t>
+                      </a:r>
+                      <a:r>
+                        <a:rPr lang="en-US" altLang="ko-KR" dirty="0"/>
+                        <a:t>.</a:t>
+                      </a:r>
                     </a:p>
                     <a:p>
-                      <a:pPr fontAlgn="base" latinLnBrk="0"/>
-                      <a:r>
-                        <a:rPr lang="en-US" altLang="ko-KR" sz="1600" kern="1200" dirty="0">
-                          <a:solidFill>
-                            <a:schemeClr val="dk1"/>
-                          </a:solidFill>
-                          <a:effectLst/>
-                          <a:latin typeface="+mn-lt"/>
-                          <a:ea typeface="+mn-ea"/>
-                          <a:cs typeface="+mn-cs"/>
-                        </a:rPr>
-                        <a:t>· APP </a:t>
-                      </a:r>
-                      <a:r>
-                        <a:rPr lang="ko-KR" altLang="en-US" sz="1600" kern="1200" dirty="0">
-                          <a:solidFill>
-                            <a:schemeClr val="dk1"/>
-                          </a:solidFill>
-                          <a:effectLst/>
-                          <a:latin typeface="+mn-lt"/>
-                          <a:ea typeface="+mn-ea"/>
-                          <a:cs typeface="+mn-cs"/>
-                        </a:rPr>
-                        <a:t>개발 함으로서 이용자들에게 실시간 버스정보에 대한 더 나은 경로 판단을 제시한다</a:t>
-                      </a:r>
-                      <a:r>
-                        <a:rPr lang="en-US" altLang="ko-KR" sz="1600" kern="1200" dirty="0">
-                          <a:solidFill>
-                            <a:schemeClr val="dk1"/>
-                          </a:solidFill>
-                          <a:effectLst/>
-                          <a:latin typeface="+mn-lt"/>
-                          <a:ea typeface="+mn-ea"/>
-                          <a:cs typeface="+mn-cs"/>
-                        </a:rPr>
-                        <a:t>.</a:t>
-                      </a:r>
-                      <a:endParaRPr lang="ko-KR" altLang="en-US" sz="1600" kern="1200" dirty="0">
-                        <a:solidFill>
-                          <a:schemeClr val="dk1"/>
-                        </a:solidFill>
-                        <a:effectLst/>
-                        <a:latin typeface="+mn-lt"/>
-                        <a:ea typeface="+mn-ea"/>
-                        <a:cs typeface="+mn-cs"/>
-                      </a:endParaRPr>
-                    </a:p>
-                    <a:p>
-                      <a:pPr fontAlgn="base" latinLnBrk="0"/>
-                      <a:r>
-                        <a:rPr lang="ko-KR" altLang="en-US" sz="1600" kern="1200" dirty="0">
-                          <a:solidFill>
-                            <a:schemeClr val="dk1"/>
-                          </a:solidFill>
-                          <a:effectLst/>
-                          <a:latin typeface="+mn-lt"/>
-                          <a:ea typeface="+mn-ea"/>
-                          <a:cs typeface="+mn-cs"/>
-                        </a:rPr>
-                        <a:t>동시에 </a:t>
-                      </a:r>
-                      <a:r>
-                        <a:rPr lang="en-US" altLang="ko-KR" sz="1600" kern="1200" dirty="0">
-                          <a:solidFill>
-                            <a:schemeClr val="dk1"/>
-                          </a:solidFill>
-                          <a:effectLst/>
-                          <a:latin typeface="+mn-lt"/>
-                          <a:ea typeface="+mn-ea"/>
-                          <a:cs typeface="+mn-cs"/>
-                        </a:rPr>
-                        <a:t>UI </a:t>
-                      </a:r>
-                      <a:r>
-                        <a:rPr lang="ko-KR" altLang="en-US" sz="1600" kern="1200" dirty="0">
-                          <a:solidFill>
-                            <a:schemeClr val="dk1"/>
-                          </a:solidFill>
-                          <a:effectLst/>
-                          <a:latin typeface="+mn-lt"/>
-                          <a:ea typeface="+mn-ea"/>
-                          <a:cs typeface="+mn-cs"/>
-                        </a:rPr>
-                        <a:t>디자인을 정리 함으로서</a:t>
-                      </a:r>
-                      <a:r>
-                        <a:rPr lang="en-US" altLang="ko-KR" sz="1600" kern="1200" dirty="0">
-                          <a:solidFill>
-                            <a:schemeClr val="dk1"/>
-                          </a:solidFill>
-                          <a:effectLst/>
-                          <a:latin typeface="+mn-lt"/>
-                          <a:ea typeface="+mn-ea"/>
-                          <a:cs typeface="+mn-cs"/>
-                        </a:rPr>
-                        <a:t>, </a:t>
-                      </a:r>
-                      <a:r>
-                        <a:rPr lang="ko-KR" altLang="en-US" sz="1600" kern="1200" dirty="0">
-                          <a:solidFill>
-                            <a:schemeClr val="dk1"/>
-                          </a:solidFill>
-                          <a:effectLst/>
-                          <a:latin typeface="+mn-lt"/>
-                          <a:ea typeface="+mn-ea"/>
-                          <a:cs typeface="+mn-cs"/>
-                        </a:rPr>
-                        <a:t>이용자들의 접근성과</a:t>
-                      </a:r>
-                      <a:r>
-                        <a:rPr lang="en-US" altLang="ko-KR" sz="1600" kern="1200" dirty="0">
-                          <a:solidFill>
-                            <a:schemeClr val="dk1"/>
-                          </a:solidFill>
-                          <a:effectLst/>
-                          <a:latin typeface="+mn-lt"/>
-                          <a:ea typeface="+mn-ea"/>
-                          <a:cs typeface="+mn-cs"/>
-                        </a:rPr>
-                        <a:t>, </a:t>
-                      </a:r>
-                      <a:r>
-                        <a:rPr lang="ko-KR" altLang="en-US" sz="1600" kern="1200" dirty="0">
-                          <a:solidFill>
-                            <a:schemeClr val="dk1"/>
-                          </a:solidFill>
-                          <a:effectLst/>
-                          <a:latin typeface="+mn-lt"/>
-                          <a:ea typeface="+mn-ea"/>
-                          <a:cs typeface="+mn-cs"/>
-                        </a:rPr>
-                        <a:t>사용의 편리함을 증대 시킨다</a:t>
-                      </a:r>
-                      <a:r>
-                        <a:rPr lang="en-US" altLang="ko-KR" sz="1600" kern="1200" dirty="0">
-                          <a:solidFill>
-                            <a:schemeClr val="dk1"/>
-                          </a:solidFill>
-                          <a:effectLst/>
-                          <a:latin typeface="+mn-lt"/>
-                          <a:ea typeface="+mn-ea"/>
-                          <a:cs typeface="+mn-cs"/>
-                        </a:rPr>
-                        <a:t>.</a:t>
-                      </a:r>
-                    </a:p>
-                    <a:p>
-                      <a:pPr fontAlgn="base" latinLnBrk="0"/>
-                      <a:endParaRPr lang="ko-KR" altLang="en-US" sz="1600" kern="1200" dirty="0">
-                        <a:solidFill>
-                          <a:schemeClr val="dk1"/>
-                        </a:solidFill>
-                        <a:effectLst/>
-                        <a:latin typeface="+mn-lt"/>
-                        <a:ea typeface="+mn-ea"/>
-                        <a:cs typeface="+mn-cs"/>
-                      </a:endParaRPr>
-                    </a:p>
-                  </a:txBody>
-                  <a:tcPr anchor="ctr" anchorCtr="1"/>
-                </a:tc>
-                <a:tc>
-                  <a:txBody>
-                    <a:bodyPr/>
-                    <a:lstStyle/>
-                    <a:p>
-                      <a:pPr fontAlgn="base" latinLnBrk="0"/>
-                      <a:r>
-                        <a:rPr lang="ko-KR" altLang="en-US" sz="1600" kern="1200" dirty="0">
-                          <a:solidFill>
-                            <a:schemeClr val="dk1"/>
-                          </a:solidFill>
-                          <a:effectLst/>
-                          <a:latin typeface="+mn-lt"/>
-                          <a:ea typeface="+mn-ea"/>
-                          <a:cs typeface="+mn-cs"/>
-                        </a:rPr>
-                        <a:t>실시간으로 대기인원을 판단할 하드웨어</a:t>
-                      </a:r>
-                    </a:p>
-                    <a:p>
-                      <a:pPr fontAlgn="base" latinLnBrk="0"/>
-                      <a:r>
-                        <a:rPr lang="en-US" altLang="ko-KR" sz="1600" kern="1200" dirty="0">
-                          <a:solidFill>
-                            <a:schemeClr val="dk1"/>
-                          </a:solidFill>
-                          <a:effectLst/>
-                          <a:latin typeface="+mn-lt"/>
-                          <a:ea typeface="+mn-ea"/>
-                          <a:cs typeface="+mn-cs"/>
-                        </a:rPr>
-                        <a:t>(</a:t>
-                      </a:r>
-                      <a:r>
-                        <a:rPr lang="ko-KR" altLang="en-US" sz="1600" kern="1200" dirty="0">
-                          <a:solidFill>
-                            <a:schemeClr val="dk1"/>
-                          </a:solidFill>
-                          <a:effectLst/>
-                          <a:latin typeface="+mn-lt"/>
-                          <a:ea typeface="+mn-ea"/>
-                          <a:cs typeface="+mn-cs"/>
-                        </a:rPr>
-                        <a:t>카메라 모듈</a:t>
-                      </a:r>
-                      <a:r>
-                        <a:rPr lang="en-US" altLang="ko-KR" sz="1600" kern="1200" dirty="0">
-                          <a:solidFill>
-                            <a:schemeClr val="dk1"/>
-                          </a:solidFill>
-                          <a:effectLst/>
-                          <a:latin typeface="+mn-lt"/>
-                          <a:ea typeface="+mn-ea"/>
-                          <a:cs typeface="+mn-cs"/>
-                        </a:rPr>
-                        <a:t>, </a:t>
-                      </a:r>
-                      <a:r>
-                        <a:rPr lang="ko-KR" altLang="en-US" sz="1600" kern="1200" dirty="0" err="1">
-                          <a:solidFill>
-                            <a:schemeClr val="dk1"/>
-                          </a:solidFill>
-                          <a:effectLst/>
-                          <a:latin typeface="+mn-lt"/>
-                          <a:ea typeface="+mn-ea"/>
-                          <a:cs typeface="+mn-cs"/>
-                        </a:rPr>
-                        <a:t>라즈베리파이</a:t>
-                      </a:r>
-                      <a:r>
-                        <a:rPr lang="ko-KR" altLang="en-US" sz="1600" kern="1200" dirty="0">
-                          <a:solidFill>
-                            <a:schemeClr val="dk1"/>
-                          </a:solidFill>
-                          <a:effectLst/>
-                          <a:latin typeface="+mn-lt"/>
-                          <a:ea typeface="+mn-ea"/>
-                          <a:cs typeface="+mn-cs"/>
-                        </a:rPr>
-                        <a:t> </a:t>
-                      </a:r>
-                    </a:p>
-                    <a:p>
-                      <a:pPr fontAlgn="base" latinLnBrk="0"/>
-                      <a:r>
-                        <a:rPr lang="ko-KR" altLang="en-US" sz="1600" kern="1200" dirty="0">
-                          <a:solidFill>
-                            <a:schemeClr val="dk1"/>
-                          </a:solidFill>
-                          <a:effectLst/>
-                          <a:latin typeface="+mn-lt"/>
-                          <a:ea typeface="+mn-ea"/>
-                          <a:cs typeface="+mn-cs"/>
-                        </a:rPr>
-                        <a:t>또는 </a:t>
-                      </a:r>
-                      <a:r>
-                        <a:rPr lang="ko-KR" altLang="en-US" sz="1600" kern="1200" dirty="0" err="1">
-                          <a:solidFill>
-                            <a:schemeClr val="dk1"/>
-                          </a:solidFill>
-                          <a:effectLst/>
-                          <a:latin typeface="+mn-lt"/>
-                          <a:ea typeface="+mn-ea"/>
-                          <a:cs typeface="+mn-cs"/>
-                        </a:rPr>
-                        <a:t>젯슨나노</a:t>
-                      </a:r>
-                      <a:r>
-                        <a:rPr lang="en-US" altLang="ko-KR" sz="1600" kern="1200" dirty="0">
-                          <a:solidFill>
-                            <a:schemeClr val="dk1"/>
-                          </a:solidFill>
-                          <a:effectLst/>
-                          <a:latin typeface="+mn-lt"/>
-                          <a:ea typeface="+mn-ea"/>
-                          <a:cs typeface="+mn-cs"/>
-                        </a:rPr>
-                        <a:t>) ,</a:t>
-                      </a:r>
-                      <a:endParaRPr lang="ko-KR" altLang="en-US" sz="1600" kern="1200" dirty="0">
-                        <a:solidFill>
-                          <a:schemeClr val="dk1"/>
-                        </a:solidFill>
-                        <a:effectLst/>
-                        <a:latin typeface="+mn-lt"/>
-                        <a:ea typeface="+mn-ea"/>
-                        <a:cs typeface="+mn-cs"/>
-                      </a:endParaRPr>
-                    </a:p>
-                    <a:p>
-                      <a:pPr fontAlgn="base" latinLnBrk="0"/>
-                      <a:r>
-                        <a:rPr lang="en-US" altLang="ko-KR" sz="1600" kern="1200" dirty="0">
-                          <a:solidFill>
-                            <a:schemeClr val="dk1"/>
-                          </a:solidFill>
-                          <a:effectLst/>
-                          <a:latin typeface="+mn-lt"/>
-                          <a:ea typeface="+mn-ea"/>
-                          <a:cs typeface="+mn-cs"/>
-                        </a:rPr>
-                        <a:t>Android APP</a:t>
-                      </a:r>
-                    </a:p>
-                    <a:p>
-                      <a:pPr fontAlgn="base" latinLnBrk="0"/>
-                      <a:r>
-                        <a:rPr lang="en-US" altLang="ko-KR" sz="1600" kern="1200" dirty="0">
-                          <a:solidFill>
-                            <a:schemeClr val="dk1"/>
-                          </a:solidFill>
-                          <a:effectLst/>
-                          <a:latin typeface="+mn-lt"/>
-                          <a:ea typeface="+mn-ea"/>
-                          <a:cs typeface="+mn-cs"/>
-                        </a:rPr>
-                        <a:t>AWS IOT</a:t>
-                      </a:r>
-                      <a:endParaRPr lang="ko-KR" altLang="en-US" sz="1600" kern="1200" dirty="0">
-                        <a:solidFill>
-                          <a:schemeClr val="dk1"/>
-                        </a:solidFill>
-                        <a:effectLst/>
-                        <a:latin typeface="+mn-lt"/>
-                        <a:ea typeface="+mn-ea"/>
-                        <a:cs typeface="+mn-cs"/>
-                      </a:endParaRPr>
+                      <a:pPr latinLnBrk="1"/>
+                      <a:endParaRPr lang="ko-KR" altLang="en-US" dirty="0"/>
                     </a:p>
                   </a:txBody>
                   <a:tcPr anchor="ctr" anchorCtr="1"/>
                 </a:tc>
                 <a:extLst>
                   <a:ext uri="{0D108BD9-81ED-4DB2-BD59-A6C34878D82A}">
-                    <a16:rowId xmlns:a16="http://schemas.microsoft.com/office/drawing/2014/main" val="854343323"/>
-                  </a:ext>
-                </a:extLst>
-              </a:tr>
-              <a:tr h="1004073">
-                <a:tc>
-                  <a:txBody>
-                    <a:bodyPr/>
-                    <a:lstStyle/>
-                    <a:p>
-                      <a:pPr algn="ctr" latinLnBrk="1"/>
-                      <a:r>
-                        <a:rPr lang="ko-KR" altLang="en-US" b="1" dirty="0" err="1"/>
-                        <a:t>이채민</a:t>
-                      </a:r>
-                      <a:endParaRPr lang="ko-KR" altLang="en-US" b="1" dirty="0"/>
-                    </a:p>
-                  </a:txBody>
-                  <a:tcPr anchor="ctr" anchorCtr="1"/>
-                </a:tc>
-                <a:tc>
-                  <a:txBody>
-                    <a:bodyPr/>
-                    <a:lstStyle/>
-                    <a:p>
-                      <a:pPr algn="ctr" latinLnBrk="1"/>
-                      <a:r>
-                        <a:rPr lang="ko-KR" altLang="en-US" dirty="0"/>
-                        <a:t>팀원</a:t>
-                      </a:r>
-                    </a:p>
-                  </a:txBody>
-                  <a:tcPr anchor="ctr" anchorCtr="1"/>
-                </a:tc>
-                <a:tc>
-                  <a:txBody>
-                    <a:bodyPr/>
-                    <a:lstStyle/>
-                    <a:p>
-                      <a:pPr fontAlgn="base" latinLnBrk="0"/>
-                      <a:endParaRPr lang="en-US" altLang="ko-KR" sz="1600" kern="1200" dirty="0">
-                        <a:solidFill>
-                          <a:schemeClr val="dk1"/>
-                        </a:solidFill>
-                        <a:effectLst/>
-                        <a:latin typeface="+mn-lt"/>
-                        <a:ea typeface="+mn-ea"/>
-                        <a:cs typeface="+mn-cs"/>
-                      </a:endParaRPr>
-                    </a:p>
-                    <a:p>
-                      <a:pPr fontAlgn="base" latinLnBrk="0"/>
-                      <a:r>
-                        <a:rPr lang="en-US" altLang="ko-KR" sz="1600" kern="1200" dirty="0">
-                          <a:solidFill>
-                            <a:schemeClr val="dk1"/>
-                          </a:solidFill>
-                          <a:effectLst/>
-                          <a:latin typeface="+mn-lt"/>
-                          <a:ea typeface="+mn-ea"/>
-                          <a:cs typeface="+mn-cs"/>
-                        </a:rPr>
-                        <a:t>· </a:t>
-                      </a:r>
-                      <a:r>
-                        <a:rPr lang="ko-KR" altLang="en-US" sz="1600" kern="1200" dirty="0">
-                          <a:solidFill>
-                            <a:schemeClr val="dk1"/>
-                          </a:solidFill>
-                          <a:effectLst/>
-                          <a:latin typeface="+mn-lt"/>
-                          <a:ea typeface="+mn-ea"/>
-                          <a:cs typeface="+mn-cs"/>
-                        </a:rPr>
-                        <a:t>실시간 대기인원의 데이터를 제공하고</a:t>
-                      </a:r>
-                      <a:r>
-                        <a:rPr lang="en-US" altLang="ko-KR" sz="1600" kern="1200" dirty="0">
-                          <a:solidFill>
-                            <a:schemeClr val="dk1"/>
-                          </a:solidFill>
-                          <a:effectLst/>
-                          <a:latin typeface="+mn-lt"/>
-                          <a:ea typeface="+mn-ea"/>
-                          <a:cs typeface="+mn-cs"/>
-                        </a:rPr>
-                        <a:t>, APP</a:t>
-                      </a:r>
-                      <a:r>
-                        <a:rPr lang="ko-KR" altLang="en-US" sz="1600" kern="1200" dirty="0">
-                          <a:solidFill>
-                            <a:schemeClr val="dk1"/>
-                          </a:solidFill>
-                          <a:effectLst/>
-                          <a:latin typeface="+mn-lt"/>
-                          <a:ea typeface="+mn-ea"/>
-                          <a:cs typeface="+mn-cs"/>
-                        </a:rPr>
-                        <a:t>으로 전달하기위한</a:t>
-                      </a:r>
-                      <a:r>
-                        <a:rPr lang="en-US" altLang="ko-KR" sz="1600" kern="1200" dirty="0">
-                          <a:solidFill>
-                            <a:schemeClr val="dk1"/>
-                          </a:solidFill>
-                          <a:effectLst/>
-                          <a:latin typeface="+mn-lt"/>
-                          <a:ea typeface="+mn-ea"/>
-                          <a:cs typeface="+mn-cs"/>
-                        </a:rPr>
-                        <a:t>, </a:t>
-                      </a:r>
-                      <a:r>
-                        <a:rPr lang="ko-KR" altLang="en-US" sz="1600" kern="1200" dirty="0">
-                          <a:solidFill>
-                            <a:schemeClr val="dk1"/>
-                          </a:solidFill>
-                          <a:effectLst/>
-                          <a:latin typeface="+mn-lt"/>
-                          <a:ea typeface="+mn-ea"/>
-                          <a:cs typeface="+mn-cs"/>
-                        </a:rPr>
-                        <a:t>서버를 제작한다</a:t>
-                      </a:r>
-                      <a:r>
-                        <a:rPr lang="en-US" altLang="ko-KR" sz="1600" kern="1200" dirty="0">
-                          <a:solidFill>
-                            <a:schemeClr val="dk1"/>
-                          </a:solidFill>
-                          <a:effectLst/>
-                          <a:latin typeface="+mn-lt"/>
-                          <a:ea typeface="+mn-ea"/>
-                          <a:cs typeface="+mn-cs"/>
-                        </a:rPr>
-                        <a:t>.</a:t>
-                      </a:r>
-                      <a:endParaRPr lang="ko-KR" altLang="en-US" sz="1600" kern="1200" dirty="0">
-                        <a:solidFill>
-                          <a:schemeClr val="dk1"/>
-                        </a:solidFill>
-                        <a:effectLst/>
-                        <a:latin typeface="+mn-lt"/>
-                        <a:ea typeface="+mn-ea"/>
-                        <a:cs typeface="+mn-cs"/>
-                      </a:endParaRPr>
-                    </a:p>
-                    <a:p>
-                      <a:pPr fontAlgn="base" latinLnBrk="0"/>
-                      <a:r>
-                        <a:rPr lang="en-US" altLang="ko-KR" sz="1600" kern="1200" dirty="0">
-                          <a:solidFill>
-                            <a:schemeClr val="dk1"/>
-                          </a:solidFill>
-                          <a:effectLst/>
-                          <a:latin typeface="+mn-lt"/>
-                          <a:ea typeface="+mn-ea"/>
-                          <a:cs typeface="+mn-cs"/>
-                        </a:rPr>
-                        <a:t>· </a:t>
-                      </a:r>
-                      <a:r>
-                        <a:rPr lang="ko-KR" altLang="en-US" sz="1600" kern="1200" dirty="0">
-                          <a:solidFill>
-                            <a:schemeClr val="dk1"/>
-                          </a:solidFill>
-                          <a:effectLst/>
-                          <a:latin typeface="+mn-lt"/>
-                          <a:ea typeface="+mn-ea"/>
-                          <a:cs typeface="+mn-cs"/>
-                        </a:rPr>
-                        <a:t>공공 </a:t>
-                      </a:r>
-                      <a:r>
-                        <a:rPr lang="en-US" altLang="ko-KR" sz="1600" kern="1200" dirty="0">
-                          <a:solidFill>
-                            <a:schemeClr val="dk1"/>
-                          </a:solidFill>
-                          <a:effectLst/>
-                          <a:latin typeface="+mn-lt"/>
-                          <a:ea typeface="+mn-ea"/>
-                          <a:cs typeface="+mn-cs"/>
-                        </a:rPr>
-                        <a:t>API</a:t>
-                      </a:r>
-                      <a:r>
-                        <a:rPr lang="ko-KR" altLang="en-US" sz="1600" kern="1200" dirty="0">
-                          <a:solidFill>
-                            <a:schemeClr val="dk1"/>
-                          </a:solidFill>
-                          <a:effectLst/>
-                          <a:latin typeface="+mn-lt"/>
-                          <a:ea typeface="+mn-ea"/>
-                          <a:cs typeface="+mn-cs"/>
-                        </a:rPr>
-                        <a:t>를 이용한</a:t>
-                      </a:r>
-                      <a:r>
-                        <a:rPr lang="en-US" altLang="ko-KR" sz="1600" kern="1200" dirty="0">
-                          <a:solidFill>
-                            <a:schemeClr val="dk1"/>
-                          </a:solidFill>
-                          <a:effectLst/>
-                          <a:latin typeface="+mn-lt"/>
-                          <a:ea typeface="+mn-ea"/>
-                          <a:cs typeface="+mn-cs"/>
-                        </a:rPr>
-                        <a:t>, </a:t>
-                      </a:r>
-                      <a:r>
-                        <a:rPr lang="ko-KR" altLang="en-US" sz="1600" kern="1200" dirty="0">
-                          <a:solidFill>
-                            <a:schemeClr val="dk1"/>
-                          </a:solidFill>
-                          <a:effectLst/>
-                          <a:latin typeface="+mn-lt"/>
-                          <a:ea typeface="+mn-ea"/>
-                          <a:cs typeface="+mn-cs"/>
-                        </a:rPr>
-                        <a:t>실시간 버스현황 자료전달을 진행하고</a:t>
-                      </a:r>
-                      <a:r>
-                        <a:rPr lang="en-US" altLang="ko-KR" sz="1600" kern="1200" dirty="0">
-                          <a:solidFill>
-                            <a:schemeClr val="dk1"/>
-                          </a:solidFill>
-                          <a:effectLst/>
-                          <a:latin typeface="+mn-lt"/>
-                          <a:ea typeface="+mn-ea"/>
-                          <a:cs typeface="+mn-cs"/>
-                        </a:rPr>
-                        <a:t>, </a:t>
-                      </a:r>
-                      <a:r>
-                        <a:rPr lang="ko-KR" altLang="en-US" sz="1600" kern="1200" dirty="0">
-                          <a:solidFill>
-                            <a:schemeClr val="dk1"/>
-                          </a:solidFill>
-                          <a:effectLst/>
-                          <a:latin typeface="+mn-lt"/>
-                          <a:ea typeface="+mn-ea"/>
-                          <a:cs typeface="+mn-cs"/>
-                        </a:rPr>
-                        <a:t>이를 </a:t>
-                      </a:r>
-                      <a:r>
-                        <a:rPr lang="en-US" altLang="ko-KR" sz="1600" kern="1200" dirty="0">
-                          <a:solidFill>
-                            <a:schemeClr val="dk1"/>
-                          </a:solidFill>
-                          <a:effectLst/>
-                          <a:latin typeface="+mn-lt"/>
-                          <a:ea typeface="+mn-ea"/>
-                          <a:cs typeface="+mn-cs"/>
-                        </a:rPr>
-                        <a:t>APP</a:t>
-                      </a:r>
-                      <a:r>
-                        <a:rPr lang="ko-KR" altLang="en-US" sz="1600" kern="1200" dirty="0">
-                          <a:solidFill>
-                            <a:schemeClr val="dk1"/>
-                          </a:solidFill>
-                          <a:effectLst/>
-                          <a:latin typeface="+mn-lt"/>
-                          <a:ea typeface="+mn-ea"/>
-                          <a:cs typeface="+mn-cs"/>
-                        </a:rPr>
-                        <a:t>으로 </a:t>
-                      </a:r>
-                      <a:r>
-                        <a:rPr lang="ko-KR" altLang="en-US" sz="1600" kern="1200" dirty="0" err="1">
-                          <a:solidFill>
-                            <a:schemeClr val="dk1"/>
-                          </a:solidFill>
-                          <a:effectLst/>
-                          <a:latin typeface="+mn-lt"/>
-                          <a:ea typeface="+mn-ea"/>
-                          <a:cs typeface="+mn-cs"/>
-                        </a:rPr>
-                        <a:t>시각화하는</a:t>
-                      </a:r>
-                      <a:r>
-                        <a:rPr lang="ko-KR" altLang="en-US" sz="1600" kern="1200" dirty="0">
-                          <a:solidFill>
-                            <a:schemeClr val="dk1"/>
-                          </a:solidFill>
-                          <a:effectLst/>
-                          <a:latin typeface="+mn-lt"/>
-                          <a:ea typeface="+mn-ea"/>
-                          <a:cs typeface="+mn-cs"/>
-                        </a:rPr>
-                        <a:t> </a:t>
-                      </a:r>
-                      <a:r>
-                        <a:rPr lang="en-US" altLang="ko-KR" sz="1600" kern="1200" dirty="0">
-                          <a:solidFill>
-                            <a:schemeClr val="dk1"/>
-                          </a:solidFill>
-                          <a:effectLst/>
-                          <a:latin typeface="+mn-lt"/>
-                          <a:ea typeface="+mn-ea"/>
-                          <a:cs typeface="+mn-cs"/>
-                        </a:rPr>
-                        <a:t>UI </a:t>
-                      </a:r>
-                      <a:r>
-                        <a:rPr lang="ko-KR" altLang="en-US" sz="1600" kern="1200" dirty="0">
-                          <a:solidFill>
-                            <a:schemeClr val="dk1"/>
-                          </a:solidFill>
-                          <a:effectLst/>
-                          <a:latin typeface="+mn-lt"/>
-                          <a:ea typeface="+mn-ea"/>
-                          <a:cs typeface="+mn-cs"/>
-                        </a:rPr>
-                        <a:t>제작을 제작한다</a:t>
-                      </a:r>
-                      <a:r>
-                        <a:rPr lang="en-US" altLang="ko-KR" sz="1600" kern="1200" dirty="0">
-                          <a:solidFill>
-                            <a:schemeClr val="dk1"/>
-                          </a:solidFill>
-                          <a:effectLst/>
-                          <a:latin typeface="+mn-lt"/>
-                          <a:ea typeface="+mn-ea"/>
-                          <a:cs typeface="+mn-cs"/>
-                        </a:rPr>
-                        <a:t>.</a:t>
-                      </a:r>
-                      <a:endParaRPr lang="ko-KR" altLang="en-US" sz="1600" kern="1200" dirty="0">
-                        <a:solidFill>
-                          <a:schemeClr val="dk1"/>
-                        </a:solidFill>
-                        <a:effectLst/>
-                        <a:latin typeface="+mn-lt"/>
-                        <a:ea typeface="+mn-ea"/>
-                        <a:cs typeface="+mn-cs"/>
-                      </a:endParaRPr>
-                    </a:p>
-                    <a:p>
-                      <a:pPr fontAlgn="base" latinLnBrk="0"/>
-                      <a:r>
-                        <a:rPr lang="en-US" altLang="ko-KR" sz="1600" kern="1200" dirty="0">
-                          <a:solidFill>
-                            <a:schemeClr val="dk1"/>
-                          </a:solidFill>
-                          <a:effectLst/>
-                          <a:latin typeface="+mn-lt"/>
-                          <a:ea typeface="+mn-ea"/>
-                          <a:cs typeface="+mn-cs"/>
-                        </a:rPr>
-                        <a:t>· </a:t>
-                      </a:r>
-                      <a:r>
-                        <a:rPr lang="ko-KR" altLang="en-US" sz="1600" kern="1200" dirty="0">
-                          <a:solidFill>
-                            <a:schemeClr val="dk1"/>
-                          </a:solidFill>
-                          <a:effectLst/>
-                          <a:latin typeface="+mn-lt"/>
-                          <a:ea typeface="+mn-ea"/>
-                          <a:cs typeface="+mn-cs"/>
-                        </a:rPr>
-                        <a:t>받은 공공 </a:t>
-                      </a:r>
-                      <a:r>
-                        <a:rPr lang="en-US" altLang="ko-KR" sz="1600" kern="1200" dirty="0">
-                          <a:solidFill>
-                            <a:schemeClr val="dk1"/>
-                          </a:solidFill>
-                          <a:effectLst/>
-                          <a:latin typeface="+mn-lt"/>
-                          <a:ea typeface="+mn-ea"/>
-                          <a:cs typeface="+mn-cs"/>
-                        </a:rPr>
-                        <a:t>API</a:t>
-                      </a:r>
-                      <a:r>
-                        <a:rPr lang="ko-KR" altLang="en-US" sz="1600" kern="1200" dirty="0">
-                          <a:solidFill>
-                            <a:schemeClr val="dk1"/>
-                          </a:solidFill>
-                          <a:effectLst/>
-                          <a:latin typeface="+mn-lt"/>
-                          <a:ea typeface="+mn-ea"/>
-                          <a:cs typeface="+mn-cs"/>
-                        </a:rPr>
-                        <a:t>와 서버를 통해 구축한 데이터 베이스의 자료를 바탕으로</a:t>
-                      </a:r>
-                      <a:r>
-                        <a:rPr lang="en-US" altLang="ko-KR" sz="1600" kern="1200" dirty="0">
-                          <a:solidFill>
-                            <a:schemeClr val="dk1"/>
-                          </a:solidFill>
-                          <a:effectLst/>
-                          <a:latin typeface="+mn-lt"/>
-                          <a:ea typeface="+mn-ea"/>
-                          <a:cs typeface="+mn-cs"/>
-                        </a:rPr>
-                        <a:t>, </a:t>
-                      </a:r>
-                      <a:r>
-                        <a:rPr lang="ko-KR" altLang="en-US" sz="1600" kern="1200" dirty="0">
-                          <a:solidFill>
-                            <a:schemeClr val="dk1"/>
-                          </a:solidFill>
-                          <a:effectLst/>
-                          <a:latin typeface="+mn-lt"/>
-                          <a:ea typeface="+mn-ea"/>
-                          <a:cs typeface="+mn-cs"/>
-                        </a:rPr>
-                        <a:t>예상 버스 탑승시간을 연산하고</a:t>
-                      </a:r>
-                      <a:r>
-                        <a:rPr lang="en-US" altLang="ko-KR" sz="1600" kern="1200" dirty="0">
-                          <a:solidFill>
-                            <a:schemeClr val="dk1"/>
-                          </a:solidFill>
-                          <a:effectLst/>
-                          <a:latin typeface="+mn-lt"/>
-                          <a:ea typeface="+mn-ea"/>
-                          <a:cs typeface="+mn-cs"/>
-                        </a:rPr>
-                        <a:t>, </a:t>
-                      </a:r>
-                      <a:r>
-                        <a:rPr lang="ko-KR" altLang="en-US" sz="1600" kern="1200" dirty="0">
-                          <a:solidFill>
-                            <a:schemeClr val="dk1"/>
-                          </a:solidFill>
-                          <a:effectLst/>
-                          <a:latin typeface="+mn-lt"/>
-                          <a:ea typeface="+mn-ea"/>
-                          <a:cs typeface="+mn-cs"/>
-                        </a:rPr>
-                        <a:t>더 나아가</a:t>
-                      </a:r>
-                      <a:r>
-                        <a:rPr lang="en-US" altLang="ko-KR" sz="1600" kern="1200" dirty="0">
-                          <a:solidFill>
-                            <a:schemeClr val="dk1"/>
-                          </a:solidFill>
-                          <a:effectLst/>
-                          <a:latin typeface="+mn-lt"/>
-                          <a:ea typeface="+mn-ea"/>
-                          <a:cs typeface="+mn-cs"/>
-                        </a:rPr>
-                        <a:t>, </a:t>
-                      </a:r>
-                      <a:r>
-                        <a:rPr lang="ko-KR" altLang="en-US" sz="1600" kern="1200" dirty="0">
-                          <a:solidFill>
-                            <a:schemeClr val="dk1"/>
-                          </a:solidFill>
-                          <a:effectLst/>
-                          <a:latin typeface="+mn-lt"/>
-                          <a:ea typeface="+mn-ea"/>
-                          <a:cs typeface="+mn-cs"/>
-                        </a:rPr>
-                        <a:t>더 나은 경로 예측을 진행 </a:t>
-                      </a:r>
-                      <a:r>
-                        <a:rPr lang="ko-KR" altLang="en-US" sz="1600" kern="1200" dirty="0" err="1">
-                          <a:solidFill>
-                            <a:schemeClr val="dk1"/>
-                          </a:solidFill>
-                          <a:effectLst/>
-                          <a:latin typeface="+mn-lt"/>
-                          <a:ea typeface="+mn-ea"/>
-                          <a:cs typeface="+mn-cs"/>
-                        </a:rPr>
-                        <a:t>할수</a:t>
-                      </a:r>
-                      <a:r>
-                        <a:rPr lang="ko-KR" altLang="en-US" sz="1600" kern="1200" dirty="0">
-                          <a:solidFill>
-                            <a:schemeClr val="dk1"/>
-                          </a:solidFill>
-                          <a:effectLst/>
-                          <a:latin typeface="+mn-lt"/>
-                          <a:ea typeface="+mn-ea"/>
-                          <a:cs typeface="+mn-cs"/>
-                        </a:rPr>
-                        <a:t> 있도록 돕는다</a:t>
-                      </a:r>
-                      <a:r>
-                        <a:rPr lang="en-US" altLang="ko-KR" sz="1600" kern="1200" dirty="0">
-                          <a:solidFill>
-                            <a:schemeClr val="dk1"/>
-                          </a:solidFill>
-                          <a:effectLst/>
-                          <a:latin typeface="+mn-lt"/>
-                          <a:ea typeface="+mn-ea"/>
-                          <a:cs typeface="+mn-cs"/>
-                        </a:rPr>
-                        <a:t>.</a:t>
-                      </a:r>
-                    </a:p>
-                    <a:p>
-                      <a:pPr fontAlgn="base" latinLnBrk="0"/>
-                      <a:endParaRPr lang="ko-KR" altLang="en-US" sz="1600" kern="1200" dirty="0">
-                        <a:solidFill>
-                          <a:schemeClr val="dk1"/>
-                        </a:solidFill>
-                        <a:effectLst/>
-                        <a:latin typeface="+mn-lt"/>
-                        <a:ea typeface="+mn-ea"/>
-                        <a:cs typeface="+mn-cs"/>
-                      </a:endParaRPr>
-                    </a:p>
-                  </a:txBody>
-                  <a:tcPr anchor="ctr" anchorCtr="1"/>
-                </a:tc>
-                <a:tc>
-                  <a:txBody>
-                    <a:bodyPr/>
-                    <a:lstStyle/>
-                    <a:p>
-                      <a:pPr fontAlgn="ctr" latinLnBrk="0"/>
-                      <a:r>
-                        <a:rPr lang="en-US" altLang="ko-KR" sz="1600" kern="1200" dirty="0">
-                          <a:solidFill>
-                            <a:schemeClr val="dk1"/>
-                          </a:solidFill>
-                          <a:effectLst/>
-                          <a:latin typeface="+mn-lt"/>
-                          <a:ea typeface="+mn-ea"/>
-                          <a:cs typeface="+mn-cs"/>
-                        </a:rPr>
-                        <a:t>Android APP</a:t>
-                      </a:r>
-                    </a:p>
-                    <a:p>
-                      <a:pPr fontAlgn="ctr" latinLnBrk="0"/>
-                      <a:r>
-                        <a:rPr lang="en-US" altLang="ko-KR" sz="1600" kern="1200" dirty="0">
-                          <a:solidFill>
-                            <a:schemeClr val="dk1"/>
-                          </a:solidFill>
-                          <a:effectLst/>
-                          <a:latin typeface="+mn-lt"/>
-                          <a:ea typeface="+mn-ea"/>
-                          <a:cs typeface="+mn-cs"/>
-                        </a:rPr>
-                        <a:t>AWS Lambda</a:t>
-                      </a:r>
-                    </a:p>
-                    <a:p>
-                      <a:pPr fontAlgn="ctr" latinLnBrk="0"/>
-                      <a:r>
-                        <a:rPr lang="en-US" altLang="ko-KR" sz="1600" kern="1200" dirty="0">
-                          <a:solidFill>
-                            <a:schemeClr val="dk1"/>
-                          </a:solidFill>
-                          <a:effectLst/>
-                          <a:latin typeface="+mn-lt"/>
-                          <a:ea typeface="+mn-ea"/>
-                          <a:cs typeface="+mn-cs"/>
-                        </a:rPr>
-                        <a:t>AWS API Gateway</a:t>
-                      </a:r>
-                    </a:p>
-                    <a:p>
-                      <a:pPr fontAlgn="ctr" latinLnBrk="0"/>
-                      <a:r>
-                        <a:rPr lang="en-US" altLang="ko-KR" sz="1600" kern="1200" dirty="0">
-                          <a:solidFill>
-                            <a:schemeClr val="dk1"/>
-                          </a:solidFill>
-                          <a:effectLst/>
-                          <a:latin typeface="+mn-lt"/>
-                          <a:ea typeface="+mn-ea"/>
-                          <a:cs typeface="+mn-cs"/>
-                        </a:rPr>
-                        <a:t>AWS DynamoDB</a:t>
-                      </a:r>
-                    </a:p>
-                  </a:txBody>
-                  <a:tcPr anchor="ctr" anchorCtr="1"/>
-                </a:tc>
-                <a:extLst>
-                  <a:ext uri="{0D108BD9-81ED-4DB2-BD59-A6C34878D82A}">
-                    <a16:rowId xmlns:a16="http://schemas.microsoft.com/office/drawing/2014/main" val="3791320640"/>
+                    <a16:rowId xmlns:a16="http://schemas.microsoft.com/office/drawing/2014/main" val="2497558073"/>
                   </a:ext>
                 </a:extLst>
               </a:tr>
@@ -12535,7 +13021,7 @@
     </p:spTree>
     <p:extLst>
       <p:ext uri="{BB962C8B-B14F-4D97-AF65-F5344CB8AC3E}">
-        <p14:creationId xmlns:p14="http://schemas.microsoft.com/office/powerpoint/2010/main" val="3854097086"/>
+        <p14:creationId xmlns:p14="http://schemas.microsoft.com/office/powerpoint/2010/main" val="2653137195"/>
       </p:ext>
     </p:extLst>
   </p:cSld>

--- a/공학설계 자료/공학설계_중간보고_발표자료.pptx
+++ b/공학설계 자료/공학설계_중간보고_발표자료.pptx
@@ -5,28 +5,30 @@
     <p:sldMasterId id="2147483662" r:id="rId1"/>
   </p:sldMasterIdLst>
   <p:notesMasterIdLst>
-    <p:notesMasterId r:id="rId18"/>
+    <p:notesMasterId r:id="rId20"/>
   </p:notesMasterIdLst>
   <p:handoutMasterIdLst>
-    <p:handoutMasterId r:id="rId19"/>
+    <p:handoutMasterId r:id="rId21"/>
   </p:handoutMasterIdLst>
   <p:sldIdLst>
     <p:sldId id="1286" r:id="rId2"/>
     <p:sldId id="992" r:id="rId3"/>
     <p:sldId id="1402" r:id="rId4"/>
     <p:sldId id="1404" r:id="rId5"/>
-    <p:sldId id="1406" r:id="rId6"/>
-    <p:sldId id="1407" r:id="rId7"/>
-    <p:sldId id="1405" r:id="rId8"/>
-    <p:sldId id="1395" r:id="rId9"/>
-    <p:sldId id="1408" r:id="rId10"/>
-    <p:sldId id="1396" r:id="rId11"/>
-    <p:sldId id="1397" r:id="rId12"/>
-    <p:sldId id="1400" r:id="rId13"/>
-    <p:sldId id="1399" r:id="rId14"/>
-    <p:sldId id="1401" r:id="rId15"/>
-    <p:sldId id="1398" r:id="rId16"/>
-    <p:sldId id="1393" r:id="rId17"/>
+    <p:sldId id="1410" r:id="rId6"/>
+    <p:sldId id="1406" r:id="rId7"/>
+    <p:sldId id="1407" r:id="rId8"/>
+    <p:sldId id="1405" r:id="rId9"/>
+    <p:sldId id="1395" r:id="rId10"/>
+    <p:sldId id="1408" r:id="rId11"/>
+    <p:sldId id="1409" r:id="rId12"/>
+    <p:sldId id="1396" r:id="rId13"/>
+    <p:sldId id="1397" r:id="rId14"/>
+    <p:sldId id="1400" r:id="rId15"/>
+    <p:sldId id="1399" r:id="rId16"/>
+    <p:sldId id="1401" r:id="rId17"/>
+    <p:sldId id="1398" r:id="rId18"/>
+    <p:sldId id="1393" r:id="rId19"/>
   </p:sldIdLst>
   <p:sldSz cx="10561638" cy="7921625"/>
   <p:notesSz cx="6805613" cy="9939338"/>
@@ -134,11 +136,13 @@
             <p14:sldId id="992"/>
             <p14:sldId id="1402"/>
             <p14:sldId id="1404"/>
+            <p14:sldId id="1410"/>
             <p14:sldId id="1406"/>
             <p14:sldId id="1407"/>
             <p14:sldId id="1405"/>
             <p14:sldId id="1395"/>
             <p14:sldId id="1408"/>
+            <p14:sldId id="1409"/>
             <p14:sldId id="1396"/>
             <p14:sldId id="1397"/>
             <p14:sldId id="1400"/>
@@ -2636,6 +2640,952 @@
           <p:cNvPr id="2" name="텍스트 개체 틀 1">
             <a:extLst>
               <a:ext uri="{FF2B5EF4-FFF2-40B4-BE49-F238E27FC236}">
+                <a16:creationId xmlns:a16="http://schemas.microsoft.com/office/drawing/2014/main" id="{C38E4BDE-43C8-46BB-958B-54EB0DE6EAB9}"/>
+              </a:ext>
+            </a:extLst>
+          </p:cNvPr>
+          <p:cNvSpPr>
+            <a:spLocks noGrp="1"/>
+          </p:cNvSpPr>
+          <p:nvPr>
+            <p:ph type="body" sz="quarter" idx="10"/>
+          </p:nvPr>
+        </p:nvSpPr>
+        <p:spPr/>
+        <p:txBody>
+          <a:bodyPr/>
+          <a:lstStyle/>
+          <a:p>
+            <a:r>
+              <a:rPr lang="ko-KR" altLang="en-US" dirty="0"/>
+              <a:t>기존 연구 </a:t>
+            </a:r>
+            <a:r>
+              <a:rPr lang="en-US" altLang="ko-KR" dirty="0"/>
+              <a:t>Survey </a:t>
+            </a:r>
+            <a:r>
+              <a:rPr lang="ko-KR" altLang="en-US" dirty="0"/>
+              <a:t>정리</a:t>
+            </a:r>
+          </a:p>
+        </p:txBody>
+      </p:sp>
+      <p:sp>
+        <p:nvSpPr>
+          <p:cNvPr id="3" name="내용 개체 틀 2">
+            <a:extLst>
+              <a:ext uri="{FF2B5EF4-FFF2-40B4-BE49-F238E27FC236}">
+                <a16:creationId xmlns:a16="http://schemas.microsoft.com/office/drawing/2014/main" id="{FD6293BC-05D8-4B5D-BDAB-2525850ADE99}"/>
+              </a:ext>
+            </a:extLst>
+          </p:cNvPr>
+          <p:cNvSpPr>
+            <a:spLocks noGrp="1"/>
+          </p:cNvSpPr>
+          <p:nvPr>
+            <p:ph sz="quarter" idx="11"/>
+          </p:nvPr>
+        </p:nvSpPr>
+        <p:spPr/>
+        <p:txBody>
+          <a:bodyPr/>
+          <a:lstStyle/>
+          <a:p>
+            <a:r>
+              <a:rPr lang="ko-KR" altLang="en-US" dirty="0">
+                <a:solidFill>
+                  <a:schemeClr val="bg1">
+                    <a:lumMod val="50000"/>
+                  </a:schemeClr>
+                </a:solidFill>
+              </a:rPr>
+              <a:t>현 시간까지</a:t>
+            </a:r>
+            <a:r>
+              <a:rPr lang="en-US" altLang="ko-KR" dirty="0">
+                <a:solidFill>
+                  <a:schemeClr val="bg1">
+                    <a:lumMod val="50000"/>
+                  </a:schemeClr>
+                </a:solidFill>
+              </a:rPr>
+              <a:t>, </a:t>
+            </a:r>
+            <a:r>
+              <a:rPr lang="ko-KR" altLang="en-US" dirty="0">
+                <a:solidFill>
+                  <a:schemeClr val="bg1">
+                    <a:lumMod val="50000"/>
+                  </a:schemeClr>
+                </a:solidFill>
+              </a:rPr>
+              <a:t>본 팀에서 진행하고 있는 공학설계 주제와 유사한 기존 연구 </a:t>
+            </a:r>
+            <a:r>
+              <a:rPr lang="en-US" altLang="ko-KR" dirty="0">
+                <a:solidFill>
+                  <a:schemeClr val="bg1">
+                    <a:lumMod val="50000"/>
+                  </a:schemeClr>
+                </a:solidFill>
+              </a:rPr>
+              <a:t>(</a:t>
+            </a:r>
+            <a:r>
+              <a:rPr lang="ko-KR" altLang="en-US" dirty="0">
+                <a:solidFill>
+                  <a:schemeClr val="bg1">
+                    <a:lumMod val="50000"/>
+                  </a:schemeClr>
+                </a:solidFill>
+              </a:rPr>
+              <a:t>국내외 논문 위주</a:t>
+            </a:r>
+            <a:r>
+              <a:rPr lang="en-US" altLang="ko-KR" dirty="0">
+                <a:solidFill>
+                  <a:schemeClr val="bg1">
+                    <a:lumMod val="50000"/>
+                  </a:schemeClr>
+                </a:solidFill>
+              </a:rPr>
+              <a:t>) survey</a:t>
+            </a:r>
+            <a:r>
+              <a:rPr lang="ko-KR" altLang="en-US" dirty="0">
+                <a:solidFill>
+                  <a:schemeClr val="bg1">
+                    <a:lumMod val="50000"/>
+                  </a:schemeClr>
+                </a:solidFill>
+              </a:rPr>
+              <a:t>한 것과 기존 연구의 핵심 아이디어 정리</a:t>
+            </a:r>
+          </a:p>
+        </p:txBody>
+      </p:sp>
+      <p:graphicFrame>
+        <p:nvGraphicFramePr>
+          <p:cNvPr id="4" name="표 3">
+            <a:extLst>
+              <a:ext uri="{FF2B5EF4-FFF2-40B4-BE49-F238E27FC236}">
+                <a16:creationId xmlns:a16="http://schemas.microsoft.com/office/drawing/2014/main" id="{27261928-ADEE-4F68-AB4C-1D8AAB3B19C8}"/>
+              </a:ext>
+            </a:extLst>
+          </p:cNvPr>
+          <p:cNvGraphicFramePr>
+            <a:graphicFrameLocks noGrp="1"/>
+          </p:cNvGraphicFramePr>
+          <p:nvPr>
+            <p:extLst>
+              <p:ext uri="{D42A27DB-BD31-4B8C-83A1-F6EECF244321}">
+                <p14:modId xmlns:p14="http://schemas.microsoft.com/office/powerpoint/2010/main" val="1403688542"/>
+              </p:ext>
+            </p:extLst>
+          </p:nvPr>
+        </p:nvGraphicFramePr>
+        <p:xfrm>
+          <a:off x="483171" y="2160612"/>
+          <a:ext cx="9537087" cy="4987766"/>
+        </p:xfrm>
+        <a:graphic>
+          <a:graphicData uri="http://schemas.openxmlformats.org/drawingml/2006/table">
+            <a:tbl>
+              <a:tblPr firstRow="1" bandRow="1">
+                <a:tableStyleId>{5C22544A-7EE6-4342-B048-85BDC9FD1C3A}</a:tableStyleId>
+              </a:tblPr>
+              <a:tblGrid>
+                <a:gridCol w="3501504">
+                  <a:extLst>
+                    <a:ext uri="{9D8B030D-6E8A-4147-A177-3AD203B41FA5}">
+                      <a16:colId xmlns:a16="http://schemas.microsoft.com/office/drawing/2014/main" val="1694624849"/>
+                    </a:ext>
+                  </a:extLst>
+                </a:gridCol>
+                <a:gridCol w="6035583">
+                  <a:extLst>
+                    <a:ext uri="{9D8B030D-6E8A-4147-A177-3AD203B41FA5}">
+                      <a16:colId xmlns:a16="http://schemas.microsoft.com/office/drawing/2014/main" val="2599710695"/>
+                    </a:ext>
+                  </a:extLst>
+                </a:gridCol>
+              </a:tblGrid>
+              <a:tr h="520541">
+                <a:tc>
+                  <a:txBody>
+                    <a:bodyPr/>
+                    <a:lstStyle/>
+                    <a:p>
+                      <a:pPr algn="ctr" latinLnBrk="1"/>
+                      <a:r>
+                        <a:rPr lang="ko-KR" altLang="en-US" dirty="0"/>
+                        <a:t>기존 </a:t>
+                      </a:r>
+                      <a:r>
+                        <a:rPr lang="ko-KR" altLang="en-US" dirty="0" err="1"/>
+                        <a:t>연구명</a:t>
+                      </a:r>
+                      <a:endParaRPr lang="ko-KR" altLang="en-US" dirty="0"/>
+                    </a:p>
+                  </a:txBody>
+                  <a:tcPr anchor="ctr" anchorCtr="1"/>
+                </a:tc>
+                <a:tc>
+                  <a:txBody>
+                    <a:bodyPr/>
+                    <a:lstStyle/>
+                    <a:p>
+                      <a:pPr algn="ctr" latinLnBrk="1"/>
+                      <a:r>
+                        <a:rPr lang="ko-KR" altLang="en-US" dirty="0"/>
+                        <a:t>핵심 아이디어</a:t>
+                      </a:r>
+                    </a:p>
+                  </a:txBody>
+                  <a:tcPr anchor="ctr" anchorCtr="1"/>
+                </a:tc>
+                <a:extLst>
+                  <a:ext uri="{0D108BD9-81ED-4DB2-BD59-A6C34878D82A}">
+                    <a16:rowId xmlns:a16="http://schemas.microsoft.com/office/drawing/2014/main" val="2427751579"/>
+                  </a:ext>
+                </a:extLst>
+              </a:tr>
+              <a:tr h="1626686">
+                <a:tc>
+                  <a:txBody>
+                    <a:bodyPr/>
+                    <a:lstStyle/>
+                    <a:p>
+                      <a:pPr latinLnBrk="1"/>
+                      <a:r>
+                        <a:rPr lang="en-US" altLang="ko-KR" dirty="0"/>
+                        <a:t>YOLO v3</a:t>
+                      </a:r>
+                      <a:r>
+                        <a:rPr lang="ko-KR" altLang="en-US" dirty="0"/>
+                        <a:t>와 </a:t>
+                      </a:r>
+                      <a:r>
+                        <a:rPr lang="en-US" altLang="ko-KR" dirty="0"/>
+                        <a:t>CNN</a:t>
+                      </a:r>
+                      <a:r>
+                        <a:rPr lang="ko-KR" altLang="en-US" dirty="0"/>
+                        <a:t>을 사용한</a:t>
+                      </a:r>
+                    </a:p>
+                    <a:p>
+                      <a:pPr latinLnBrk="1"/>
+                      <a:r>
+                        <a:rPr lang="ko-KR" altLang="en-US" dirty="0"/>
+                        <a:t>계량기 숫자 검출 및 인식 방법</a:t>
+                      </a:r>
+                    </a:p>
+                  </a:txBody>
+                  <a:tcPr anchor="ctr" anchorCtr="1"/>
+                </a:tc>
+                <a:tc>
+                  <a:txBody>
+                    <a:bodyPr/>
+                    <a:lstStyle/>
+                    <a:p>
+                      <a:pPr latinLnBrk="1"/>
+                      <a:endParaRPr lang="en-US" altLang="ko-KR" dirty="0"/>
+                    </a:p>
+                    <a:p>
+                      <a:pPr latinLnBrk="1"/>
+                      <a:r>
+                        <a:rPr lang="ko-KR" altLang="en-US" dirty="0"/>
+                        <a:t> 네트워크를 간소화한 </a:t>
+                      </a:r>
+                      <a:r>
+                        <a:rPr lang="en-US" altLang="ko-KR" dirty="0"/>
+                        <a:t>Fast YOLO </a:t>
+                      </a:r>
+                      <a:r>
+                        <a:rPr lang="ko-KR" altLang="en-US" dirty="0"/>
+                        <a:t>구조와 </a:t>
+                      </a:r>
+                      <a:r>
+                        <a:rPr lang="en-US" altLang="ko-KR" dirty="0"/>
+                        <a:t>CR-Net, </a:t>
+                      </a:r>
+                      <a:r>
+                        <a:rPr lang="ko-KR" altLang="en-US" dirty="0"/>
+                        <a:t>다중 작업 학습 </a:t>
+                      </a:r>
+                      <a:r>
+                        <a:rPr lang="en-US" altLang="ko-KR" dirty="0"/>
+                        <a:t>(multitask learning), CRNN(Convolutional Recurrent Neural Network)</a:t>
+                      </a:r>
+                      <a:r>
+                        <a:rPr lang="ko-KR" altLang="en-US" dirty="0"/>
+                        <a:t>을 사용하여 저자들이 제안하는 계량기 데이터 측정 아이디어</a:t>
+                      </a:r>
+                      <a:endParaRPr lang="en-US" altLang="ko-KR" dirty="0"/>
+                    </a:p>
+                    <a:p>
+                      <a:pPr latinLnBrk="1"/>
+                      <a:endParaRPr lang="ko-KR" altLang="en-US" dirty="0"/>
+                    </a:p>
+                  </a:txBody>
+                  <a:tcPr anchor="ctr" anchorCtr="1"/>
+                </a:tc>
+                <a:extLst>
+                  <a:ext uri="{0D108BD9-81ED-4DB2-BD59-A6C34878D82A}">
+                    <a16:rowId xmlns:a16="http://schemas.microsoft.com/office/drawing/2014/main" val="790642607"/>
+                  </a:ext>
+                </a:extLst>
+              </a:tr>
+              <a:tr h="1626686">
+                <a:tc>
+                  <a:txBody>
+                    <a:bodyPr/>
+                    <a:lstStyle/>
+                    <a:p>
+                      <a:pPr latinLnBrk="1"/>
+                      <a:r>
+                        <a:rPr lang="ko-KR" altLang="en-US" dirty="0"/>
+                        <a:t>다중 카메라 환경에서의 </a:t>
+                      </a:r>
+                      <a:r>
+                        <a:rPr lang="en-US" altLang="ko-KR" dirty="0"/>
+                        <a:t>CNN </a:t>
+                      </a:r>
+                      <a:r>
+                        <a:rPr lang="ko-KR" altLang="en-US" dirty="0"/>
+                        <a:t>기반 물체 검출 알고리즘의 속도 향상을 위한 </a:t>
+                      </a:r>
+                      <a:r>
+                        <a:rPr lang="en-US" altLang="ko-KR" dirty="0"/>
+                        <a:t>ROI </a:t>
+                      </a:r>
+                      <a:r>
+                        <a:rPr lang="ko-KR" altLang="en-US" dirty="0"/>
+                        <a:t>추출 및 처리 방법</a:t>
+                      </a:r>
+                    </a:p>
+                  </a:txBody>
+                  <a:tcPr anchor="ctr" anchorCtr="1"/>
+                </a:tc>
+                <a:tc>
+                  <a:txBody>
+                    <a:bodyPr/>
+                    <a:lstStyle/>
+                    <a:p>
+                      <a:pPr latinLnBrk="1"/>
+                      <a:endParaRPr lang="en-US" altLang="ko-KR" dirty="0"/>
+                    </a:p>
+                    <a:p>
+                      <a:pPr latinLnBrk="1"/>
+                      <a:r>
+                        <a:rPr lang="ko-KR" altLang="en-US" dirty="0"/>
+                        <a:t> 먼저</a:t>
+                      </a:r>
+                      <a:r>
+                        <a:rPr lang="en-US" altLang="ko-KR" dirty="0"/>
+                        <a:t>, </a:t>
+                      </a:r>
+                      <a:r>
+                        <a:rPr lang="ko-KR" altLang="en-US" dirty="0"/>
+                        <a:t>새로운 가볍고</a:t>
+                      </a:r>
+                      <a:r>
+                        <a:rPr lang="en-US" altLang="ko-KR" dirty="0"/>
+                        <a:t>, </a:t>
+                      </a:r>
+                      <a:r>
+                        <a:rPr lang="ko-KR" altLang="en-US" dirty="0"/>
+                        <a:t>작은 크기의 보행자도</a:t>
+                      </a:r>
+                    </a:p>
+                    <a:p>
+                      <a:pPr latinLnBrk="1"/>
+                      <a:r>
+                        <a:rPr lang="ko-KR" altLang="en-US" dirty="0"/>
+                        <a:t>검출할 수 있는 </a:t>
+                      </a:r>
+                      <a:r>
+                        <a:rPr lang="en-US" altLang="ko-KR" dirty="0"/>
+                        <a:t>CNN(Convolutional Neural Network) </a:t>
+                      </a:r>
+                      <a:r>
+                        <a:rPr lang="ko-KR" altLang="en-US" dirty="0"/>
+                        <a:t>기반 다중 보행자 검출기를 고안</a:t>
+                      </a:r>
+                      <a:r>
+                        <a:rPr lang="en-US" altLang="ko-KR" dirty="0"/>
+                        <a:t>.</a:t>
+                      </a:r>
+                    </a:p>
+                    <a:p>
+                      <a:pPr latinLnBrk="1"/>
+                      <a:r>
+                        <a:rPr lang="en-US" altLang="ko-KR" dirty="0"/>
+                        <a:t> </a:t>
+                      </a:r>
+                      <a:r>
+                        <a:rPr lang="ko-KR" altLang="en-US" dirty="0"/>
+                        <a:t>이 고안된 보행자 검출기는 경량 이미지 분류기인 </a:t>
+                      </a:r>
+                      <a:r>
+                        <a:rPr lang="en-US" altLang="ko-KR" dirty="0" err="1"/>
+                        <a:t>MobileNet</a:t>
+                      </a:r>
+                      <a:r>
+                        <a:rPr lang="en-US" altLang="ko-KR" dirty="0"/>
+                        <a:t> </a:t>
+                      </a:r>
+                      <a:r>
+                        <a:rPr lang="ko-KR" altLang="en-US" dirty="0"/>
+                        <a:t>의 기반 위에 작은 크기의</a:t>
+                      </a:r>
+                      <a:r>
+                        <a:rPr lang="en-US" altLang="ko-KR" dirty="0"/>
+                        <a:t>; </a:t>
+                      </a:r>
+                      <a:r>
+                        <a:rPr lang="ko-KR" altLang="en-US" dirty="0"/>
+                        <a:t>보행자도 검출 할 수 있도록 </a:t>
+                      </a:r>
+                      <a:r>
+                        <a:rPr lang="en-US" altLang="ko-KR" dirty="0"/>
+                        <a:t>2 </a:t>
+                      </a:r>
+                      <a:r>
+                        <a:rPr lang="ko-KR" altLang="en-US" dirty="0"/>
+                        <a:t>중 패스 구조로 설계</a:t>
+                      </a:r>
+                      <a:endParaRPr lang="en-US" altLang="ko-KR" dirty="0"/>
+                    </a:p>
+                    <a:p>
+                      <a:pPr latinLnBrk="1"/>
+                      <a:r>
+                        <a:rPr lang="en-US" altLang="ko-KR" dirty="0"/>
+                        <a:t> </a:t>
+                      </a:r>
+                      <a:r>
+                        <a:rPr lang="ko-KR" altLang="en-US" dirty="0" err="1"/>
+                        <a:t>다크넷을</a:t>
+                      </a:r>
+                      <a:r>
+                        <a:rPr lang="ko-KR" altLang="en-US" dirty="0"/>
+                        <a:t> 이용한 </a:t>
+                      </a:r>
+                      <a:r>
+                        <a:rPr lang="en-US" altLang="ko-KR" dirty="0"/>
+                        <a:t>yolo</a:t>
+                      </a:r>
+                      <a:r>
+                        <a:rPr lang="ko-KR" altLang="en-US" dirty="0"/>
+                        <a:t>와 흡사한 이용구성으로 </a:t>
+                      </a:r>
+                      <a:r>
+                        <a:rPr lang="ko-KR" altLang="en-US" dirty="0" err="1"/>
+                        <a:t>느껴짐</a:t>
+                      </a:r>
+                      <a:endParaRPr lang="en-US" altLang="ko-KR" dirty="0"/>
+                    </a:p>
+                    <a:p>
+                      <a:pPr latinLnBrk="1"/>
+                      <a:endParaRPr lang="ko-KR" altLang="en-US" dirty="0"/>
+                    </a:p>
+                  </a:txBody>
+                  <a:tcPr anchor="ctr" anchorCtr="1"/>
+                </a:tc>
+                <a:extLst>
+                  <a:ext uri="{0D108BD9-81ED-4DB2-BD59-A6C34878D82A}">
+                    <a16:rowId xmlns:a16="http://schemas.microsoft.com/office/drawing/2014/main" val="2497558073"/>
+                  </a:ext>
+                </a:extLst>
+              </a:tr>
+            </a:tbl>
+          </a:graphicData>
+        </a:graphic>
+      </p:graphicFrame>
+    </p:spTree>
+    <p:extLst>
+      <p:ext uri="{BB962C8B-B14F-4D97-AF65-F5344CB8AC3E}">
+        <p14:creationId xmlns:p14="http://schemas.microsoft.com/office/powerpoint/2010/main" val="2653137195"/>
+      </p:ext>
+    </p:extLst>
+  </p:cSld>
+  <p:clrMapOvr>
+    <a:masterClrMapping/>
+  </p:clrMapOvr>
+</p:sld>
+</file>
+
+<file path=ppt/slides/slide11.xml><?xml version="1.0" encoding="utf-8"?>
+<p:sld xmlns:a="http://schemas.openxmlformats.org/drawingml/2006/main" xmlns:r="http://schemas.openxmlformats.org/officeDocument/2006/relationships" xmlns:p="http://schemas.openxmlformats.org/presentationml/2006/main">
+  <p:cSld>
+    <p:spTree>
+      <p:nvGrpSpPr>
+        <p:cNvPr id="1" name=""/>
+        <p:cNvGrpSpPr/>
+        <p:nvPr/>
+      </p:nvGrpSpPr>
+      <p:grpSpPr>
+        <a:xfrm>
+          <a:off x="0" y="0"/>
+          <a:ext cx="0" cy="0"/>
+          <a:chOff x="0" y="0"/>
+          <a:chExt cx="0" cy="0"/>
+        </a:xfrm>
+      </p:grpSpPr>
+      <p:sp>
+        <p:nvSpPr>
+          <p:cNvPr id="2" name="텍스트 개체 틀 1">
+            <a:extLst>
+              <a:ext uri="{FF2B5EF4-FFF2-40B4-BE49-F238E27FC236}">
+                <a16:creationId xmlns:a16="http://schemas.microsoft.com/office/drawing/2014/main" id="{C38E4BDE-43C8-46BB-958B-54EB0DE6EAB9}"/>
+              </a:ext>
+            </a:extLst>
+          </p:cNvPr>
+          <p:cNvSpPr>
+            <a:spLocks noGrp="1"/>
+          </p:cNvSpPr>
+          <p:nvPr>
+            <p:ph type="body" sz="quarter" idx="10"/>
+          </p:nvPr>
+        </p:nvSpPr>
+        <p:spPr/>
+        <p:txBody>
+          <a:bodyPr/>
+          <a:lstStyle/>
+          <a:p>
+            <a:r>
+              <a:rPr lang="ko-KR" altLang="en-US" dirty="0"/>
+              <a:t>기존 연구 </a:t>
+            </a:r>
+            <a:r>
+              <a:rPr lang="en-US" altLang="ko-KR" dirty="0"/>
+              <a:t>Survey </a:t>
+            </a:r>
+            <a:r>
+              <a:rPr lang="ko-KR" altLang="en-US" dirty="0"/>
+              <a:t>정리</a:t>
+            </a:r>
+          </a:p>
+        </p:txBody>
+      </p:sp>
+      <p:sp>
+        <p:nvSpPr>
+          <p:cNvPr id="3" name="내용 개체 틀 2">
+            <a:extLst>
+              <a:ext uri="{FF2B5EF4-FFF2-40B4-BE49-F238E27FC236}">
+                <a16:creationId xmlns:a16="http://schemas.microsoft.com/office/drawing/2014/main" id="{FD6293BC-05D8-4B5D-BDAB-2525850ADE99}"/>
+              </a:ext>
+            </a:extLst>
+          </p:cNvPr>
+          <p:cNvSpPr>
+            <a:spLocks noGrp="1"/>
+          </p:cNvSpPr>
+          <p:nvPr>
+            <p:ph sz="quarter" idx="11"/>
+          </p:nvPr>
+        </p:nvSpPr>
+        <p:spPr/>
+        <p:txBody>
+          <a:bodyPr/>
+          <a:lstStyle/>
+          <a:p>
+            <a:r>
+              <a:rPr lang="ko-KR" altLang="en-US" dirty="0">
+                <a:solidFill>
+                  <a:schemeClr val="bg1">
+                    <a:lumMod val="50000"/>
+                  </a:schemeClr>
+                </a:solidFill>
+              </a:rPr>
+              <a:t>현 시간까지</a:t>
+            </a:r>
+            <a:r>
+              <a:rPr lang="en-US" altLang="ko-KR" dirty="0">
+                <a:solidFill>
+                  <a:schemeClr val="bg1">
+                    <a:lumMod val="50000"/>
+                  </a:schemeClr>
+                </a:solidFill>
+              </a:rPr>
+              <a:t>, </a:t>
+            </a:r>
+            <a:r>
+              <a:rPr lang="ko-KR" altLang="en-US" dirty="0">
+                <a:solidFill>
+                  <a:schemeClr val="bg1">
+                    <a:lumMod val="50000"/>
+                  </a:schemeClr>
+                </a:solidFill>
+              </a:rPr>
+              <a:t>본 팀에서 진행하고 있는 공학설계 주제와 유사한 기존 연구 </a:t>
+            </a:r>
+            <a:r>
+              <a:rPr lang="en-US" altLang="ko-KR" dirty="0">
+                <a:solidFill>
+                  <a:schemeClr val="bg1">
+                    <a:lumMod val="50000"/>
+                  </a:schemeClr>
+                </a:solidFill>
+              </a:rPr>
+              <a:t>(</a:t>
+            </a:r>
+            <a:r>
+              <a:rPr lang="ko-KR" altLang="en-US" dirty="0">
+                <a:solidFill>
+                  <a:schemeClr val="bg1">
+                    <a:lumMod val="50000"/>
+                  </a:schemeClr>
+                </a:solidFill>
+              </a:rPr>
+              <a:t>국내외 논문 위주</a:t>
+            </a:r>
+            <a:r>
+              <a:rPr lang="en-US" altLang="ko-KR" dirty="0">
+                <a:solidFill>
+                  <a:schemeClr val="bg1">
+                    <a:lumMod val="50000"/>
+                  </a:schemeClr>
+                </a:solidFill>
+              </a:rPr>
+              <a:t>) survey</a:t>
+            </a:r>
+            <a:r>
+              <a:rPr lang="ko-KR" altLang="en-US" dirty="0">
+                <a:solidFill>
+                  <a:schemeClr val="bg1">
+                    <a:lumMod val="50000"/>
+                  </a:schemeClr>
+                </a:solidFill>
+              </a:rPr>
+              <a:t>한 것과 기존 연구의 핵심 아이디어 정리</a:t>
+            </a:r>
+          </a:p>
+        </p:txBody>
+      </p:sp>
+      <p:graphicFrame>
+        <p:nvGraphicFramePr>
+          <p:cNvPr id="4" name="표 3">
+            <a:extLst>
+              <a:ext uri="{FF2B5EF4-FFF2-40B4-BE49-F238E27FC236}">
+                <a16:creationId xmlns:a16="http://schemas.microsoft.com/office/drawing/2014/main" id="{27261928-ADEE-4F68-AB4C-1D8AAB3B19C8}"/>
+              </a:ext>
+            </a:extLst>
+          </p:cNvPr>
+          <p:cNvGraphicFramePr>
+            <a:graphicFrameLocks noGrp="1"/>
+          </p:cNvGraphicFramePr>
+          <p:nvPr>
+            <p:extLst>
+              <p:ext uri="{D42A27DB-BD31-4B8C-83A1-F6EECF244321}">
+                <p14:modId xmlns:p14="http://schemas.microsoft.com/office/powerpoint/2010/main" val="43450684"/>
+              </p:ext>
+            </p:extLst>
+          </p:nvPr>
+        </p:nvGraphicFramePr>
+        <p:xfrm>
+          <a:off x="541611" y="1927784"/>
+          <a:ext cx="9537087" cy="5273389"/>
+        </p:xfrm>
+        <a:graphic>
+          <a:graphicData uri="http://schemas.openxmlformats.org/drawingml/2006/table">
+            <a:tbl>
+              <a:tblPr firstRow="1" bandRow="1">
+                <a:tableStyleId>{5C22544A-7EE6-4342-B048-85BDC9FD1C3A}</a:tableStyleId>
+              </a:tblPr>
+              <a:tblGrid>
+                <a:gridCol w="3443064">
+                  <a:extLst>
+                    <a:ext uri="{9D8B030D-6E8A-4147-A177-3AD203B41FA5}">
+                      <a16:colId xmlns:a16="http://schemas.microsoft.com/office/drawing/2014/main" val="1694624849"/>
+                    </a:ext>
+                  </a:extLst>
+                </a:gridCol>
+                <a:gridCol w="6094023">
+                  <a:extLst>
+                    <a:ext uri="{9D8B030D-6E8A-4147-A177-3AD203B41FA5}">
+                      <a16:colId xmlns:a16="http://schemas.microsoft.com/office/drawing/2014/main" val="2599710695"/>
+                    </a:ext>
+                  </a:extLst>
+                </a:gridCol>
+              </a:tblGrid>
+              <a:tr h="520541">
+                <a:tc>
+                  <a:txBody>
+                    <a:bodyPr/>
+                    <a:lstStyle/>
+                    <a:p>
+                      <a:pPr algn="ctr" latinLnBrk="1"/>
+                      <a:r>
+                        <a:rPr lang="ko-KR" altLang="en-US" dirty="0"/>
+                        <a:t>기존 </a:t>
+                      </a:r>
+                      <a:r>
+                        <a:rPr lang="ko-KR" altLang="en-US" dirty="0" err="1"/>
+                        <a:t>연구명</a:t>
+                      </a:r>
+                      <a:endParaRPr lang="ko-KR" altLang="en-US" dirty="0"/>
+                    </a:p>
+                  </a:txBody>
+                  <a:tcPr anchor="ctr" anchorCtr="1"/>
+                </a:tc>
+                <a:tc>
+                  <a:txBody>
+                    <a:bodyPr/>
+                    <a:lstStyle/>
+                    <a:p>
+                      <a:pPr algn="ctr" latinLnBrk="1"/>
+                      <a:r>
+                        <a:rPr lang="ko-KR" altLang="en-US" dirty="0"/>
+                        <a:t>핵심 아이디어</a:t>
+                      </a:r>
+                    </a:p>
+                  </a:txBody>
+                  <a:tcPr anchor="ctr" anchorCtr="1"/>
+                </a:tc>
+                <a:extLst>
+                  <a:ext uri="{0D108BD9-81ED-4DB2-BD59-A6C34878D82A}">
+                    <a16:rowId xmlns:a16="http://schemas.microsoft.com/office/drawing/2014/main" val="2427751579"/>
+                  </a:ext>
+                </a:extLst>
+              </a:tr>
+              <a:tr h="1626686">
+                <a:tc>
+                  <a:txBody>
+                    <a:bodyPr/>
+                    <a:lstStyle/>
+                    <a:p>
+                      <a:pPr latinLnBrk="1"/>
+                      <a:r>
+                        <a:rPr lang="ko-KR" altLang="en-US" dirty="0"/>
+                        <a:t>딥러닝 기반 기상 악화 대응 보행자 검출 시스템 설계 및 구현</a:t>
+                      </a:r>
+                    </a:p>
+                  </a:txBody>
+                  <a:tcPr anchor="ctr" anchorCtr="1"/>
+                </a:tc>
+                <a:tc>
+                  <a:txBody>
+                    <a:bodyPr/>
+                    <a:lstStyle/>
+                    <a:p>
+                      <a:pPr latinLnBrk="1"/>
+                      <a:endParaRPr lang="en-US" altLang="ko-KR" dirty="0"/>
+                    </a:p>
+                    <a:p>
+                      <a:pPr latinLnBrk="1"/>
+                      <a:r>
+                        <a:rPr lang="en-US" altLang="ko-KR" dirty="0"/>
+                        <a:t> CNN</a:t>
+                      </a:r>
+                      <a:r>
+                        <a:rPr lang="ko-KR" altLang="en-US" dirty="0"/>
+                        <a:t>의 구조를 개선하여 응답시간은 줄이고 </a:t>
+                      </a:r>
+                      <a:r>
+                        <a:rPr lang="ko-KR" altLang="en-US" dirty="0" err="1"/>
+                        <a:t>검출률을</a:t>
+                      </a:r>
+                      <a:r>
+                        <a:rPr lang="ko-KR" altLang="en-US" dirty="0"/>
+                        <a:t> 높이는 시스템을 제안 한다</a:t>
+                      </a:r>
+                      <a:r>
+                        <a:rPr lang="en-US" altLang="ko-KR" dirty="0"/>
+                        <a:t>.</a:t>
+                      </a:r>
+                    </a:p>
+                    <a:p>
+                      <a:pPr latinLnBrk="1"/>
+                      <a:r>
+                        <a:rPr lang="ko-KR" altLang="en-US" dirty="0"/>
+                        <a:t> 노이즈로 인해 인식률이 떨어지는 상황에 대비하여 원본 영상에서 일정 영역에 대한 </a:t>
+                      </a:r>
+                      <a:r>
+                        <a:rPr lang="en-US" altLang="ko-KR" dirty="0"/>
+                        <a:t>DCP </a:t>
+                      </a:r>
+                      <a:r>
+                        <a:rPr lang="ko-KR" altLang="en-US" dirty="0"/>
+                        <a:t>알고리즘을 이용하여 대기광을 산출하고 각 화소에 따른 빛의 </a:t>
+                      </a:r>
+                      <a:r>
+                        <a:rPr lang="ko-KR" altLang="en-US" dirty="0" err="1"/>
+                        <a:t>전달량을</a:t>
+                      </a:r>
+                      <a:r>
+                        <a:rPr lang="ko-KR" altLang="en-US" dirty="0"/>
+                        <a:t> 보정하여 딥러닝 학습을 시킴으로써 기상 악화 시에도</a:t>
+                      </a:r>
+                    </a:p>
+                    <a:p>
+                      <a:pPr latinLnBrk="1"/>
+                      <a:r>
+                        <a:rPr lang="ko-KR" altLang="en-US" dirty="0" err="1"/>
+                        <a:t>미검출률을</a:t>
+                      </a:r>
+                      <a:r>
+                        <a:rPr lang="ko-KR" altLang="en-US" dirty="0"/>
+                        <a:t> 낮춘다</a:t>
+                      </a:r>
+                      <a:r>
+                        <a:rPr lang="en-US" altLang="ko-KR" dirty="0"/>
+                        <a:t>.</a:t>
+                      </a:r>
+                    </a:p>
+                    <a:p>
+                      <a:pPr latinLnBrk="1"/>
+                      <a:r>
+                        <a:rPr lang="ko-KR" altLang="en-US" dirty="0"/>
+                        <a:t> </a:t>
+                      </a:r>
+                    </a:p>
+                  </a:txBody>
+                  <a:tcPr anchor="ctr" anchorCtr="1"/>
+                </a:tc>
+                <a:extLst>
+                  <a:ext uri="{0D108BD9-81ED-4DB2-BD59-A6C34878D82A}">
+                    <a16:rowId xmlns:a16="http://schemas.microsoft.com/office/drawing/2014/main" val="790642607"/>
+                  </a:ext>
+                </a:extLst>
+              </a:tr>
+              <a:tr h="1626686">
+                <a:tc>
+                  <a:txBody>
+                    <a:bodyPr/>
+                    <a:lstStyle/>
+                    <a:p>
+                      <a:pPr latinLnBrk="1"/>
+                      <a:r>
+                        <a:rPr lang="en-US" altLang="ko-KR" dirty="0"/>
+                        <a:t>DNN </a:t>
+                      </a:r>
+                      <a:r>
+                        <a:rPr lang="ko-KR" altLang="en-US" dirty="0"/>
+                        <a:t>기반 실시간 보행자 추적</a:t>
+                      </a:r>
+                    </a:p>
+                  </a:txBody>
+                  <a:tcPr anchor="ctr" anchorCtr="1"/>
+                </a:tc>
+                <a:tc>
+                  <a:txBody>
+                    <a:bodyPr/>
+                    <a:lstStyle/>
+                    <a:p>
+                      <a:pPr latinLnBrk="1"/>
+                      <a:endParaRPr lang="en-US" altLang="ko-KR" dirty="0"/>
+                    </a:p>
+                    <a:p>
+                      <a:pPr latinLnBrk="1"/>
+                      <a:r>
+                        <a:rPr lang="ko-KR" altLang="en-US" dirty="0"/>
+                        <a:t> </a:t>
+                      </a:r>
+                      <a:r>
+                        <a:rPr lang="en-US" altLang="ko-KR" dirty="0"/>
+                        <a:t>CNN</a:t>
+                      </a:r>
+                      <a:r>
+                        <a:rPr lang="ko-KR" altLang="en-US" dirty="0"/>
+                        <a:t>기반 물체 검출 알고리즘의 속도를 향상시키기</a:t>
+                      </a:r>
+                    </a:p>
+                    <a:p>
+                      <a:pPr latinLnBrk="1"/>
+                      <a:r>
+                        <a:rPr lang="ko-KR" altLang="en-US" dirty="0"/>
+                        <a:t>위한 새로운 방법을 제안한다</a:t>
+                      </a:r>
+                      <a:r>
+                        <a:rPr lang="en-US" altLang="ko-KR" dirty="0"/>
+                        <a:t>.</a:t>
+                      </a:r>
+                    </a:p>
+                    <a:p>
+                      <a:pPr latinLnBrk="1"/>
+                      <a:r>
+                        <a:rPr lang="en-US" altLang="ko-KR" dirty="0"/>
+                        <a:t> </a:t>
+                      </a:r>
+                      <a:r>
+                        <a:rPr lang="ko-KR" altLang="en-US" dirty="0"/>
+                        <a:t>카메라에서 전달되는 영상에서 </a:t>
+                      </a:r>
+                      <a:r>
+                        <a:rPr lang="en-US" altLang="ko-KR" dirty="0"/>
+                        <a:t>ROI</a:t>
+                      </a:r>
+                      <a:r>
+                        <a:rPr lang="ko-KR" altLang="en-US" dirty="0"/>
+                        <a:t>를 추출한 뒤 이를 기존 </a:t>
+                      </a:r>
+                      <a:r>
+                        <a:rPr lang="en-US" altLang="ko-KR" dirty="0"/>
+                        <a:t>CNN </a:t>
+                      </a:r>
+                      <a:r>
+                        <a:rPr lang="ko-KR" altLang="en-US" dirty="0"/>
+                        <a:t>기반 물체 알고리즘의 입력으로 전달하여 처리하는 방법을 제공한다</a:t>
+                      </a:r>
+                      <a:r>
+                        <a:rPr lang="en-US" altLang="ko-KR" dirty="0"/>
+                        <a:t>.</a:t>
+                      </a:r>
+                    </a:p>
+                    <a:p>
+                      <a:pPr latinLnBrk="1"/>
+                      <a:endParaRPr lang="ko-KR" altLang="en-US" dirty="0"/>
+                    </a:p>
+                  </a:txBody>
+                  <a:tcPr anchor="ctr" anchorCtr="1"/>
+                </a:tc>
+                <a:extLst>
+                  <a:ext uri="{0D108BD9-81ED-4DB2-BD59-A6C34878D82A}">
+                    <a16:rowId xmlns:a16="http://schemas.microsoft.com/office/drawing/2014/main" val="2497558073"/>
+                  </a:ext>
+                </a:extLst>
+              </a:tr>
+            </a:tbl>
+          </a:graphicData>
+        </a:graphic>
+      </p:graphicFrame>
+    </p:spTree>
+    <p:extLst>
+      <p:ext uri="{BB962C8B-B14F-4D97-AF65-F5344CB8AC3E}">
+        <p14:creationId xmlns:p14="http://schemas.microsoft.com/office/powerpoint/2010/main" val="3447551292"/>
+      </p:ext>
+    </p:extLst>
+  </p:cSld>
+  <p:clrMapOvr>
+    <a:masterClrMapping/>
+  </p:clrMapOvr>
+</p:sld>
+</file>
+
+<file path=ppt/slides/slide12.xml><?xml version="1.0" encoding="utf-8"?>
+<p:sld xmlns:a="http://schemas.openxmlformats.org/drawingml/2006/main" xmlns:r="http://schemas.openxmlformats.org/officeDocument/2006/relationships" xmlns:p="http://schemas.openxmlformats.org/presentationml/2006/main">
+  <p:cSld>
+    <p:spTree>
+      <p:nvGrpSpPr>
+        <p:cNvPr id="1" name=""/>
+        <p:cNvGrpSpPr/>
+        <p:nvPr/>
+      </p:nvGrpSpPr>
+      <p:grpSpPr>
+        <a:xfrm>
+          <a:off x="0" y="0"/>
+          <a:ext cx="0" cy="0"/>
+          <a:chOff x="0" y="0"/>
+          <a:chExt cx="0" cy="0"/>
+        </a:xfrm>
+      </p:grpSpPr>
+      <p:sp>
+        <p:nvSpPr>
+          <p:cNvPr id="2" name="텍스트 개체 틀 1">
+            <a:extLst>
+              <a:ext uri="{FF2B5EF4-FFF2-40B4-BE49-F238E27FC236}">
                 <a16:creationId xmlns:a16="http://schemas.microsoft.com/office/drawing/2014/main" id="{11CE8BD6-EDE0-4ABA-ABF0-7DAD957F7539}"/>
               </a:ext>
             </a:extLst>
@@ -4026,7 +4976,7 @@
 </p:sld>
 </file>
 
-<file path=ppt/slides/slide11.xml><?xml version="1.0" encoding="utf-8"?>
+<file path=ppt/slides/slide13.xml><?xml version="1.0" encoding="utf-8"?>
 <p:sld xmlns:a="http://schemas.openxmlformats.org/drawingml/2006/main" xmlns:r="http://schemas.openxmlformats.org/officeDocument/2006/relationships" xmlns:p="http://schemas.openxmlformats.org/presentationml/2006/main">
   <p:cSld>
     <p:spTree>
@@ -4104,12 +5054,1057 @@
             <p:ph sz="quarter" idx="11"/>
           </p:nvPr>
         </p:nvSpPr>
-        <p:spPr/>
+        <p:spPr>
+          <a:xfrm>
+            <a:off x="240259" y="868536"/>
+            <a:ext cx="6552727" cy="6552728"/>
+          </a:xfrm>
+        </p:spPr>
         <p:txBody>
-          <a:bodyPr/>
+          <a:bodyPr>
+            <a:noAutofit/>
+          </a:bodyPr>
           <a:lstStyle/>
           <a:p>
-            <a:endParaRPr lang="ko-KR" altLang="en-US"/>
+            <a:pPr lvl="0"/>
+            <a:endParaRPr lang="en-US" altLang="ko-KR" sz="1300" dirty="0">
+              <a:solidFill>
+                <a:prstClr val="black"/>
+              </a:solidFill>
+            </a:endParaRPr>
+          </a:p>
+          <a:p>
+            <a:pPr lvl="0"/>
+            <a:r>
+              <a:rPr lang="en-US" altLang="ko-KR" sz="1300" dirty="0" err="1">
+                <a:solidFill>
+                  <a:prstClr val="black"/>
+                </a:solidFill>
+              </a:rPr>
+              <a:t>found_filtered.append</a:t>
+            </a:r>
+            <a:r>
+              <a:rPr lang="en-US" altLang="ko-KR" sz="1300" dirty="0">
+                <a:solidFill>
+                  <a:prstClr val="black"/>
+                </a:solidFill>
+              </a:rPr>
+              <a:t>(r)</a:t>
+            </a:r>
+          </a:p>
+          <a:p>
+            <a:pPr lvl="0"/>
+            <a:r>
+              <a:rPr lang="en-US" altLang="ko-KR" sz="1300" dirty="0">
+                <a:solidFill>
+                  <a:prstClr val="black"/>
+                </a:solidFill>
+              </a:rPr>
+              <a:t>            line = </a:t>
+            </a:r>
+            <a:r>
+              <a:rPr lang="en-US" altLang="ko-KR" sz="1300" dirty="0" err="1">
+                <a:solidFill>
+                  <a:prstClr val="black"/>
+                </a:solidFill>
+              </a:rPr>
+              <a:t>draw_detections</a:t>
+            </a:r>
+            <a:r>
+              <a:rPr lang="en-US" altLang="ko-KR" sz="1300" dirty="0">
+                <a:solidFill>
+                  <a:prstClr val="black"/>
+                </a:solidFill>
+              </a:rPr>
+              <a:t>(</a:t>
+            </a:r>
+            <a:r>
+              <a:rPr lang="en-US" altLang="ko-KR" sz="1300" dirty="0" err="1">
+                <a:solidFill>
+                  <a:prstClr val="black"/>
+                </a:solidFill>
+              </a:rPr>
+              <a:t>img</a:t>
+            </a:r>
+            <a:r>
+              <a:rPr lang="en-US" altLang="ko-KR" sz="1300" dirty="0">
+                <a:solidFill>
+                  <a:prstClr val="black"/>
+                </a:solidFill>
+              </a:rPr>
+              <a:t>, found)</a:t>
+            </a:r>
+          </a:p>
+          <a:p>
+            <a:pPr lvl="0"/>
+            <a:r>
+              <a:rPr lang="en-US" altLang="ko-KR" sz="1300" dirty="0">
+                <a:solidFill>
+                  <a:prstClr val="black"/>
+                </a:solidFill>
+              </a:rPr>
+              <a:t>            </a:t>
+            </a:r>
+            <a:r>
+              <a:rPr lang="en-US" altLang="ko-KR" sz="1300" dirty="0" err="1">
+                <a:solidFill>
+                  <a:prstClr val="black"/>
+                </a:solidFill>
+              </a:rPr>
+              <a:t>draw_detections</a:t>
+            </a:r>
+            <a:r>
+              <a:rPr lang="en-US" altLang="ko-KR" sz="1300" dirty="0">
+                <a:solidFill>
+                  <a:prstClr val="black"/>
+                </a:solidFill>
+              </a:rPr>
+              <a:t>(</a:t>
+            </a:r>
+            <a:r>
+              <a:rPr lang="en-US" altLang="ko-KR" sz="1300" dirty="0" err="1">
+                <a:solidFill>
+                  <a:prstClr val="black"/>
+                </a:solidFill>
+              </a:rPr>
+              <a:t>img</a:t>
+            </a:r>
+            <a:r>
+              <a:rPr lang="en-US" altLang="ko-KR" sz="1300" dirty="0">
+                <a:solidFill>
+                  <a:prstClr val="black"/>
+                </a:solidFill>
+              </a:rPr>
+              <a:t>, </a:t>
+            </a:r>
+            <a:r>
+              <a:rPr lang="en-US" altLang="ko-KR" sz="1300" dirty="0" err="1">
+                <a:solidFill>
+                  <a:prstClr val="black"/>
+                </a:solidFill>
+              </a:rPr>
+              <a:t>found_filtered</a:t>
+            </a:r>
+            <a:r>
+              <a:rPr lang="en-US" altLang="ko-KR" sz="1300" dirty="0">
+                <a:solidFill>
+                  <a:prstClr val="black"/>
+                </a:solidFill>
+              </a:rPr>
+              <a:t>, 3)</a:t>
+            </a:r>
+          </a:p>
+          <a:p>
+            <a:pPr lvl="0"/>
+            <a:r>
+              <a:rPr lang="en-US" altLang="ko-KR" sz="1300" dirty="0">
+                <a:solidFill>
+                  <a:prstClr val="black"/>
+                </a:solidFill>
+              </a:rPr>
+              <a:t>            if line == None:</a:t>
+            </a:r>
+          </a:p>
+          <a:p>
+            <a:pPr lvl="0"/>
+            <a:r>
+              <a:rPr lang="en-US" altLang="ko-KR" sz="1300" dirty="0">
+                <a:solidFill>
+                  <a:prstClr val="black"/>
+                </a:solidFill>
+              </a:rPr>
+              <a:t>                line = []</a:t>
+            </a:r>
+          </a:p>
+          <a:p>
+            <a:pPr lvl="0"/>
+            <a:r>
+              <a:rPr lang="en-US" altLang="ko-KR" sz="1300" dirty="0">
+                <a:solidFill>
+                  <a:prstClr val="black"/>
+                </a:solidFill>
+              </a:rPr>
+              <a:t>            </a:t>
+            </a:r>
+          </a:p>
+          <a:p>
+            <a:pPr lvl="0"/>
+            <a:r>
+              <a:rPr lang="en-US" altLang="ko-KR" sz="1300" dirty="0">
+                <a:solidFill>
+                  <a:prstClr val="black"/>
+                </a:solidFill>
+              </a:rPr>
+              <a:t>            print("</a:t>
+            </a:r>
+            <a:r>
+              <a:rPr lang="ko-KR" altLang="en-US" sz="1300" dirty="0">
+                <a:solidFill>
+                  <a:prstClr val="black"/>
+                </a:solidFill>
+              </a:rPr>
+              <a:t>줄을 서고있는 인원</a:t>
+            </a:r>
+            <a:r>
+              <a:rPr lang="en-US" altLang="ko-KR" sz="1300" dirty="0">
+                <a:solidFill>
+                  <a:prstClr val="black"/>
+                </a:solidFill>
+              </a:rPr>
+              <a:t>:",</a:t>
+            </a:r>
+            <a:r>
+              <a:rPr lang="en-US" altLang="ko-KR" sz="1300" dirty="0" err="1">
+                <a:solidFill>
+                  <a:prstClr val="black"/>
+                </a:solidFill>
+              </a:rPr>
+              <a:t>len</a:t>
+            </a:r>
+            <a:r>
+              <a:rPr lang="en-US" altLang="ko-KR" sz="1300" dirty="0">
+                <a:solidFill>
+                  <a:prstClr val="black"/>
+                </a:solidFill>
+              </a:rPr>
+              <a:t>(line))</a:t>
+            </a:r>
+          </a:p>
+          <a:p>
+            <a:pPr lvl="0"/>
+            <a:r>
+              <a:rPr lang="en-US" altLang="ko-KR" sz="1300" dirty="0">
+                <a:solidFill>
+                  <a:prstClr val="black"/>
+                </a:solidFill>
+              </a:rPr>
+              <a:t>	</a:t>
+            </a:r>
+            <a:r>
+              <a:rPr lang="en-US" altLang="ko-KR" sz="1300" dirty="0" err="1">
+                <a:solidFill>
+                  <a:prstClr val="black"/>
+                </a:solidFill>
+              </a:rPr>
+              <a:t>nowtime</a:t>
+            </a:r>
+            <a:r>
+              <a:rPr lang="en-US" altLang="ko-KR" sz="1300" dirty="0">
+                <a:solidFill>
+                  <a:prstClr val="black"/>
+                </a:solidFill>
+              </a:rPr>
+              <a:t> = </a:t>
+            </a:r>
+            <a:r>
+              <a:rPr lang="en-US" altLang="ko-KR" sz="1300" dirty="0" err="1">
+                <a:solidFill>
+                  <a:prstClr val="black"/>
+                </a:solidFill>
+              </a:rPr>
+              <a:t>datetime.datetime.now</a:t>
+            </a:r>
+            <a:r>
+              <a:rPr lang="en-US" altLang="ko-KR" sz="1300" dirty="0">
+                <a:solidFill>
+                  <a:prstClr val="black"/>
+                </a:solidFill>
+              </a:rPr>
+              <a:t>()</a:t>
+            </a:r>
+          </a:p>
+          <a:p>
+            <a:pPr lvl="0"/>
+            <a:r>
+              <a:rPr lang="en-US" altLang="ko-KR" sz="1300" dirty="0">
+                <a:solidFill>
+                  <a:prstClr val="black"/>
+                </a:solidFill>
+              </a:rPr>
+              <a:t>            print(</a:t>
+            </a:r>
+            <a:r>
+              <a:rPr lang="en-US" altLang="ko-KR" sz="1300" dirty="0" err="1">
+                <a:solidFill>
+                  <a:prstClr val="black"/>
+                </a:solidFill>
+              </a:rPr>
+              <a:t>nowtime</a:t>
+            </a:r>
+            <a:r>
+              <a:rPr lang="en-US" altLang="ko-KR" sz="1300" dirty="0">
+                <a:solidFill>
+                  <a:prstClr val="black"/>
+                </a:solidFill>
+              </a:rPr>
+              <a:t>)</a:t>
+            </a:r>
+          </a:p>
+          <a:p>
+            <a:pPr lvl="0"/>
+            <a:r>
+              <a:rPr lang="en-US" altLang="ko-KR" sz="1300" dirty="0">
+                <a:solidFill>
+                  <a:prstClr val="black"/>
+                </a:solidFill>
+              </a:rPr>
+              <a:t>            #</a:t>
+            </a:r>
+            <a:r>
+              <a:rPr lang="ko-KR" altLang="en-US" sz="1300" dirty="0">
+                <a:solidFill>
+                  <a:prstClr val="black"/>
+                </a:solidFill>
+              </a:rPr>
+              <a:t>현재 시간 출력</a:t>
+            </a:r>
+          </a:p>
+          <a:p>
+            <a:pPr lvl="0"/>
+            <a:r>
+              <a:rPr lang="ko-KR" altLang="en-US" sz="1300" dirty="0">
+                <a:solidFill>
+                  <a:prstClr val="black"/>
+                </a:solidFill>
+              </a:rPr>
+              <a:t>   </a:t>
+            </a:r>
+            <a:r>
+              <a:rPr lang="en-US" altLang="ko-KR" sz="1300" dirty="0">
+                <a:solidFill>
+                  <a:prstClr val="black"/>
+                </a:solidFill>
+              </a:rPr>
+              <a:t>   </a:t>
+            </a:r>
+            <a:r>
+              <a:rPr lang="ko-KR" altLang="en-US" sz="1300" dirty="0">
+                <a:solidFill>
+                  <a:prstClr val="black"/>
+                </a:solidFill>
+              </a:rPr>
+              <a:t>     </a:t>
+            </a:r>
+            <a:r>
+              <a:rPr lang="en-US" altLang="ko-KR" sz="1300" dirty="0" err="1">
+                <a:solidFill>
+                  <a:prstClr val="black"/>
+                </a:solidFill>
+              </a:rPr>
+              <a:t>img</a:t>
+            </a:r>
+            <a:r>
+              <a:rPr lang="en-US" altLang="ko-KR" sz="1300" dirty="0">
+                <a:solidFill>
+                  <a:prstClr val="black"/>
+                </a:solidFill>
+              </a:rPr>
+              <a:t> = </a:t>
+            </a:r>
+            <a:r>
+              <a:rPr lang="en-US" altLang="ko-KR" sz="1300" dirty="0" err="1">
+                <a:solidFill>
+                  <a:prstClr val="black"/>
+                </a:solidFill>
+              </a:rPr>
+              <a:t>cv.resize</a:t>
+            </a:r>
+            <a:r>
+              <a:rPr lang="en-US" altLang="ko-KR" sz="1300" dirty="0">
+                <a:solidFill>
+                  <a:prstClr val="black"/>
+                </a:solidFill>
+              </a:rPr>
+              <a:t>(</a:t>
+            </a:r>
+            <a:r>
+              <a:rPr lang="en-US" altLang="ko-KR" sz="1300" dirty="0" err="1">
+                <a:solidFill>
+                  <a:prstClr val="black"/>
+                </a:solidFill>
+              </a:rPr>
+              <a:t>img</a:t>
+            </a:r>
+            <a:r>
+              <a:rPr lang="en-US" altLang="ko-KR" sz="1300" dirty="0">
+                <a:solidFill>
+                  <a:prstClr val="black"/>
+                </a:solidFill>
+              </a:rPr>
+              <a:t>,(900,500))</a:t>
+            </a:r>
+          </a:p>
+          <a:p>
+            <a:pPr lvl="0"/>
+            <a:r>
+              <a:rPr lang="en-US" altLang="ko-KR" sz="1300" dirty="0">
+                <a:solidFill>
+                  <a:prstClr val="black"/>
+                </a:solidFill>
+              </a:rPr>
+              <a:t>           </a:t>
+            </a:r>
+            <a:r>
+              <a:rPr lang="en-US" altLang="ko-KR" sz="1300" dirty="0" err="1">
+                <a:solidFill>
+                  <a:prstClr val="black"/>
+                </a:solidFill>
+              </a:rPr>
+              <a:t>cv.imshow</a:t>
+            </a:r>
+            <a:r>
+              <a:rPr lang="en-US" altLang="ko-KR" sz="1300" dirty="0">
+                <a:solidFill>
+                  <a:prstClr val="black"/>
+                </a:solidFill>
+              </a:rPr>
+              <a:t>('frame', </a:t>
+            </a:r>
+            <a:r>
+              <a:rPr lang="en-US" altLang="ko-KR" sz="1300" dirty="0" err="1">
+                <a:solidFill>
+                  <a:prstClr val="black"/>
+                </a:solidFill>
+              </a:rPr>
+              <a:t>img</a:t>
+            </a:r>
+            <a:r>
+              <a:rPr lang="en-US" altLang="ko-KR" sz="1300" dirty="0">
+                <a:solidFill>
+                  <a:prstClr val="black"/>
+                </a:solidFill>
+              </a:rPr>
+              <a:t>)</a:t>
+            </a:r>
+          </a:p>
+          <a:p>
+            <a:pPr lvl="0"/>
+            <a:r>
+              <a:rPr lang="en-US" altLang="ko-KR" sz="1300" dirty="0">
+                <a:solidFill>
+                  <a:prstClr val="black"/>
+                </a:solidFill>
+              </a:rPr>
+              <a:t>           </a:t>
+            </a:r>
+            <a:r>
+              <a:rPr lang="ko-KR" altLang="en-US" sz="1300" dirty="0">
+                <a:solidFill>
+                  <a:prstClr val="black"/>
+                </a:solidFill>
+                <a:latin typeface="+mj-ea"/>
+              </a:rPr>
+              <a:t>현재 시간 파악하여</a:t>
+            </a:r>
+            <a:r>
+              <a:rPr lang="en-US" altLang="ko-KR" sz="1300" dirty="0">
+                <a:solidFill>
+                  <a:prstClr val="black"/>
+                </a:solidFill>
+                <a:latin typeface="+mj-ea"/>
+              </a:rPr>
+              <a:t>, </a:t>
+            </a:r>
+            <a:r>
+              <a:rPr lang="ko-KR" altLang="en-US" sz="1300" dirty="0">
+                <a:solidFill>
+                  <a:prstClr val="black"/>
+                </a:solidFill>
+                <a:latin typeface="+mj-ea"/>
+              </a:rPr>
+              <a:t>줄을 서고있는 인원과 동시에</a:t>
+            </a:r>
+            <a:r>
+              <a:rPr lang="en-US" altLang="ko-KR" sz="1300" dirty="0">
+                <a:solidFill>
+                  <a:prstClr val="black"/>
+                </a:solidFill>
+                <a:latin typeface="+mj-ea"/>
+              </a:rPr>
+              <a:t>, </a:t>
+            </a:r>
+            <a:r>
+              <a:rPr lang="ko-KR" altLang="en-US" sz="1300" dirty="0">
+                <a:solidFill>
+                  <a:prstClr val="black"/>
+                </a:solidFill>
+                <a:latin typeface="+mj-ea"/>
+              </a:rPr>
+              <a:t>이를 출력한다</a:t>
+            </a:r>
+            <a:r>
+              <a:rPr lang="en-US" altLang="ko-KR" sz="1300" dirty="0">
+                <a:solidFill>
+                  <a:prstClr val="black"/>
+                </a:solidFill>
+                <a:latin typeface="+mj-ea"/>
+              </a:rPr>
+              <a:t>.</a:t>
+            </a:r>
+            <a:endParaRPr lang="en-US" altLang="ko-KR" sz="1300" dirty="0">
+              <a:solidFill>
+                <a:prstClr val="black"/>
+              </a:solidFill>
+            </a:endParaRPr>
+          </a:p>
+          <a:p>
+            <a:pPr lvl="0"/>
+            <a:r>
+              <a:rPr lang="en-US" altLang="ko-KR" sz="1300" dirty="0">
+                <a:solidFill>
+                  <a:prstClr val="black"/>
+                </a:solidFill>
+              </a:rPr>
+              <a:t>           </a:t>
+            </a:r>
+            <a:r>
+              <a:rPr lang="en-US" altLang="ko-KR" sz="1300" dirty="0" err="1">
+                <a:solidFill>
+                  <a:prstClr val="black"/>
+                </a:solidFill>
+              </a:rPr>
+              <a:t>ch</a:t>
+            </a:r>
+            <a:r>
+              <a:rPr lang="en-US" altLang="ko-KR" sz="1300" dirty="0">
+                <a:solidFill>
+                  <a:prstClr val="black"/>
+                </a:solidFill>
+              </a:rPr>
+              <a:t> = </a:t>
+            </a:r>
+            <a:r>
+              <a:rPr lang="en-US" altLang="ko-KR" sz="1300" dirty="0" err="1">
+                <a:solidFill>
+                  <a:prstClr val="black"/>
+                </a:solidFill>
+              </a:rPr>
+              <a:t>cv.waitKey</a:t>
+            </a:r>
+            <a:r>
+              <a:rPr lang="en-US" altLang="ko-KR" sz="1300" dirty="0">
+                <a:solidFill>
+                  <a:prstClr val="black"/>
+                </a:solidFill>
+              </a:rPr>
+              <a:t>(30)&amp; 0xff</a:t>
+            </a:r>
+          </a:p>
+          <a:p>
+            <a:pPr lvl="0"/>
+            <a:r>
+              <a:rPr lang="en-US" altLang="ko-KR" sz="1300" dirty="0">
+                <a:solidFill>
+                  <a:prstClr val="black"/>
+                </a:solidFill>
+              </a:rPr>
+              <a:t>           if </a:t>
+            </a:r>
+            <a:r>
+              <a:rPr lang="en-US" altLang="ko-KR" sz="1300" dirty="0" err="1">
+                <a:solidFill>
+                  <a:prstClr val="black"/>
+                </a:solidFill>
+              </a:rPr>
+              <a:t>ch</a:t>
+            </a:r>
+            <a:r>
+              <a:rPr lang="en-US" altLang="ko-KR" sz="1300" dirty="0">
+                <a:solidFill>
+                  <a:prstClr val="black"/>
+                </a:solidFill>
+              </a:rPr>
+              <a:t> == 27:</a:t>
+            </a:r>
+          </a:p>
+          <a:p>
+            <a:pPr lvl="0"/>
+            <a:r>
+              <a:rPr lang="en-US" altLang="ko-KR" sz="1300" dirty="0">
+                <a:solidFill>
+                  <a:prstClr val="black"/>
+                </a:solidFill>
+              </a:rPr>
+              <a:t>           		print('Done')</a:t>
+            </a:r>
+          </a:p>
+          <a:p>
+            <a:pPr lvl="0"/>
+            <a:r>
+              <a:rPr lang="en-US" altLang="ko-KR" sz="1300" dirty="0">
+                <a:solidFill>
+                  <a:prstClr val="black"/>
+                </a:solidFill>
+              </a:rPr>
+              <a:t>            	 break</a:t>
+            </a:r>
+          </a:p>
+          <a:p>
+            <a:pPr lvl="0"/>
+            <a:endParaRPr lang="en-US" altLang="ko-KR" sz="1300" dirty="0">
+              <a:solidFill>
+                <a:prstClr val="black"/>
+              </a:solidFill>
+            </a:endParaRPr>
+          </a:p>
+          <a:p>
+            <a:pPr lvl="0"/>
+            <a:r>
+              <a:rPr lang="en-US" altLang="ko-KR" sz="1300" dirty="0">
+                <a:solidFill>
+                  <a:prstClr val="black"/>
+                </a:solidFill>
+              </a:rPr>
+              <a:t>	</a:t>
+            </a:r>
+            <a:endParaRPr lang="ko-KR" altLang="en-US" sz="1300" dirty="0"/>
+          </a:p>
+        </p:txBody>
+      </p:sp>
+      <p:sp>
+        <p:nvSpPr>
+          <p:cNvPr id="4" name="직사각형 3">
+            <a:extLst>
+              <a:ext uri="{FF2B5EF4-FFF2-40B4-BE49-F238E27FC236}">
+                <a16:creationId xmlns:a16="http://schemas.microsoft.com/office/drawing/2014/main" id="{058B5E8E-3070-44DC-9219-144B57141CEB}"/>
+              </a:ext>
+            </a:extLst>
+          </p:cNvPr>
+          <p:cNvSpPr/>
+          <p:nvPr/>
+        </p:nvSpPr>
+        <p:spPr>
+          <a:xfrm>
+            <a:off x="4293645" y="2664668"/>
+            <a:ext cx="6048672" cy="2308324"/>
+          </a:xfrm>
+          <a:prstGeom prst="rect">
+            <a:avLst/>
+          </a:prstGeom>
+        </p:spPr>
+        <p:txBody>
+          <a:bodyPr wrap="square">
+            <a:spAutoFit/>
+          </a:bodyPr>
+          <a:lstStyle/>
+          <a:p>
+            <a:pPr lvl="0"/>
+            <a:r>
+              <a:rPr lang="en-US" altLang="ko-KR" b="1" dirty="0">
+                <a:solidFill>
+                  <a:prstClr val="black"/>
+                </a:solidFill>
+              </a:rPr>
+              <a:t> </a:t>
+            </a:r>
+            <a:r>
+              <a:rPr lang="ko-KR" altLang="en-US" b="1" dirty="0">
+                <a:solidFill>
+                  <a:prstClr val="black"/>
+                </a:solidFill>
+                <a:latin typeface="+mj-ea"/>
+              </a:rPr>
+              <a:t>앞서 코드에서</a:t>
+            </a:r>
+            <a:r>
+              <a:rPr lang="en-US" altLang="ko-KR" b="1" dirty="0">
+                <a:solidFill>
+                  <a:prstClr val="black"/>
+                </a:solidFill>
+                <a:latin typeface="+mj-ea"/>
+              </a:rPr>
+              <a:t>, 30</a:t>
+            </a:r>
+            <a:r>
+              <a:rPr lang="ko-KR" altLang="en-US" b="1" dirty="0">
+                <a:solidFill>
+                  <a:prstClr val="black"/>
+                </a:solidFill>
+                <a:latin typeface="+mj-ea"/>
+              </a:rPr>
+              <a:t>프레임에 한번씩 영상을 검사하여</a:t>
+            </a:r>
+            <a:r>
+              <a:rPr lang="en-US" altLang="ko-KR" b="1" dirty="0">
+                <a:solidFill>
+                  <a:prstClr val="black"/>
+                </a:solidFill>
+                <a:latin typeface="+mj-ea"/>
+              </a:rPr>
+              <a:t>,</a:t>
+            </a:r>
+          </a:p>
+          <a:p>
+            <a:pPr lvl="0"/>
+            <a:r>
+              <a:rPr lang="en-US" altLang="ko-KR" b="1" dirty="0">
+                <a:solidFill>
+                  <a:prstClr val="black"/>
+                </a:solidFill>
+                <a:latin typeface="+mj-ea"/>
+              </a:rPr>
+              <a:t> </a:t>
+            </a:r>
+            <a:r>
+              <a:rPr lang="ko-KR" altLang="en-US" b="1" dirty="0">
+                <a:solidFill>
+                  <a:prstClr val="black"/>
+                </a:solidFill>
+                <a:latin typeface="+mj-ea"/>
+              </a:rPr>
+              <a:t>버스정류장의 대기인원을 파악한다고 하였다</a:t>
+            </a:r>
+            <a:r>
+              <a:rPr lang="en-US" altLang="ko-KR" b="1" dirty="0">
+                <a:solidFill>
+                  <a:prstClr val="black"/>
+                </a:solidFill>
+                <a:latin typeface="+mj-ea"/>
+              </a:rPr>
+              <a:t>.</a:t>
+            </a:r>
+          </a:p>
+          <a:p>
+            <a:pPr lvl="0"/>
+            <a:r>
+              <a:rPr lang="en-US" altLang="ko-KR" b="1" dirty="0">
+                <a:solidFill>
+                  <a:prstClr val="black"/>
+                </a:solidFill>
+                <a:latin typeface="+mj-ea"/>
+              </a:rPr>
+              <a:t> </a:t>
+            </a:r>
+            <a:r>
+              <a:rPr lang="ko-KR" altLang="en-US" b="1" dirty="0">
+                <a:solidFill>
+                  <a:prstClr val="black"/>
+                </a:solidFill>
+                <a:latin typeface="+mj-ea"/>
+              </a:rPr>
+              <a:t>이는 보통</a:t>
+            </a:r>
+            <a:r>
+              <a:rPr lang="en-US" altLang="ko-KR" b="1" dirty="0">
+                <a:solidFill>
+                  <a:prstClr val="black"/>
+                </a:solidFill>
+                <a:latin typeface="+mj-ea"/>
+              </a:rPr>
+              <a:t>, 1</a:t>
+            </a:r>
+            <a:r>
+              <a:rPr lang="ko-KR" altLang="en-US" b="1" dirty="0">
+                <a:solidFill>
+                  <a:prstClr val="black"/>
+                </a:solidFill>
+                <a:latin typeface="+mj-ea"/>
+              </a:rPr>
+              <a:t>초에 </a:t>
+            </a:r>
+            <a:r>
+              <a:rPr lang="en-US" altLang="ko-KR" b="1" dirty="0">
+                <a:solidFill>
+                  <a:prstClr val="black"/>
+                </a:solidFill>
+                <a:latin typeface="+mj-ea"/>
+              </a:rPr>
+              <a:t>30</a:t>
+            </a:r>
+            <a:r>
+              <a:rPr lang="ko-KR" altLang="en-US" b="1" dirty="0">
+                <a:solidFill>
+                  <a:prstClr val="black"/>
+                </a:solidFill>
+                <a:latin typeface="+mj-ea"/>
+              </a:rPr>
+              <a:t>프레임으로 영상이 진행됨을</a:t>
+            </a:r>
+            <a:endParaRPr lang="en-US" altLang="ko-KR" b="1" dirty="0">
+              <a:solidFill>
+                <a:prstClr val="black"/>
+              </a:solidFill>
+              <a:latin typeface="+mj-ea"/>
+            </a:endParaRPr>
+          </a:p>
+          <a:p>
+            <a:pPr lvl="0"/>
+            <a:r>
+              <a:rPr lang="ko-KR" altLang="en-US" b="1" dirty="0">
+                <a:solidFill>
+                  <a:prstClr val="black"/>
+                </a:solidFill>
+                <a:latin typeface="+mj-ea"/>
+              </a:rPr>
+              <a:t> </a:t>
+            </a:r>
+            <a:r>
+              <a:rPr lang="ko-KR" altLang="en-US" b="1" dirty="0" err="1">
+                <a:solidFill>
+                  <a:prstClr val="black"/>
+                </a:solidFill>
+                <a:latin typeface="+mj-ea"/>
+              </a:rPr>
+              <a:t>확인할때</a:t>
+            </a:r>
+            <a:r>
+              <a:rPr lang="en-US" altLang="ko-KR" b="1" dirty="0">
+                <a:solidFill>
+                  <a:prstClr val="black"/>
+                </a:solidFill>
+                <a:latin typeface="+mj-ea"/>
+              </a:rPr>
+              <a:t>, </a:t>
+            </a:r>
+            <a:r>
+              <a:rPr lang="ko-KR" altLang="en-US" b="1" dirty="0">
+                <a:solidFill>
+                  <a:prstClr val="black"/>
+                </a:solidFill>
+                <a:latin typeface="+mj-ea"/>
+              </a:rPr>
+              <a:t>꽤나 빈번한 검사임을 상기해본다면</a:t>
+            </a:r>
+            <a:r>
+              <a:rPr lang="en-US" altLang="ko-KR" b="1" dirty="0">
+                <a:solidFill>
+                  <a:prstClr val="black"/>
+                </a:solidFill>
+                <a:latin typeface="+mj-ea"/>
+              </a:rPr>
+              <a:t>,</a:t>
+            </a:r>
+          </a:p>
+          <a:p>
+            <a:pPr lvl="0"/>
+            <a:endParaRPr lang="en-US" altLang="ko-KR" b="1" dirty="0">
+              <a:solidFill>
+                <a:prstClr val="black"/>
+              </a:solidFill>
+              <a:latin typeface="+mj-ea"/>
+            </a:endParaRPr>
+          </a:p>
+          <a:p>
+            <a:pPr lvl="0"/>
+            <a:r>
+              <a:rPr lang="en-US" altLang="ko-KR" b="1" dirty="0">
+                <a:solidFill>
+                  <a:prstClr val="black"/>
+                </a:solidFill>
+                <a:latin typeface="+mj-ea"/>
+              </a:rPr>
+              <a:t> </a:t>
+            </a:r>
+            <a:r>
+              <a:rPr lang="ko-KR" altLang="en-US" b="1" dirty="0">
+                <a:solidFill>
+                  <a:prstClr val="black"/>
+                </a:solidFill>
+                <a:latin typeface="+mj-ea"/>
+              </a:rPr>
+              <a:t>실제 </a:t>
+            </a:r>
+            <a:r>
+              <a:rPr lang="ko-KR" altLang="en-US" b="1" dirty="0" err="1">
+                <a:solidFill>
+                  <a:prstClr val="black"/>
+                </a:solidFill>
+                <a:latin typeface="+mj-ea"/>
+              </a:rPr>
+              <a:t>라즈베리파이를</a:t>
+            </a:r>
+            <a:r>
+              <a:rPr lang="ko-KR" altLang="en-US" b="1" dirty="0">
+                <a:solidFill>
+                  <a:prstClr val="black"/>
+                </a:solidFill>
+                <a:latin typeface="+mj-ea"/>
+              </a:rPr>
+              <a:t> 통해 검사하는</a:t>
+            </a:r>
+            <a:r>
+              <a:rPr lang="en-US" altLang="ko-KR" b="1" dirty="0">
+                <a:solidFill>
+                  <a:prstClr val="black"/>
+                </a:solidFill>
+                <a:latin typeface="+mj-ea"/>
+              </a:rPr>
+              <a:t> </a:t>
+            </a:r>
+            <a:r>
+              <a:rPr lang="ko-KR" altLang="en-US" b="1" dirty="0">
+                <a:solidFill>
+                  <a:prstClr val="black"/>
+                </a:solidFill>
+                <a:latin typeface="+mj-ea"/>
+              </a:rPr>
+              <a:t>경우에는</a:t>
+            </a:r>
+            <a:endParaRPr lang="en-US" altLang="ko-KR" b="1" dirty="0">
+              <a:solidFill>
+                <a:prstClr val="black"/>
+              </a:solidFill>
+              <a:latin typeface="+mj-ea"/>
+            </a:endParaRPr>
+          </a:p>
+          <a:p>
+            <a:pPr lvl="0"/>
+            <a:r>
+              <a:rPr lang="ko-KR" altLang="en-US" b="1" dirty="0">
+                <a:solidFill>
+                  <a:prstClr val="black"/>
+                </a:solidFill>
+                <a:latin typeface="+mj-ea"/>
+              </a:rPr>
+              <a:t> </a:t>
+            </a:r>
+            <a:r>
+              <a:rPr lang="en-US" altLang="ko-KR" b="1" dirty="0">
+                <a:solidFill>
+                  <a:prstClr val="black"/>
+                </a:solidFill>
+                <a:latin typeface="+mj-ea"/>
+              </a:rPr>
+              <a:t>30</a:t>
+            </a:r>
+            <a:r>
+              <a:rPr lang="ko-KR" altLang="en-US" b="1" dirty="0">
+                <a:solidFill>
+                  <a:prstClr val="black"/>
+                </a:solidFill>
+                <a:latin typeface="+mj-ea"/>
+              </a:rPr>
+              <a:t>초의 한번 또는 </a:t>
+            </a:r>
+            <a:r>
+              <a:rPr lang="en-US" altLang="ko-KR" b="1" dirty="0">
+                <a:solidFill>
+                  <a:prstClr val="black"/>
+                </a:solidFill>
+                <a:latin typeface="+mj-ea"/>
+              </a:rPr>
+              <a:t>60</a:t>
+            </a:r>
+            <a:r>
+              <a:rPr lang="ko-KR" altLang="en-US" b="1" dirty="0">
+                <a:solidFill>
+                  <a:prstClr val="black"/>
+                </a:solidFill>
+                <a:latin typeface="+mj-ea"/>
+              </a:rPr>
+              <a:t>초에 한번정도로 검사를 진행하여</a:t>
+            </a:r>
+            <a:r>
+              <a:rPr lang="en-US" altLang="ko-KR" b="1" dirty="0">
+                <a:solidFill>
+                  <a:prstClr val="black"/>
+                </a:solidFill>
+                <a:latin typeface="+mj-ea"/>
+              </a:rPr>
+              <a:t>,</a:t>
+            </a:r>
+          </a:p>
+          <a:p>
+            <a:pPr lvl="0"/>
+            <a:r>
+              <a:rPr lang="en-US" altLang="ko-KR" b="1" dirty="0">
+                <a:solidFill>
+                  <a:prstClr val="black"/>
+                </a:solidFill>
+                <a:latin typeface="+mj-ea"/>
+              </a:rPr>
+              <a:t> </a:t>
+            </a:r>
+            <a:r>
+              <a:rPr lang="ko-KR" altLang="en-US" b="1" dirty="0" err="1">
+                <a:solidFill>
+                  <a:prstClr val="black"/>
+                </a:solidFill>
+                <a:latin typeface="+mj-ea"/>
+              </a:rPr>
+              <a:t>라즈베리파이의</a:t>
+            </a:r>
+            <a:r>
+              <a:rPr lang="ko-KR" altLang="en-US" b="1" dirty="0">
+                <a:solidFill>
+                  <a:prstClr val="black"/>
+                </a:solidFill>
+                <a:latin typeface="+mj-ea"/>
+              </a:rPr>
+              <a:t> 오버를 </a:t>
+            </a:r>
+            <a:r>
+              <a:rPr lang="ko-KR" altLang="en-US" b="1" dirty="0" err="1">
+                <a:solidFill>
+                  <a:prstClr val="black"/>
+                </a:solidFill>
+                <a:latin typeface="+mj-ea"/>
+              </a:rPr>
+              <a:t>방지하려한다</a:t>
+            </a:r>
+            <a:r>
+              <a:rPr lang="en-US" altLang="ko-KR" b="1" dirty="0">
+                <a:solidFill>
+                  <a:prstClr val="black"/>
+                </a:solidFill>
+                <a:latin typeface="+mj-ea"/>
+              </a:rPr>
+              <a:t>. </a:t>
+            </a:r>
+            <a:endParaRPr lang="en-US" altLang="ko-KR" b="1" dirty="0">
+              <a:solidFill>
+                <a:prstClr val="black"/>
+              </a:solidFill>
+            </a:endParaRPr>
+          </a:p>
+        </p:txBody>
+      </p:sp>
+      <p:sp>
+        <p:nvSpPr>
+          <p:cNvPr id="5" name="TextBox 4">
+            <a:extLst>
+              <a:ext uri="{FF2B5EF4-FFF2-40B4-BE49-F238E27FC236}">
+                <a16:creationId xmlns:a16="http://schemas.microsoft.com/office/drawing/2014/main" id="{506C928F-5D76-4172-BE6F-1361569FE8E3}"/>
+              </a:ext>
+            </a:extLst>
+          </p:cNvPr>
+          <p:cNvSpPr txBox="1"/>
+          <p:nvPr/>
+        </p:nvSpPr>
+        <p:spPr>
+          <a:xfrm>
+            <a:off x="410917" y="868536"/>
+            <a:ext cx="1872208" cy="369332"/>
+          </a:xfrm>
+          <a:prstGeom prst="rect">
+            <a:avLst/>
+          </a:prstGeom>
+          <a:noFill/>
+        </p:spPr>
+        <p:txBody>
+          <a:bodyPr wrap="square" rtlCol="0">
+            <a:spAutoFit/>
+          </a:bodyPr>
+          <a:lstStyle/>
+          <a:p>
+            <a:r>
+              <a:rPr lang="ko-KR" altLang="en-US" b="1" dirty="0">
+                <a:latin typeface="+mj-lt"/>
+              </a:rPr>
+              <a:t>하드웨어</a:t>
+            </a:r>
+            <a:r>
+              <a:rPr lang="en-US" altLang="ko-KR" b="1" dirty="0">
+                <a:latin typeface="+mj-lt"/>
+              </a:rPr>
+              <a:t> </a:t>
+            </a:r>
+            <a:r>
+              <a:rPr lang="ko-KR" altLang="en-US" b="1" dirty="0">
+                <a:latin typeface="+mj-lt"/>
+              </a:rPr>
+              <a:t>부분 </a:t>
+            </a:r>
           </a:p>
         </p:txBody>
       </p:sp>
@@ -4126,7 +6121,7 @@
 </p:sld>
 </file>
 
-<file path=ppt/slides/slide12.xml><?xml version="1.0" encoding="utf-8"?>
+<file path=ppt/slides/slide14.xml><?xml version="1.0" encoding="utf-8"?>
 <p:sld xmlns:a="http://schemas.openxmlformats.org/drawingml/2006/main" xmlns:r="http://schemas.openxmlformats.org/officeDocument/2006/relationships" xmlns:p="http://schemas.openxmlformats.org/presentationml/2006/main">
   <p:cSld>
     <p:spTree>
@@ -4317,7 +6312,7 @@
 </p:sld>
 </file>
 
-<file path=ppt/slides/slide13.xml><?xml version="1.0" encoding="utf-8"?>
+<file path=ppt/slides/slide15.xml><?xml version="1.0" encoding="utf-8"?>
 <p:sld xmlns:a="http://schemas.openxmlformats.org/drawingml/2006/main" xmlns:r="http://schemas.openxmlformats.org/officeDocument/2006/relationships" xmlns:p="http://schemas.openxmlformats.org/presentationml/2006/main">
   <p:cSld>
     <p:spTree>
@@ -4619,7 +6614,7 @@
 </p:sld>
 </file>
 
-<file path=ppt/slides/slide14.xml><?xml version="1.0" encoding="utf-8"?>
+<file path=ppt/slides/slide16.xml><?xml version="1.0" encoding="utf-8"?>
 <p:sld xmlns:a="http://schemas.openxmlformats.org/drawingml/2006/main" xmlns:r="http://schemas.openxmlformats.org/officeDocument/2006/relationships" xmlns:p="http://schemas.openxmlformats.org/presentationml/2006/main">
   <p:cSld>
     <p:spTree>
@@ -4887,7 +6882,7 @@
 </p:sld>
 </file>
 
-<file path=ppt/slides/slide15.xml><?xml version="1.0" encoding="utf-8"?>
+<file path=ppt/slides/slide17.xml><?xml version="1.0" encoding="utf-8"?>
 <p:sld xmlns:a="http://schemas.openxmlformats.org/drawingml/2006/main" xmlns:r="http://schemas.openxmlformats.org/officeDocument/2006/relationships" xmlns:p="http://schemas.openxmlformats.org/presentationml/2006/main">
   <p:cSld>
     <p:spTree>
@@ -7825,7 +9820,7 @@
 </p:sld>
 </file>
 
-<file path=ppt/slides/slide16.xml><?xml version="1.0" encoding="utf-8"?>
+<file path=ppt/slides/slide18.xml><?xml version="1.0" encoding="utf-8"?>
 <p:sld xmlns:a="http://schemas.openxmlformats.org/drawingml/2006/main" xmlns:r="http://schemas.openxmlformats.org/officeDocument/2006/relationships" xmlns:p="http://schemas.openxmlformats.org/presentationml/2006/main">
   <p:cSld>
     <p:spTree>
@@ -10782,8 +12777,8 @@
         </p:nvSpPr>
         <p:spPr>
           <a:xfrm>
-            <a:off x="518973" y="1800572"/>
-            <a:ext cx="9523692" cy="1754326"/>
+            <a:off x="518972" y="1800572"/>
+            <a:ext cx="9690421" cy="1754326"/>
           </a:xfrm>
           <a:prstGeom prst="rect">
             <a:avLst/>
@@ -10885,29 +12880,16 @@
             </a:r>
             <a:r>
               <a:rPr lang="ko-KR" altLang="en-US" b="1" dirty="0"/>
-              <a:t>다음</a:t>
+              <a:t>이때의 객체인식에 대한 기술은 보행자에 대한 객체 인식 적합한 </a:t>
             </a:r>
             <a:r>
               <a:rPr lang="en-US" altLang="ko-KR" b="1" dirty="0"/>
-              <a:t>, </a:t>
+              <a:t>hog</a:t>
             </a:r>
             <a:r>
               <a:rPr lang="ko-KR" altLang="en-US" b="1" dirty="0"/>
-              <a:t>이렇게 구한 인원들을 클라우드 서버에 전송 함으로서</a:t>
-            </a:r>
-            <a:r>
-              <a:rPr lang="en-US" altLang="ko-KR" b="1" dirty="0"/>
-              <a:t>, </a:t>
-            </a:r>
-            <a:r>
-              <a:rPr lang="ko-KR" altLang="en-US" b="1" dirty="0"/>
-              <a:t>데이터 베이스를 구축한다</a:t>
-            </a:r>
-            <a:r>
-              <a:rPr lang="en-US" altLang="ko-KR" b="1" dirty="0"/>
-              <a:t>.</a:t>
-            </a:r>
-            <a:endParaRPr lang="ko-KR" altLang="en-US" b="1" dirty="0"/>
+              <a:t>를 이용한 기술을 사용</a:t>
+            </a:r>
           </a:p>
         </p:txBody>
       </p:sp>
@@ -10998,6 +12980,726 @@
             </a:r>
             <a:r>
               <a:rPr lang="en-US" altLang="ko-KR" dirty="0"/>
+              <a:t>(2-1/2)</a:t>
+            </a:r>
+            <a:endParaRPr lang="ko-KR" altLang="en-US" dirty="0"/>
+          </a:p>
+        </p:txBody>
+      </p:sp>
+      <p:sp>
+        <p:nvSpPr>
+          <p:cNvPr id="3" name="내용 개체 틀 2"/>
+          <p:cNvSpPr>
+            <a:spLocks noGrp="1"/>
+          </p:cNvSpPr>
+          <p:nvPr>
+            <p:ph sz="quarter" idx="11"/>
+          </p:nvPr>
+        </p:nvSpPr>
+        <p:spPr/>
+        <p:txBody>
+          <a:bodyPr/>
+          <a:lstStyle/>
+          <a:p>
+            <a:pPr marL="0" indent="0">
+              <a:buNone/>
+            </a:pPr>
+            <a:r>
+              <a:rPr lang="ko-KR" altLang="en-US" dirty="0"/>
+              <a:t>  예상 성과물</a:t>
+            </a:r>
+            <a:r>
+              <a:rPr lang="ko-KR" altLang="en-US" dirty="0">
+                <a:solidFill>
+                  <a:schemeClr val="bg1">
+                    <a:lumMod val="50000"/>
+                  </a:schemeClr>
+                </a:solidFill>
+              </a:rPr>
+              <a:t> </a:t>
+            </a:r>
+            <a:r>
+              <a:rPr lang="en-US" altLang="ko-KR" dirty="0">
+                <a:solidFill>
+                  <a:schemeClr val="bg1">
+                    <a:lumMod val="50000"/>
+                  </a:schemeClr>
+                </a:solidFill>
+              </a:rPr>
+              <a:t>(</a:t>
+            </a:r>
+            <a:r>
+              <a:rPr lang="ko-KR" altLang="en-US" dirty="0">
+                <a:solidFill>
+                  <a:schemeClr val="bg1">
+                    <a:lumMod val="50000"/>
+                  </a:schemeClr>
+                </a:solidFill>
+              </a:rPr>
+              <a:t>구체적으로 기술</a:t>
+            </a:r>
+            <a:r>
+              <a:rPr lang="en-US" altLang="ko-KR" dirty="0">
+                <a:solidFill>
+                  <a:schemeClr val="bg1">
+                    <a:lumMod val="50000"/>
+                  </a:schemeClr>
+                </a:solidFill>
+              </a:rPr>
+              <a:t>)</a:t>
+            </a:r>
+            <a:endParaRPr lang="ko-KR" altLang="en-US" dirty="0">
+              <a:solidFill>
+                <a:schemeClr val="bg1">
+                  <a:lumMod val="50000"/>
+                </a:schemeClr>
+              </a:solidFill>
+            </a:endParaRPr>
+          </a:p>
+        </p:txBody>
+      </p:sp>
+      <p:sp>
+        <p:nvSpPr>
+          <p:cNvPr id="4" name="직사각형 3">
+            <a:extLst>
+              <a:ext uri="{FF2B5EF4-FFF2-40B4-BE49-F238E27FC236}">
+                <a16:creationId xmlns:a16="http://schemas.microsoft.com/office/drawing/2014/main" id="{C604FBC6-2228-4680-8969-3621969EFBC8}"/>
+              </a:ext>
+            </a:extLst>
+          </p:cNvPr>
+          <p:cNvSpPr/>
+          <p:nvPr/>
+        </p:nvSpPr>
+        <p:spPr>
+          <a:xfrm>
+            <a:off x="518973" y="1800572"/>
+            <a:ext cx="9523692" cy="1754326"/>
+          </a:xfrm>
+          <a:prstGeom prst="rect">
+            <a:avLst/>
+          </a:prstGeom>
+        </p:spPr>
+        <p:txBody>
+          <a:bodyPr wrap="square">
+            <a:spAutoFit/>
+          </a:bodyPr>
+          <a:lstStyle/>
+          <a:p>
+            <a:pPr fontAlgn="base"/>
+            <a:r>
+              <a:rPr lang="ko-KR" altLang="en-US" b="1" dirty="0"/>
+              <a:t>이렇게 구한</a:t>
+            </a:r>
+            <a:r>
+              <a:rPr lang="en-US" altLang="ko-KR" b="1" dirty="0"/>
+              <a:t>, </a:t>
+            </a:r>
+            <a:r>
+              <a:rPr lang="ko-KR" altLang="en-US" b="1" dirty="0"/>
+              <a:t>데이터들을 각 </a:t>
+            </a:r>
+            <a:r>
+              <a:rPr lang="ko-KR" altLang="en-US" b="1" dirty="0" err="1"/>
+              <a:t>라즈베리파이에서</a:t>
+            </a:r>
+            <a:r>
+              <a:rPr lang="ko-KR" altLang="en-US" b="1" dirty="0"/>
+              <a:t> 정리하여</a:t>
+            </a:r>
+            <a:r>
+              <a:rPr lang="en-US" altLang="ko-KR" b="1" dirty="0"/>
+              <a:t>, </a:t>
+            </a:r>
+            <a:r>
+              <a:rPr lang="ko-KR" altLang="en-US" b="1" dirty="0" err="1"/>
+              <a:t>클라우드서버에</a:t>
+            </a:r>
+            <a:r>
+              <a:rPr lang="ko-KR" altLang="en-US" b="1" dirty="0"/>
+              <a:t> 전송한다</a:t>
+            </a:r>
+            <a:r>
+              <a:rPr lang="en-US" altLang="ko-KR" b="1" dirty="0"/>
+              <a:t>.</a:t>
+            </a:r>
+          </a:p>
+          <a:p>
+            <a:pPr fontAlgn="base"/>
+            <a:r>
+              <a:rPr lang="ko-KR" altLang="en-US" b="1" dirty="0"/>
+              <a:t>이때의 클라우드 서버 전송의 방법은</a:t>
+            </a:r>
+            <a:r>
+              <a:rPr lang="en-US" altLang="ko-KR" b="1" dirty="0"/>
+              <a:t>,</a:t>
+            </a:r>
+          </a:p>
+          <a:p>
+            <a:pPr fontAlgn="base"/>
+            <a:r>
+              <a:rPr lang="ko-KR" altLang="en-US" b="1" dirty="0"/>
+              <a:t>많은 데이터들의 전송이 아니기 때문에</a:t>
+            </a:r>
+            <a:r>
+              <a:rPr lang="en-US" altLang="ko-KR" b="1" dirty="0"/>
+              <a:t>, IOT</a:t>
+            </a:r>
+            <a:r>
+              <a:rPr lang="ko-KR" altLang="en-US" b="1" dirty="0"/>
+              <a:t> 기술의 데이터 전송을 이용하여</a:t>
+            </a:r>
+            <a:endParaRPr lang="en-US" altLang="ko-KR" b="1" dirty="0"/>
+          </a:p>
+          <a:p>
+            <a:pPr fontAlgn="base"/>
+            <a:r>
+              <a:rPr lang="ko-KR" altLang="en-US" b="1" dirty="0"/>
+              <a:t>데이터를 전송</a:t>
+            </a:r>
+            <a:r>
+              <a:rPr lang="en-US" altLang="ko-KR" b="1" dirty="0"/>
+              <a:t>, </a:t>
+            </a:r>
+            <a:r>
+              <a:rPr lang="ko-KR" altLang="en-US" b="1" dirty="0"/>
+              <a:t>데이터 베이스를 구축한다</a:t>
+            </a:r>
+            <a:r>
+              <a:rPr lang="en-US" altLang="ko-KR" b="1" dirty="0"/>
+              <a:t>.</a:t>
+            </a:r>
+          </a:p>
+          <a:p>
+            <a:pPr fontAlgn="base"/>
+            <a:endParaRPr lang="en-US" altLang="ko-KR" b="1" dirty="0"/>
+          </a:p>
+          <a:p>
+            <a:pPr fontAlgn="base"/>
+            <a:r>
+              <a:rPr lang="en-US" altLang="ko-KR" b="1" dirty="0"/>
+              <a:t> </a:t>
+            </a:r>
+            <a:r>
+              <a:rPr lang="ko-KR" altLang="en-US" b="1" dirty="0"/>
+              <a:t>이때</a:t>
+            </a:r>
+            <a:r>
+              <a:rPr lang="en-US" altLang="ko-KR" b="1" dirty="0"/>
+              <a:t>, </a:t>
+            </a:r>
+            <a:r>
+              <a:rPr lang="ko-KR" altLang="en-US" b="1" dirty="0"/>
+              <a:t>클라우드 서버에 전송하는 데이터들은 두가지 공간에 축적을 시킨다</a:t>
+            </a:r>
+            <a:r>
+              <a:rPr lang="en-US" altLang="ko-KR" b="1" dirty="0"/>
+              <a:t>.</a:t>
+            </a:r>
+            <a:endParaRPr lang="ko-KR" altLang="en-US" b="1" dirty="0"/>
+          </a:p>
+        </p:txBody>
+      </p:sp>
+      <p:sp>
+        <p:nvSpPr>
+          <p:cNvPr id="6" name="직사각형 5">
+            <a:extLst>
+              <a:ext uri="{FF2B5EF4-FFF2-40B4-BE49-F238E27FC236}">
+                <a16:creationId xmlns:a16="http://schemas.microsoft.com/office/drawing/2014/main" id="{34B9B943-F57D-42F9-91FF-7753861188CF}"/>
+              </a:ext>
+            </a:extLst>
+          </p:cNvPr>
+          <p:cNvSpPr/>
+          <p:nvPr/>
+        </p:nvSpPr>
+        <p:spPr>
+          <a:xfrm>
+            <a:off x="3443653" y="3960812"/>
+            <a:ext cx="6278780" cy="3062975"/>
+          </a:xfrm>
+          <a:prstGeom prst="rect">
+            <a:avLst/>
+          </a:prstGeom>
+          <a:ln/>
+        </p:spPr>
+        <p:style>
+          <a:lnRef idx="2">
+            <a:schemeClr val="dk1"/>
+          </a:lnRef>
+          <a:fillRef idx="1">
+            <a:schemeClr val="lt1"/>
+          </a:fillRef>
+          <a:effectRef idx="0">
+            <a:schemeClr val="dk1"/>
+          </a:effectRef>
+          <a:fontRef idx="minor">
+            <a:schemeClr val="dk1"/>
+          </a:fontRef>
+        </p:style>
+        <p:txBody>
+          <a:bodyPr rot="0" vert="horz" wrap="square" lIns="91440" tIns="45720" rIns="91440" bIns="45720" anchor="ctr" anchorCtr="0">
+            <a:prstTxWarp prst="textNoShape">
+              <a:avLst/>
+            </a:prstTxWarp>
+            <a:noAutofit/>
+          </a:bodyPr>
+          <a:lstStyle/>
+          <a:p>
+            <a:pPr marL="0" marR="0" lvl="0" indent="0" algn="ctr" defTabSz="914400" rtl="0" eaLnBrk="1" latinLnBrk="1" hangingPunct="1">
+              <a:lnSpc>
+                <a:spcPct val="100000"/>
+              </a:lnSpc>
+              <a:spcBef>
+                <a:spcPts val="0"/>
+              </a:spcBef>
+              <a:spcAft>
+                <a:spcPts val="0"/>
+              </a:spcAft>
+              <a:buClrTx/>
+              <a:buFontTx/>
+              <a:buNone/>
+              <a:defRPr/>
+            </a:pPr>
+            <a:endParaRPr kumimoji="0" lang="ko-KR" altLang="en-US" sz="1800" b="1" i="0" u="none" strike="noStrike" kern="1200" cap="none" spc="0" normalizeH="0" baseline="0">
+              <a:solidFill>
+                <a:prstClr val="black"/>
+              </a:solidFill>
+              <a:effectLst/>
+              <a:uLnTx/>
+              <a:uFillTx/>
+              <a:latin typeface="맑은 고딕"/>
+              <a:ea typeface="맑은 고딕"/>
+              <a:cs typeface="+mn-cs"/>
+            </a:endParaRPr>
+          </a:p>
+        </p:txBody>
+      </p:sp>
+      <p:grpSp>
+        <p:nvGrpSpPr>
+          <p:cNvPr id="7" name="그룹 6">
+            <a:extLst>
+              <a:ext uri="{FF2B5EF4-FFF2-40B4-BE49-F238E27FC236}">
+                <a16:creationId xmlns:a16="http://schemas.microsoft.com/office/drawing/2014/main" id="{82783FD0-8985-41A3-9B2A-0102F6DABFF2}"/>
+              </a:ext>
+            </a:extLst>
+          </p:cNvPr>
+          <p:cNvGrpSpPr/>
+          <p:nvPr/>
+        </p:nvGrpSpPr>
+        <p:grpSpPr>
+          <a:xfrm>
+            <a:off x="3624635" y="4298566"/>
+            <a:ext cx="1559141" cy="1534454"/>
+            <a:chOff x="616953" y="2293113"/>
+            <a:chExt cx="2141317" cy="2388062"/>
+          </a:xfrm>
+        </p:grpSpPr>
+        <p:pic>
+          <p:nvPicPr>
+            <p:cNvPr id="8" name="Picture 4" descr="íì´ì¹´ë©ë¼ì ëí ì´ë¯¸ì§ ê²ìê²°ê³¼">
+              <a:extLst>
+                <a:ext uri="{FF2B5EF4-FFF2-40B4-BE49-F238E27FC236}">
+                  <a16:creationId xmlns:a16="http://schemas.microsoft.com/office/drawing/2014/main" id="{08EAC6B6-7D13-4EE4-9754-150DA756308F}"/>
+                </a:ext>
+              </a:extLst>
+            </p:cNvPr>
+            <p:cNvPicPr>
+              <a:picLocks noChangeAspect="1" noChangeArrowheads="1"/>
+            </p:cNvPicPr>
+            <p:nvPr/>
+          </p:nvPicPr>
+          <p:blipFill rotWithShape="1">
+            <a:blip r:embed="rId2"/>
+            <a:srcRect/>
+            <a:stretch>
+              <a:fillRect/>
+            </a:stretch>
+          </p:blipFill>
+          <p:spPr>
+            <a:xfrm>
+              <a:off x="616953" y="3075187"/>
+              <a:ext cx="2141317" cy="1605988"/>
+            </a:xfrm>
+            <a:prstGeom prst="rect">
+              <a:avLst/>
+            </a:prstGeom>
+            <a:noFill/>
+          </p:spPr>
+        </p:pic>
+        <p:pic>
+          <p:nvPicPr>
+            <p:cNvPr id="9" name="Picture 2" descr="ë¼ì¦ë² ë¦¬íì´ì ëí ì´ë¯¸ì§ ê²ìê²°ê³¼">
+              <a:extLst>
+                <a:ext uri="{FF2B5EF4-FFF2-40B4-BE49-F238E27FC236}">
+                  <a16:creationId xmlns:a16="http://schemas.microsoft.com/office/drawing/2014/main" id="{10088047-90A5-4EDA-BB5B-529B22E0A1E0}"/>
+                </a:ext>
+              </a:extLst>
+            </p:cNvPr>
+            <p:cNvPicPr>
+              <a:picLocks noChangeAspect="1" noChangeArrowheads="1"/>
+            </p:cNvPicPr>
+            <p:nvPr/>
+          </p:nvPicPr>
+          <p:blipFill rotWithShape="1">
+            <a:blip r:embed="rId3"/>
+            <a:srcRect/>
+            <a:stretch>
+              <a:fillRect/>
+            </a:stretch>
+          </p:blipFill>
+          <p:spPr>
+            <a:xfrm>
+              <a:off x="736622" y="2293113"/>
+              <a:ext cx="950990" cy="985415"/>
+            </a:xfrm>
+            <a:prstGeom prst="rect">
+              <a:avLst/>
+            </a:prstGeom>
+            <a:noFill/>
+          </p:spPr>
+        </p:pic>
+      </p:grpSp>
+      <p:cxnSp>
+        <p:nvCxnSpPr>
+          <p:cNvPr id="10" name="직선 화살표 연결선 9">
+            <a:extLst>
+              <a:ext uri="{FF2B5EF4-FFF2-40B4-BE49-F238E27FC236}">
+                <a16:creationId xmlns:a16="http://schemas.microsoft.com/office/drawing/2014/main" id="{853F6EFB-F11F-444B-8A1E-5EC0A0C3A88B}"/>
+              </a:ext>
+            </a:extLst>
+          </p:cNvPr>
+          <p:cNvCxnSpPr>
+            <a:cxnSpLocks/>
+            <a:stCxn id="8" idx="3"/>
+            <a:endCxn id="15" idx="1"/>
+          </p:cNvCxnSpPr>
+          <p:nvPr/>
+        </p:nvCxnSpPr>
+        <p:spPr>
+          <a:xfrm>
+            <a:off x="5183776" y="5317055"/>
+            <a:ext cx="2053679" cy="830284"/>
+          </a:xfrm>
+          <a:prstGeom prst="straightConnector1">
+            <a:avLst/>
+          </a:prstGeom>
+          <a:noFill/>
+          <a:ln w="57150" cap="flat" cmpd="sng" algn="ctr">
+            <a:solidFill>
+              <a:sysClr val="windowText" lastClr="000000"/>
+            </a:solidFill>
+            <a:prstDash val="sysDot"/>
+            <a:miter/>
+            <a:tailEnd type="triangle"/>
+          </a:ln>
+          <a:effectLst/>
+        </p:spPr>
+      </p:cxnSp>
+      <p:sp>
+        <p:nvSpPr>
+          <p:cNvPr id="11" name="TextBox 10">
+            <a:extLst>
+              <a:ext uri="{FF2B5EF4-FFF2-40B4-BE49-F238E27FC236}">
+                <a16:creationId xmlns:a16="http://schemas.microsoft.com/office/drawing/2014/main" id="{3C492BA7-D566-42BA-99C8-AD0D4FAA8841}"/>
+              </a:ext>
+            </a:extLst>
+          </p:cNvPr>
+          <p:cNvSpPr txBox="1"/>
+          <p:nvPr/>
+        </p:nvSpPr>
+        <p:spPr>
+          <a:xfrm>
+            <a:off x="4508487" y="4292430"/>
+            <a:ext cx="2074556" cy="369332"/>
+          </a:xfrm>
+          <a:prstGeom prst="rect">
+            <a:avLst/>
+          </a:prstGeom>
+          <a:solidFill>
+            <a:schemeClr val="accent3"/>
+          </a:solidFill>
+          <a:ln>
+            <a:noFill/>
+          </a:ln>
+        </p:spPr>
+        <p:style>
+          <a:lnRef idx="0">
+            <a:scrgbClr r="0" g="0" b="0"/>
+          </a:lnRef>
+          <a:fillRef idx="0">
+            <a:scrgbClr r="0" g="0" b="0"/>
+          </a:fillRef>
+          <a:effectRef idx="0">
+            <a:scrgbClr r="0" g="0" b="0"/>
+          </a:effectRef>
+          <a:fontRef idx="minor">
+            <a:schemeClr val="lt1"/>
+          </a:fontRef>
+        </p:style>
+        <p:txBody>
+          <a:bodyPr wrap="square">
+            <a:spAutoFit/>
+          </a:bodyPr>
+          <a:lstStyle/>
+          <a:p>
+            <a:pPr lvl="0">
+              <a:defRPr/>
+            </a:pPr>
+            <a:r>
+              <a:rPr lang="ko-KR" altLang="en-US" b="1" dirty="0"/>
+              <a:t>실시간 영상처리</a:t>
+            </a:r>
+          </a:p>
+        </p:txBody>
+      </p:sp>
+      <p:sp>
+        <p:nvSpPr>
+          <p:cNvPr id="12" name="TextBox 11">
+            <a:extLst>
+              <a:ext uri="{FF2B5EF4-FFF2-40B4-BE49-F238E27FC236}">
+                <a16:creationId xmlns:a16="http://schemas.microsoft.com/office/drawing/2014/main" id="{1B9A3E5E-2382-4C4B-9D07-1CDF30F36D1E}"/>
+              </a:ext>
+            </a:extLst>
+          </p:cNvPr>
+          <p:cNvSpPr txBox="1"/>
+          <p:nvPr/>
+        </p:nvSpPr>
+        <p:spPr>
+          <a:xfrm>
+            <a:off x="6583043" y="5038400"/>
+            <a:ext cx="2893316" cy="369332"/>
+          </a:xfrm>
+          <a:prstGeom prst="rect">
+            <a:avLst/>
+          </a:prstGeom>
+          <a:solidFill>
+            <a:schemeClr val="accent3"/>
+          </a:solidFill>
+          <a:ln>
+            <a:noFill/>
+          </a:ln>
+        </p:spPr>
+        <p:style>
+          <a:lnRef idx="0">
+            <a:scrgbClr r="0" g="0" b="0"/>
+          </a:lnRef>
+          <a:fillRef idx="0">
+            <a:scrgbClr r="0" g="0" b="0"/>
+          </a:fillRef>
+          <a:effectRef idx="0">
+            <a:scrgbClr r="0" g="0" b="0"/>
+          </a:effectRef>
+          <a:fontRef idx="minor">
+            <a:schemeClr val="lt1"/>
+          </a:fontRef>
+        </p:style>
+        <p:txBody>
+          <a:bodyPr wrap="square">
+            <a:spAutoFit/>
+          </a:bodyPr>
+          <a:lstStyle/>
+          <a:p>
+            <a:pPr lvl="0">
+              <a:defRPr/>
+            </a:pPr>
+            <a:r>
+              <a:rPr lang="ko-KR" altLang="en-US" b="1" dirty="0"/>
+              <a:t>서버</a:t>
+            </a:r>
+            <a:r>
+              <a:rPr lang="en-US" altLang="ko-KR" b="1" dirty="0"/>
+              <a:t>(</a:t>
+            </a:r>
+            <a:r>
+              <a:rPr lang="ko-KR" altLang="en-US" b="1" dirty="0"/>
+              <a:t>데이터 베이스</a:t>
+            </a:r>
+            <a:r>
+              <a:rPr lang="en-US" altLang="ko-KR" b="1" dirty="0"/>
+              <a:t>)</a:t>
+            </a:r>
+            <a:r>
+              <a:rPr lang="ko-KR" altLang="en-US" b="1" dirty="0"/>
+              <a:t> 구축</a:t>
+            </a:r>
+          </a:p>
+        </p:txBody>
+      </p:sp>
+      <p:pic>
+        <p:nvPicPr>
+          <p:cNvPr id="13" name="그림 1">
+            <a:extLst>
+              <a:ext uri="{FF2B5EF4-FFF2-40B4-BE49-F238E27FC236}">
+                <a16:creationId xmlns:a16="http://schemas.microsoft.com/office/drawing/2014/main" id="{46205BB6-3DE0-4316-9396-AC95440DB9A6}"/>
+              </a:ext>
+            </a:extLst>
+          </p:cNvPr>
+          <p:cNvPicPr>
+            <a:picLocks noChangeAspect="1"/>
+          </p:cNvPicPr>
+          <p:nvPr/>
+        </p:nvPicPr>
+        <p:blipFill rotWithShape="1">
+          <a:blip r:embed="rId4"/>
+          <a:stretch>
+            <a:fillRect/>
+          </a:stretch>
+        </p:blipFill>
+        <p:spPr>
+          <a:xfrm>
+            <a:off x="7578747" y="6192709"/>
+            <a:ext cx="1162227" cy="667798"/>
+          </a:xfrm>
+          <a:prstGeom prst="rect">
+            <a:avLst/>
+          </a:prstGeom>
+        </p:spPr>
+      </p:pic>
+      <p:pic>
+        <p:nvPicPr>
+          <p:cNvPr id="14" name="그림 8">
+            <a:extLst>
+              <a:ext uri="{FF2B5EF4-FFF2-40B4-BE49-F238E27FC236}">
+                <a16:creationId xmlns:a16="http://schemas.microsoft.com/office/drawing/2014/main" id="{9C9A07C5-6119-42CF-81D0-A12BBE2ED63B}"/>
+              </a:ext>
+            </a:extLst>
+          </p:cNvPr>
+          <p:cNvPicPr>
+            <a:picLocks noChangeAspect="1"/>
+          </p:cNvPicPr>
+          <p:nvPr/>
+        </p:nvPicPr>
+        <p:blipFill rotWithShape="1">
+          <a:blip r:embed="rId5"/>
+          <a:stretch>
+            <a:fillRect/>
+          </a:stretch>
+        </p:blipFill>
+        <p:spPr>
+          <a:xfrm>
+            <a:off x="7311032" y="5511957"/>
+            <a:ext cx="1082939" cy="599504"/>
+          </a:xfrm>
+          <a:prstGeom prst="rect">
+            <a:avLst/>
+          </a:prstGeom>
+        </p:spPr>
+      </p:pic>
+      <p:sp>
+        <p:nvSpPr>
+          <p:cNvPr id="15" name="사각형: 둥근 모서리 14">
+            <a:extLst>
+              <a:ext uri="{FF2B5EF4-FFF2-40B4-BE49-F238E27FC236}">
+                <a16:creationId xmlns:a16="http://schemas.microsoft.com/office/drawing/2014/main" id="{EE1B117E-AA35-47F4-B842-2201D524838A}"/>
+              </a:ext>
+            </a:extLst>
+          </p:cNvPr>
+          <p:cNvSpPr/>
+          <p:nvPr/>
+        </p:nvSpPr>
+        <p:spPr>
+          <a:xfrm>
+            <a:off x="7237455" y="5454995"/>
+            <a:ext cx="1482143" cy="1384688"/>
+          </a:xfrm>
+          <a:prstGeom prst="roundRect">
+            <a:avLst>
+              <a:gd name="adj" fmla="val 16667"/>
+            </a:avLst>
+          </a:prstGeom>
+          <a:noFill/>
+          <a:ln w="38100" cap="flat" cmpd="sng" algn="ctr">
+            <a:solidFill>
+              <a:sysClr val="windowText" lastClr="000000"/>
+            </a:solidFill>
+            <a:prstDash val="solid"/>
+            <a:miter/>
+          </a:ln>
+          <a:effectLst/>
+        </p:spPr>
+        <p:txBody>
+          <a:bodyPr anchor="ctr"/>
+          <a:lstStyle/>
+          <a:p>
+            <a:pPr marL="0" marR="0" lvl="0" indent="0" algn="ctr" defTabSz="914400" eaLnBrk="1" latinLnBrk="0" hangingPunct="1">
+              <a:lnSpc>
+                <a:spcPct val="100000"/>
+              </a:lnSpc>
+              <a:spcBef>
+                <a:spcPts val="0"/>
+              </a:spcBef>
+              <a:spcAft>
+                <a:spcPts val="0"/>
+              </a:spcAft>
+              <a:buClrTx/>
+              <a:buFontTx/>
+              <a:buNone/>
+              <a:defRPr/>
+            </a:pPr>
+            <a:endParaRPr kumimoji="0" lang="ko-KR" altLang="en-US" sz="1800" b="0" i="0" u="none" strike="noStrike" kern="0" cap="none" spc="0" normalizeH="0" baseline="0">
+              <a:solidFill>
+                <a:prstClr val="white"/>
+              </a:solidFill>
+              <a:effectLst/>
+              <a:uLnTx/>
+              <a:uFillTx/>
+              <a:latin typeface="맑은 고딕"/>
+              <a:ea typeface="맑은 고딕"/>
+              <a:cs typeface="+mn-cs"/>
+            </a:endParaRPr>
+          </a:p>
+        </p:txBody>
+      </p:sp>
+    </p:spTree>
+    <p:extLst>
+      <p:ext uri="{BB962C8B-B14F-4D97-AF65-F5344CB8AC3E}">
+        <p14:creationId xmlns:p14="http://schemas.microsoft.com/office/powerpoint/2010/main" val="2355284818"/>
+      </p:ext>
+    </p:extLst>
+  </p:cSld>
+  <p:clrMapOvr>
+    <a:masterClrMapping/>
+  </p:clrMapOvr>
+</p:sld>
+</file>
+
+<file path=ppt/slides/slide6.xml><?xml version="1.0" encoding="utf-8"?>
+<p:sld xmlns:a="http://schemas.openxmlformats.org/drawingml/2006/main" xmlns:r="http://schemas.openxmlformats.org/officeDocument/2006/relationships" xmlns:p="http://schemas.openxmlformats.org/presentationml/2006/main">
+  <p:cSld>
+    <p:spTree>
+      <p:nvGrpSpPr>
+        <p:cNvPr id="1" name=""/>
+        <p:cNvGrpSpPr/>
+        <p:nvPr/>
+      </p:nvGrpSpPr>
+      <p:grpSpPr>
+        <a:xfrm>
+          <a:off x="0" y="0"/>
+          <a:ext cx="0" cy="0"/>
+          <a:chOff x="0" y="0"/>
+          <a:chExt cx="0" cy="0"/>
+        </a:xfrm>
+      </p:grpSpPr>
+      <p:sp>
+        <p:nvSpPr>
+          <p:cNvPr id="2" name="텍스트 개체 틀 1"/>
+          <p:cNvSpPr>
+            <a:spLocks noGrp="1"/>
+          </p:cNvSpPr>
+          <p:nvPr>
+            <p:ph type="body" sz="quarter" idx="10"/>
+          </p:nvPr>
+        </p:nvSpPr>
+        <p:spPr/>
+        <p:txBody>
+          <a:bodyPr/>
+          <a:lstStyle/>
+          <a:p>
+            <a:r>
+              <a:rPr lang="ko-KR" altLang="en-US" dirty="0"/>
+              <a:t>과목 목표 및 내용 </a:t>
+            </a:r>
+            <a:r>
+              <a:rPr lang="en-US" altLang="ko-KR" dirty="0"/>
               <a:t>(2-2/2)</a:t>
             </a:r>
             <a:endParaRPr lang="ko-KR" altLang="en-US" dirty="0"/>
@@ -11312,7 +14014,7 @@
 </p:sld>
 </file>
 
-<file path=ppt/slides/slide6.xml><?xml version="1.0" encoding="utf-8"?>
+<file path=ppt/slides/slide7.xml><?xml version="1.0" encoding="utf-8"?>
 <p:sld xmlns:a="http://schemas.openxmlformats.org/drawingml/2006/main" xmlns:r="http://schemas.openxmlformats.org/officeDocument/2006/relationships" xmlns:p="http://schemas.openxmlformats.org/presentationml/2006/main">
   <p:cSld>
     <p:spTree>
@@ -11653,7 +14355,7 @@
 </p:sld>
 </file>
 
-<file path=ppt/slides/slide7.xml><?xml version="1.0" encoding="utf-8"?>
+<file path=ppt/slides/slide8.xml><?xml version="1.0" encoding="utf-8"?>
 <p:sld xmlns:a="http://schemas.openxmlformats.org/drawingml/2006/main" xmlns:r="http://schemas.openxmlformats.org/officeDocument/2006/relationships" xmlns:p="http://schemas.openxmlformats.org/presentationml/2006/main">
   <p:cSld>
     <p:spTree>
@@ -12171,7 +14873,7 @@
 </p:sld>
 </file>
 
-<file path=ppt/slides/slide8.xml><?xml version="1.0" encoding="utf-8"?>
+<file path=ppt/slides/slide9.xml><?xml version="1.0" encoding="utf-8"?>
 <p:sld xmlns:a="http://schemas.openxmlformats.org/drawingml/2006/main" xmlns:r="http://schemas.openxmlformats.org/officeDocument/2006/relationships" xmlns:p="http://schemas.openxmlformats.org/presentationml/2006/main">
   <p:cSld>
     <p:spTree>
@@ -12576,452 +15278,6 @@
     <p:extLst>
       <p:ext uri="{BB962C8B-B14F-4D97-AF65-F5344CB8AC3E}">
         <p14:creationId xmlns:p14="http://schemas.microsoft.com/office/powerpoint/2010/main" val="3033930334"/>
-      </p:ext>
-    </p:extLst>
-  </p:cSld>
-  <p:clrMapOvr>
-    <a:masterClrMapping/>
-  </p:clrMapOvr>
-</p:sld>
-</file>
-
-<file path=ppt/slides/slide9.xml><?xml version="1.0" encoding="utf-8"?>
-<p:sld xmlns:a="http://schemas.openxmlformats.org/drawingml/2006/main" xmlns:r="http://schemas.openxmlformats.org/officeDocument/2006/relationships" xmlns:p="http://schemas.openxmlformats.org/presentationml/2006/main">
-  <p:cSld>
-    <p:spTree>
-      <p:nvGrpSpPr>
-        <p:cNvPr id="1" name=""/>
-        <p:cNvGrpSpPr/>
-        <p:nvPr/>
-      </p:nvGrpSpPr>
-      <p:grpSpPr>
-        <a:xfrm>
-          <a:off x="0" y="0"/>
-          <a:ext cx="0" cy="0"/>
-          <a:chOff x="0" y="0"/>
-          <a:chExt cx="0" cy="0"/>
-        </a:xfrm>
-      </p:grpSpPr>
-      <p:sp>
-        <p:nvSpPr>
-          <p:cNvPr id="2" name="텍스트 개체 틀 1">
-            <a:extLst>
-              <a:ext uri="{FF2B5EF4-FFF2-40B4-BE49-F238E27FC236}">
-                <a16:creationId xmlns:a16="http://schemas.microsoft.com/office/drawing/2014/main" id="{C38E4BDE-43C8-46BB-958B-54EB0DE6EAB9}"/>
-              </a:ext>
-            </a:extLst>
-          </p:cNvPr>
-          <p:cNvSpPr>
-            <a:spLocks noGrp="1"/>
-          </p:cNvSpPr>
-          <p:nvPr>
-            <p:ph type="body" sz="quarter" idx="10"/>
-          </p:nvPr>
-        </p:nvSpPr>
-        <p:spPr/>
-        <p:txBody>
-          <a:bodyPr/>
-          <a:lstStyle/>
-          <a:p>
-            <a:r>
-              <a:rPr lang="ko-KR" altLang="en-US" dirty="0"/>
-              <a:t>기존 연구 </a:t>
-            </a:r>
-            <a:r>
-              <a:rPr lang="en-US" altLang="ko-KR" dirty="0"/>
-              <a:t>Survey </a:t>
-            </a:r>
-            <a:r>
-              <a:rPr lang="ko-KR" altLang="en-US" dirty="0"/>
-              <a:t>정리</a:t>
-            </a:r>
-          </a:p>
-        </p:txBody>
-      </p:sp>
-      <p:sp>
-        <p:nvSpPr>
-          <p:cNvPr id="3" name="내용 개체 틀 2">
-            <a:extLst>
-              <a:ext uri="{FF2B5EF4-FFF2-40B4-BE49-F238E27FC236}">
-                <a16:creationId xmlns:a16="http://schemas.microsoft.com/office/drawing/2014/main" id="{FD6293BC-05D8-4B5D-BDAB-2525850ADE99}"/>
-              </a:ext>
-            </a:extLst>
-          </p:cNvPr>
-          <p:cNvSpPr>
-            <a:spLocks noGrp="1"/>
-          </p:cNvSpPr>
-          <p:nvPr>
-            <p:ph sz="quarter" idx="11"/>
-          </p:nvPr>
-        </p:nvSpPr>
-        <p:spPr/>
-        <p:txBody>
-          <a:bodyPr/>
-          <a:lstStyle/>
-          <a:p>
-            <a:r>
-              <a:rPr lang="ko-KR" altLang="en-US" dirty="0">
-                <a:solidFill>
-                  <a:schemeClr val="bg1">
-                    <a:lumMod val="50000"/>
-                  </a:schemeClr>
-                </a:solidFill>
-              </a:rPr>
-              <a:t>현 시간까지</a:t>
-            </a:r>
-            <a:r>
-              <a:rPr lang="en-US" altLang="ko-KR" dirty="0">
-                <a:solidFill>
-                  <a:schemeClr val="bg1">
-                    <a:lumMod val="50000"/>
-                  </a:schemeClr>
-                </a:solidFill>
-              </a:rPr>
-              <a:t>, </a:t>
-            </a:r>
-            <a:r>
-              <a:rPr lang="ko-KR" altLang="en-US" dirty="0">
-                <a:solidFill>
-                  <a:schemeClr val="bg1">
-                    <a:lumMod val="50000"/>
-                  </a:schemeClr>
-                </a:solidFill>
-              </a:rPr>
-              <a:t>본 팀에서 진행하고 있는 공학설계 주제와 유사한 기존 연구 </a:t>
-            </a:r>
-            <a:r>
-              <a:rPr lang="en-US" altLang="ko-KR" dirty="0">
-                <a:solidFill>
-                  <a:schemeClr val="bg1">
-                    <a:lumMod val="50000"/>
-                  </a:schemeClr>
-                </a:solidFill>
-              </a:rPr>
-              <a:t>(</a:t>
-            </a:r>
-            <a:r>
-              <a:rPr lang="ko-KR" altLang="en-US" dirty="0">
-                <a:solidFill>
-                  <a:schemeClr val="bg1">
-                    <a:lumMod val="50000"/>
-                  </a:schemeClr>
-                </a:solidFill>
-              </a:rPr>
-              <a:t>국내외 논문 위주</a:t>
-            </a:r>
-            <a:r>
-              <a:rPr lang="en-US" altLang="ko-KR" dirty="0">
-                <a:solidFill>
-                  <a:schemeClr val="bg1">
-                    <a:lumMod val="50000"/>
-                  </a:schemeClr>
-                </a:solidFill>
-              </a:rPr>
-              <a:t>) survey</a:t>
-            </a:r>
-            <a:r>
-              <a:rPr lang="ko-KR" altLang="en-US" dirty="0">
-                <a:solidFill>
-                  <a:schemeClr val="bg1">
-                    <a:lumMod val="50000"/>
-                  </a:schemeClr>
-                </a:solidFill>
-              </a:rPr>
-              <a:t>한 것과 기존 연구의 핵심 아이디어 정리</a:t>
-            </a:r>
-          </a:p>
-        </p:txBody>
-      </p:sp>
-      <p:graphicFrame>
-        <p:nvGraphicFramePr>
-          <p:cNvPr id="4" name="표 3">
-            <a:extLst>
-              <a:ext uri="{FF2B5EF4-FFF2-40B4-BE49-F238E27FC236}">
-                <a16:creationId xmlns:a16="http://schemas.microsoft.com/office/drawing/2014/main" id="{27261928-ADEE-4F68-AB4C-1D8AAB3B19C8}"/>
-              </a:ext>
-            </a:extLst>
-          </p:cNvPr>
-          <p:cNvGraphicFramePr>
-            <a:graphicFrameLocks noGrp="1"/>
-          </p:cNvGraphicFramePr>
-          <p:nvPr>
-            <p:extLst>
-              <p:ext uri="{D42A27DB-BD31-4B8C-83A1-F6EECF244321}">
-                <p14:modId xmlns:p14="http://schemas.microsoft.com/office/powerpoint/2010/main" val="1732772998"/>
-              </p:ext>
-            </p:extLst>
-          </p:nvPr>
-        </p:nvGraphicFramePr>
-        <p:xfrm>
-          <a:off x="483171" y="2160612"/>
-          <a:ext cx="9537087" cy="4416520"/>
-        </p:xfrm>
-        <a:graphic>
-          <a:graphicData uri="http://schemas.openxmlformats.org/drawingml/2006/table">
-            <a:tbl>
-              <a:tblPr firstRow="1" bandRow="1">
-                <a:tableStyleId>{5C22544A-7EE6-4342-B048-85BDC9FD1C3A}</a:tableStyleId>
-              </a:tblPr>
-              <a:tblGrid>
-                <a:gridCol w="3501504">
-                  <a:extLst>
-                    <a:ext uri="{9D8B030D-6E8A-4147-A177-3AD203B41FA5}">
-                      <a16:colId xmlns:a16="http://schemas.microsoft.com/office/drawing/2014/main" val="1694624849"/>
-                    </a:ext>
-                  </a:extLst>
-                </a:gridCol>
-                <a:gridCol w="6035583">
-                  <a:extLst>
-                    <a:ext uri="{9D8B030D-6E8A-4147-A177-3AD203B41FA5}">
-                      <a16:colId xmlns:a16="http://schemas.microsoft.com/office/drawing/2014/main" val="2599710695"/>
-                    </a:ext>
-                  </a:extLst>
-                </a:gridCol>
-              </a:tblGrid>
-              <a:tr h="520541">
-                <a:tc>
-                  <a:txBody>
-                    <a:bodyPr/>
-                    <a:lstStyle/>
-                    <a:p>
-                      <a:pPr algn="ctr" latinLnBrk="1"/>
-                      <a:r>
-                        <a:rPr lang="ko-KR" altLang="en-US" dirty="0"/>
-                        <a:t>기존 </a:t>
-                      </a:r>
-                      <a:r>
-                        <a:rPr lang="ko-KR" altLang="en-US" dirty="0" err="1"/>
-                        <a:t>연구명</a:t>
-                      </a:r>
-                      <a:endParaRPr lang="ko-KR" altLang="en-US" dirty="0"/>
-                    </a:p>
-                  </a:txBody>
-                  <a:tcPr anchor="ctr" anchorCtr="1"/>
-                </a:tc>
-                <a:tc>
-                  <a:txBody>
-                    <a:bodyPr/>
-                    <a:lstStyle/>
-                    <a:p>
-                      <a:pPr algn="ctr" latinLnBrk="1"/>
-                      <a:r>
-                        <a:rPr lang="ko-KR" altLang="en-US" dirty="0"/>
-                        <a:t>핵심 아이디어</a:t>
-                      </a:r>
-                    </a:p>
-                  </a:txBody>
-                  <a:tcPr anchor="ctr" anchorCtr="1"/>
-                </a:tc>
-                <a:extLst>
-                  <a:ext uri="{0D108BD9-81ED-4DB2-BD59-A6C34878D82A}">
-                    <a16:rowId xmlns:a16="http://schemas.microsoft.com/office/drawing/2014/main" val="2427751579"/>
-                  </a:ext>
-                </a:extLst>
-              </a:tr>
-              <a:tr h="1626686">
-                <a:tc>
-                  <a:txBody>
-                    <a:bodyPr/>
-                    <a:lstStyle/>
-                    <a:p>
-                      <a:pPr latinLnBrk="1"/>
-                      <a:r>
-                        <a:rPr lang="en-US" altLang="ko-KR" dirty="0"/>
-                        <a:t>YOLO v3</a:t>
-                      </a:r>
-                      <a:r>
-                        <a:rPr lang="ko-KR" altLang="en-US" dirty="0"/>
-                        <a:t>와 </a:t>
-                      </a:r>
-                      <a:r>
-                        <a:rPr lang="en-US" altLang="ko-KR" dirty="0"/>
-                        <a:t>CNN</a:t>
-                      </a:r>
-                      <a:r>
-                        <a:rPr lang="ko-KR" altLang="en-US" dirty="0"/>
-                        <a:t>을 사용한</a:t>
-                      </a:r>
-                    </a:p>
-                    <a:p>
-                      <a:pPr latinLnBrk="1"/>
-                      <a:r>
-                        <a:rPr lang="ko-KR" altLang="en-US" dirty="0"/>
-                        <a:t>계량기 숫자 검출 및 인식 방법</a:t>
-                      </a:r>
-                    </a:p>
-                  </a:txBody>
-                  <a:tcPr anchor="ctr" anchorCtr="1"/>
-                </a:tc>
-                <a:tc>
-                  <a:txBody>
-                    <a:bodyPr/>
-                    <a:lstStyle/>
-                    <a:p>
-                      <a:pPr latinLnBrk="1"/>
-                      <a:endParaRPr lang="en-US" altLang="ko-KR" dirty="0"/>
-                    </a:p>
-                    <a:p>
-                      <a:pPr latinLnBrk="1"/>
-                      <a:r>
-                        <a:rPr lang="ko-KR" altLang="en-US" dirty="0"/>
-                        <a:t> 네트워크를 간소화한 </a:t>
-                      </a:r>
-                      <a:r>
-                        <a:rPr lang="en-US" altLang="ko-KR" dirty="0"/>
-                        <a:t>Fast YOLO </a:t>
-                      </a:r>
-                      <a:r>
-                        <a:rPr lang="ko-KR" altLang="en-US" dirty="0"/>
-                        <a:t>구조와 </a:t>
-                      </a:r>
-                      <a:r>
-                        <a:rPr lang="en-US" altLang="ko-KR" dirty="0"/>
-                        <a:t>CR-Net, </a:t>
-                      </a:r>
-                      <a:r>
-                        <a:rPr lang="ko-KR" altLang="en-US" dirty="0"/>
-                        <a:t>다중 작업 학습 </a:t>
-                      </a:r>
-                      <a:r>
-                        <a:rPr lang="en-US" altLang="ko-KR" dirty="0"/>
-                        <a:t>(multitask learning), CRNN(Convolutional Recurrent Neural Network)</a:t>
-                      </a:r>
-                      <a:r>
-                        <a:rPr lang="ko-KR" altLang="en-US" dirty="0"/>
-                        <a:t>을 사용하여 저자들이 제안하는 계량기 데이터 측정 아이디어</a:t>
-                      </a:r>
-                      <a:endParaRPr lang="en-US" altLang="ko-KR" dirty="0"/>
-                    </a:p>
-                    <a:p>
-                      <a:pPr latinLnBrk="1"/>
-                      <a:endParaRPr lang="ko-KR" altLang="en-US" dirty="0"/>
-                    </a:p>
-                  </a:txBody>
-                  <a:tcPr anchor="ctr" anchorCtr="1"/>
-                </a:tc>
-                <a:extLst>
-                  <a:ext uri="{0D108BD9-81ED-4DB2-BD59-A6C34878D82A}">
-                    <a16:rowId xmlns:a16="http://schemas.microsoft.com/office/drawing/2014/main" val="790642607"/>
-                  </a:ext>
-                </a:extLst>
-              </a:tr>
-              <a:tr h="1626686">
-                <a:tc>
-                  <a:txBody>
-                    <a:bodyPr/>
-                    <a:lstStyle/>
-                    <a:p>
-                      <a:pPr latinLnBrk="1"/>
-                      <a:r>
-                        <a:rPr lang="ko-KR" altLang="en-US" dirty="0"/>
-                        <a:t>다중 카메라 환경에서의 </a:t>
-                      </a:r>
-                      <a:r>
-                        <a:rPr lang="en-US" altLang="ko-KR" dirty="0"/>
-                        <a:t>CNN </a:t>
-                      </a:r>
-                      <a:r>
-                        <a:rPr lang="ko-KR" altLang="en-US" dirty="0"/>
-                        <a:t>기반 물체 검출 알고리즘의 속도 향상을 위한 </a:t>
-                      </a:r>
-                      <a:r>
-                        <a:rPr lang="en-US" altLang="ko-KR" dirty="0"/>
-                        <a:t>ROI </a:t>
-                      </a:r>
-                      <a:r>
-                        <a:rPr lang="ko-KR" altLang="en-US" dirty="0"/>
-                        <a:t>추출 및 처리 방법</a:t>
-                      </a:r>
-                    </a:p>
-                  </a:txBody>
-                  <a:tcPr anchor="ctr" anchorCtr="1"/>
-                </a:tc>
-                <a:tc>
-                  <a:txBody>
-                    <a:bodyPr/>
-                    <a:lstStyle/>
-                    <a:p>
-                      <a:pPr latinLnBrk="1"/>
-                      <a:endParaRPr lang="en-US" altLang="ko-KR" dirty="0"/>
-                    </a:p>
-                    <a:p>
-                      <a:pPr latinLnBrk="1"/>
-                      <a:r>
-                        <a:rPr lang="ko-KR" altLang="en-US" dirty="0"/>
-                        <a:t> </a:t>
-                      </a:r>
-                      <a:r>
-                        <a:rPr lang="en-US" altLang="ko-KR" dirty="0"/>
-                        <a:t>CNN</a:t>
-                      </a:r>
-                      <a:r>
-                        <a:rPr lang="ko-KR" altLang="en-US" dirty="0"/>
-                        <a:t>기반 물체 검출 알고리즘의 속도를 향상시키기</a:t>
-                      </a:r>
-                    </a:p>
-                    <a:p>
-                      <a:pPr latinLnBrk="1"/>
-                      <a:r>
-                        <a:rPr lang="ko-KR" altLang="en-US" dirty="0"/>
-                        <a:t>위한 새로운 방법을 제안한다</a:t>
-                      </a:r>
-                      <a:r>
-                        <a:rPr lang="en-US" altLang="ko-KR" dirty="0"/>
-                        <a:t>.</a:t>
-                      </a:r>
-                    </a:p>
-                    <a:p>
-                      <a:pPr latinLnBrk="1"/>
-                      <a:r>
-                        <a:rPr lang="en-US" altLang="ko-KR" dirty="0"/>
-                        <a:t> </a:t>
-                      </a:r>
-                      <a:r>
-                        <a:rPr lang="ko-KR" altLang="en-US" dirty="0"/>
-                        <a:t>카메라에서 전달되는 영상에서 </a:t>
-                      </a:r>
-                      <a:r>
-                        <a:rPr lang="en-US" altLang="ko-KR" dirty="0"/>
-                        <a:t>ROI</a:t>
-                      </a:r>
-                      <a:r>
-                        <a:rPr lang="ko-KR" altLang="en-US" dirty="0"/>
-                        <a:t>를 추출한 뒤 이를 기존 </a:t>
-                      </a:r>
-                      <a:r>
-                        <a:rPr lang="en-US" altLang="ko-KR" dirty="0"/>
-                        <a:t>CNN </a:t>
-                      </a:r>
-                      <a:r>
-                        <a:rPr lang="ko-KR" altLang="en-US" dirty="0"/>
-                        <a:t>기반 물체 알고리즘의 입력으로 전달하여 처리하는 방법을 제공한다</a:t>
-                      </a:r>
-                      <a:r>
-                        <a:rPr lang="en-US" altLang="ko-KR" dirty="0"/>
-                        <a:t>.</a:t>
-                      </a:r>
-                    </a:p>
-                    <a:p>
-                      <a:pPr latinLnBrk="1"/>
-                      <a:endParaRPr lang="ko-KR" altLang="en-US" dirty="0"/>
-                    </a:p>
-                  </a:txBody>
-                  <a:tcPr anchor="ctr" anchorCtr="1"/>
-                </a:tc>
-                <a:extLst>
-                  <a:ext uri="{0D108BD9-81ED-4DB2-BD59-A6C34878D82A}">
-                    <a16:rowId xmlns:a16="http://schemas.microsoft.com/office/drawing/2014/main" val="2497558073"/>
-                  </a:ext>
-                </a:extLst>
-              </a:tr>
-            </a:tbl>
-          </a:graphicData>
-        </a:graphic>
-      </p:graphicFrame>
-    </p:spTree>
-    <p:extLst>
-      <p:ext uri="{BB962C8B-B14F-4D97-AF65-F5344CB8AC3E}">
-        <p14:creationId xmlns:p14="http://schemas.microsoft.com/office/powerpoint/2010/main" val="2653137195"/>
       </p:ext>
     </p:extLst>
   </p:cSld>
